--- a/presentation.pptx
+++ b/presentation.pptx
@@ -2,16 +2,23 @@
 <file path=ppt/presentation.xml><?xml version="1.0" encoding="utf-8"?>
 <p:presentation xmlns:a="http://schemas.openxmlformats.org/drawingml/2006/main" xmlns:r="http://schemas.openxmlformats.org/officeDocument/2006/relationships" xmlns:p="http://schemas.openxmlformats.org/presentationml/2006/main" saveSubsetFonts="1">
   <p:sldMasterIdLst>
-    <p:sldMasterId id="2147483648" r:id="rId1"/>
+    <p:sldMasterId id="2147483660" r:id="rId1"/>
   </p:sldMasterIdLst>
+  <p:notesMasterIdLst>
+    <p:notesMasterId r:id="rId13"/>
+  </p:notesMasterIdLst>
   <p:sldIdLst>
     <p:sldId id="256" r:id="rId2"/>
-    <p:sldId id="257" r:id="rId3"/>
-    <p:sldId id="258" r:id="rId4"/>
-    <p:sldId id="259" r:id="rId5"/>
-    <p:sldId id="260" r:id="rId6"/>
-    <p:sldId id="261" r:id="rId7"/>
-    <p:sldId id="262" r:id="rId8"/>
+    <p:sldId id="266" r:id="rId3"/>
+    <p:sldId id="257" r:id="rId4"/>
+    <p:sldId id="258" r:id="rId5"/>
+    <p:sldId id="259" r:id="rId6"/>
+    <p:sldId id="260" r:id="rId7"/>
+    <p:sldId id="265" r:id="rId8"/>
+    <p:sldId id="261" r:id="rId9"/>
+    <p:sldId id="263" r:id="rId10"/>
+    <p:sldId id="264" r:id="rId11"/>
+    <p:sldId id="267" r:id="rId12"/>
   </p:sldIdLst>
   <p:sldSz cx="12192000" cy="6858000"/>
   <p:notesSz cx="6858000" cy="9144000"/>
@@ -19,7 +26,7 @@
     <a:defPPr>
       <a:defRPr lang="en-US"/>
     </a:defPPr>
-    <a:lvl1pPr marL="0" algn="l" defTabSz="914400" rtl="0" eaLnBrk="1" latinLnBrk="0" hangingPunct="1">
+    <a:lvl1pPr marL="0" algn="l" defTabSz="457200" rtl="0" eaLnBrk="1" latinLnBrk="0" hangingPunct="1">
       <a:defRPr sz="1800" kern="1200">
         <a:solidFill>
           <a:schemeClr val="tx1"/>
@@ -29,7 +36,7 @@
         <a:cs typeface="+mn-cs"/>
       </a:defRPr>
     </a:lvl1pPr>
-    <a:lvl2pPr marL="457200" algn="l" defTabSz="914400" rtl="0" eaLnBrk="1" latinLnBrk="0" hangingPunct="1">
+    <a:lvl2pPr marL="457200" algn="l" defTabSz="457200" rtl="0" eaLnBrk="1" latinLnBrk="0" hangingPunct="1">
       <a:defRPr sz="1800" kern="1200">
         <a:solidFill>
           <a:schemeClr val="tx1"/>
@@ -39,7 +46,7 @@
         <a:cs typeface="+mn-cs"/>
       </a:defRPr>
     </a:lvl2pPr>
-    <a:lvl3pPr marL="914400" algn="l" defTabSz="914400" rtl="0" eaLnBrk="1" latinLnBrk="0" hangingPunct="1">
+    <a:lvl3pPr marL="914400" algn="l" defTabSz="457200" rtl="0" eaLnBrk="1" latinLnBrk="0" hangingPunct="1">
       <a:defRPr sz="1800" kern="1200">
         <a:solidFill>
           <a:schemeClr val="tx1"/>
@@ -49,7 +56,7 @@
         <a:cs typeface="+mn-cs"/>
       </a:defRPr>
     </a:lvl3pPr>
-    <a:lvl4pPr marL="1371600" algn="l" defTabSz="914400" rtl="0" eaLnBrk="1" latinLnBrk="0" hangingPunct="1">
+    <a:lvl4pPr marL="1371600" algn="l" defTabSz="457200" rtl="0" eaLnBrk="1" latinLnBrk="0" hangingPunct="1">
       <a:defRPr sz="1800" kern="1200">
         <a:solidFill>
           <a:schemeClr val="tx1"/>
@@ -59,7 +66,7 @@
         <a:cs typeface="+mn-cs"/>
       </a:defRPr>
     </a:lvl4pPr>
-    <a:lvl5pPr marL="1828800" algn="l" defTabSz="914400" rtl="0" eaLnBrk="1" latinLnBrk="0" hangingPunct="1">
+    <a:lvl5pPr marL="1828800" algn="l" defTabSz="457200" rtl="0" eaLnBrk="1" latinLnBrk="0" hangingPunct="1">
       <a:defRPr sz="1800" kern="1200">
         <a:solidFill>
           <a:schemeClr val="tx1"/>
@@ -69,7 +76,7 @@
         <a:cs typeface="+mn-cs"/>
       </a:defRPr>
     </a:lvl5pPr>
-    <a:lvl6pPr marL="2286000" algn="l" defTabSz="914400" rtl="0" eaLnBrk="1" latinLnBrk="0" hangingPunct="1">
+    <a:lvl6pPr marL="2286000" algn="l" defTabSz="457200" rtl="0" eaLnBrk="1" latinLnBrk="0" hangingPunct="1">
       <a:defRPr sz="1800" kern="1200">
         <a:solidFill>
           <a:schemeClr val="tx1"/>
@@ -79,7 +86,7 @@
         <a:cs typeface="+mn-cs"/>
       </a:defRPr>
     </a:lvl6pPr>
-    <a:lvl7pPr marL="2743200" algn="l" defTabSz="914400" rtl="0" eaLnBrk="1" latinLnBrk="0" hangingPunct="1">
+    <a:lvl7pPr marL="2743200" algn="l" defTabSz="457200" rtl="0" eaLnBrk="1" latinLnBrk="0" hangingPunct="1">
       <a:defRPr sz="1800" kern="1200">
         <a:solidFill>
           <a:schemeClr val="tx1"/>
@@ -89,7 +96,7 @@
         <a:cs typeface="+mn-cs"/>
       </a:defRPr>
     </a:lvl7pPr>
-    <a:lvl8pPr marL="3200400" algn="l" defTabSz="914400" rtl="0" eaLnBrk="1" latinLnBrk="0" hangingPunct="1">
+    <a:lvl8pPr marL="3200400" algn="l" defTabSz="457200" rtl="0" eaLnBrk="1" latinLnBrk="0" hangingPunct="1">
       <a:defRPr sz="1800" kern="1200">
         <a:solidFill>
           <a:schemeClr val="tx1"/>
@@ -99,7 +106,7 @@
         <a:cs typeface="+mn-cs"/>
       </a:defRPr>
     </a:lvl8pPr>
-    <a:lvl9pPr marL="3657600" algn="l" defTabSz="914400" rtl="0" eaLnBrk="1" latinLnBrk="0" hangingPunct="1">
+    <a:lvl9pPr marL="3657600" algn="l" defTabSz="457200" rtl="0" eaLnBrk="1" latinLnBrk="0" hangingPunct="1">
       <a:defRPr sz="1800" kern="1200">
         <a:solidFill>
           <a:schemeClr val="tx1"/>
@@ -110,7 +117,449 @@
       </a:defRPr>
     </a:lvl9pPr>
   </p:defaultTextStyle>
+  <p:extLst>
+    <p:ext uri="{EFAFB233-063F-42B5-8137-9DF3F51BA10A}">
+      <p15:sldGuideLst xmlns:p15="http://schemas.microsoft.com/office/powerpoint/2012/main"/>
+    </p:ext>
+  </p:extLst>
 </p:presentation>
+</file>
+
+<file path=ppt/notesMasters/notesMaster1.xml><?xml version="1.0" encoding="utf-8"?>
+<p:notesMaster xmlns:a="http://schemas.openxmlformats.org/drawingml/2006/main" xmlns:r="http://schemas.openxmlformats.org/officeDocument/2006/relationships" xmlns:p="http://schemas.openxmlformats.org/presentationml/2006/main">
+  <p:cSld>
+    <p:bg>
+      <p:bgRef idx="1001">
+        <a:schemeClr val="bg1"/>
+      </p:bgRef>
+    </p:bg>
+    <p:spTree>
+      <p:nvGrpSpPr>
+        <p:cNvPr id="1" name=""/>
+        <p:cNvGrpSpPr/>
+        <p:nvPr/>
+      </p:nvGrpSpPr>
+      <p:grpSpPr>
+        <a:xfrm>
+          <a:off x="0" y="0"/>
+          <a:ext cx="0" cy="0"/>
+          <a:chOff x="0" y="0"/>
+          <a:chExt cx="0" cy="0"/>
+        </a:xfrm>
+      </p:grpSpPr>
+      <p:sp>
+        <p:nvSpPr>
+          <p:cNvPr id="2" name="Header Placeholder 1"/>
+          <p:cNvSpPr>
+            <a:spLocks noGrp="1"/>
+          </p:cNvSpPr>
+          <p:nvPr>
+            <p:ph type="hdr" sz="quarter"/>
+          </p:nvPr>
+        </p:nvSpPr>
+        <p:spPr>
+          <a:xfrm>
+            <a:off x="0" y="0"/>
+            <a:ext cx="2971800" cy="458788"/>
+          </a:xfrm>
+          <a:prstGeom prst="rect">
+            <a:avLst/>
+          </a:prstGeom>
+        </p:spPr>
+        <p:txBody>
+          <a:bodyPr vert="horz" lIns="91440" tIns="45720" rIns="91440" bIns="45720" rtlCol="0"/>
+          <a:lstStyle>
+            <a:lvl1pPr algn="l">
+              <a:defRPr sz="1200"/>
+            </a:lvl1pPr>
+          </a:lstStyle>
+          <a:p>
+            <a:endParaRPr lang="en-GB"/>
+          </a:p>
+        </p:txBody>
+      </p:sp>
+      <p:sp>
+        <p:nvSpPr>
+          <p:cNvPr id="3" name="Date Placeholder 2"/>
+          <p:cNvSpPr>
+            <a:spLocks noGrp="1"/>
+          </p:cNvSpPr>
+          <p:nvPr>
+            <p:ph type="dt" idx="1"/>
+          </p:nvPr>
+        </p:nvSpPr>
+        <p:spPr>
+          <a:xfrm>
+            <a:off x="3884613" y="0"/>
+            <a:ext cx="2971800" cy="458788"/>
+          </a:xfrm>
+          <a:prstGeom prst="rect">
+            <a:avLst/>
+          </a:prstGeom>
+        </p:spPr>
+        <p:txBody>
+          <a:bodyPr vert="horz" lIns="91440" tIns="45720" rIns="91440" bIns="45720" rtlCol="0"/>
+          <a:lstStyle>
+            <a:lvl1pPr algn="r">
+              <a:defRPr sz="1200"/>
+            </a:lvl1pPr>
+          </a:lstStyle>
+          <a:p>
+            <a:fld id="{0C747A5D-1E05-4EA5-BF80-7D656DE4C85D}" type="datetimeFigureOut">
+              <a:rPr lang="en-GB" smtClean="0"/>
+              <a:t>21/02/2023</a:t>
+            </a:fld>
+            <a:endParaRPr lang="en-GB"/>
+          </a:p>
+        </p:txBody>
+      </p:sp>
+      <p:sp>
+        <p:nvSpPr>
+          <p:cNvPr id="4" name="Slide Image Placeholder 3"/>
+          <p:cNvSpPr>
+            <a:spLocks noGrp="1" noRot="1" noChangeAspect="1"/>
+          </p:cNvSpPr>
+          <p:nvPr>
+            <p:ph type="sldImg" idx="2"/>
+          </p:nvPr>
+        </p:nvSpPr>
+        <p:spPr>
+          <a:xfrm>
+            <a:off x="685800" y="1143000"/>
+            <a:ext cx="5486400" cy="3086100"/>
+          </a:xfrm>
+          <a:prstGeom prst="rect">
+            <a:avLst/>
+          </a:prstGeom>
+          <a:noFill/>
+          <a:ln w="12700">
+            <a:solidFill>
+              <a:prstClr val="black"/>
+            </a:solidFill>
+          </a:ln>
+        </p:spPr>
+        <p:txBody>
+          <a:bodyPr vert="horz" lIns="91440" tIns="45720" rIns="91440" bIns="45720" rtlCol="0" anchor="ctr"/>
+          <a:lstStyle/>
+          <a:p>
+            <a:endParaRPr lang="en-GB"/>
+          </a:p>
+        </p:txBody>
+      </p:sp>
+      <p:sp>
+        <p:nvSpPr>
+          <p:cNvPr id="5" name="Notes Placeholder 4"/>
+          <p:cNvSpPr>
+            <a:spLocks noGrp="1"/>
+          </p:cNvSpPr>
+          <p:nvPr>
+            <p:ph type="body" sz="quarter" idx="3"/>
+          </p:nvPr>
+        </p:nvSpPr>
+        <p:spPr>
+          <a:xfrm>
+            <a:off x="685800" y="4400550"/>
+            <a:ext cx="5486400" cy="3600450"/>
+          </a:xfrm>
+          <a:prstGeom prst="rect">
+            <a:avLst/>
+          </a:prstGeom>
+        </p:spPr>
+        <p:txBody>
+          <a:bodyPr vert="horz" lIns="91440" tIns="45720" rIns="91440" bIns="45720" rtlCol="0"/>
+          <a:lstStyle/>
+          <a:p>
+            <a:pPr lvl="0"/>
+            <a:r>
+              <a:rPr lang="en-US"/>
+              <a:t>Click to edit Master text styles</a:t>
+            </a:r>
+          </a:p>
+          <a:p>
+            <a:pPr lvl="1"/>
+            <a:r>
+              <a:rPr lang="en-US"/>
+              <a:t>Second level</a:t>
+            </a:r>
+          </a:p>
+          <a:p>
+            <a:pPr lvl="2"/>
+            <a:r>
+              <a:rPr lang="en-US"/>
+              <a:t>Third level</a:t>
+            </a:r>
+          </a:p>
+          <a:p>
+            <a:pPr lvl="3"/>
+            <a:r>
+              <a:rPr lang="en-US"/>
+              <a:t>Fourth level</a:t>
+            </a:r>
+          </a:p>
+          <a:p>
+            <a:pPr lvl="4"/>
+            <a:r>
+              <a:rPr lang="en-US"/>
+              <a:t>Fifth level</a:t>
+            </a:r>
+            <a:endParaRPr lang="en-GB"/>
+          </a:p>
+        </p:txBody>
+      </p:sp>
+      <p:sp>
+        <p:nvSpPr>
+          <p:cNvPr id="6" name="Footer Placeholder 5"/>
+          <p:cNvSpPr>
+            <a:spLocks noGrp="1"/>
+          </p:cNvSpPr>
+          <p:nvPr>
+            <p:ph type="ftr" sz="quarter" idx="4"/>
+          </p:nvPr>
+        </p:nvSpPr>
+        <p:spPr>
+          <a:xfrm>
+            <a:off x="0" y="8685213"/>
+            <a:ext cx="2971800" cy="458787"/>
+          </a:xfrm>
+          <a:prstGeom prst="rect">
+            <a:avLst/>
+          </a:prstGeom>
+        </p:spPr>
+        <p:txBody>
+          <a:bodyPr vert="horz" lIns="91440" tIns="45720" rIns="91440" bIns="45720" rtlCol="0" anchor="b"/>
+          <a:lstStyle>
+            <a:lvl1pPr algn="l">
+              <a:defRPr sz="1200"/>
+            </a:lvl1pPr>
+          </a:lstStyle>
+          <a:p>
+            <a:endParaRPr lang="en-GB"/>
+          </a:p>
+        </p:txBody>
+      </p:sp>
+      <p:sp>
+        <p:nvSpPr>
+          <p:cNvPr id="7" name="Slide Number Placeholder 6"/>
+          <p:cNvSpPr>
+            <a:spLocks noGrp="1"/>
+          </p:cNvSpPr>
+          <p:nvPr>
+            <p:ph type="sldNum" sz="quarter" idx="5"/>
+          </p:nvPr>
+        </p:nvSpPr>
+        <p:spPr>
+          <a:xfrm>
+            <a:off x="3884613" y="8685213"/>
+            <a:ext cx="2971800" cy="458787"/>
+          </a:xfrm>
+          <a:prstGeom prst="rect">
+            <a:avLst/>
+          </a:prstGeom>
+        </p:spPr>
+        <p:txBody>
+          <a:bodyPr vert="horz" lIns="91440" tIns="45720" rIns="91440" bIns="45720" rtlCol="0" anchor="b"/>
+          <a:lstStyle>
+            <a:lvl1pPr algn="r">
+              <a:defRPr sz="1200"/>
+            </a:lvl1pPr>
+          </a:lstStyle>
+          <a:p>
+            <a:fld id="{F71A650B-1852-406C-B8D6-9A5A2F4836DC}" type="slidenum">
+              <a:rPr lang="en-GB" smtClean="0"/>
+              <a:t>‹#›</a:t>
+            </a:fld>
+            <a:endParaRPr lang="en-GB"/>
+          </a:p>
+        </p:txBody>
+      </p:sp>
+    </p:spTree>
+    <p:extLst>
+      <p:ext uri="{BB962C8B-B14F-4D97-AF65-F5344CB8AC3E}">
+        <p14:creationId xmlns:p14="http://schemas.microsoft.com/office/powerpoint/2010/main" val="4065451319"/>
+      </p:ext>
+    </p:extLst>
+  </p:cSld>
+  <p:clrMap bg1="lt1" tx1="dk1" bg2="lt2" tx2="dk2" accent1="accent1" accent2="accent2" accent3="accent3" accent4="accent4" accent5="accent5" accent6="accent6" hlink="hlink" folHlink="folHlink"/>
+  <p:notesStyle>
+    <a:lvl1pPr marL="0" algn="l" defTabSz="914400" rtl="0" eaLnBrk="1" latinLnBrk="0" hangingPunct="1">
+      <a:defRPr sz="1200" kern="1200">
+        <a:solidFill>
+          <a:schemeClr val="tx1"/>
+        </a:solidFill>
+        <a:latin typeface="+mn-lt"/>
+        <a:ea typeface="+mn-ea"/>
+        <a:cs typeface="+mn-cs"/>
+      </a:defRPr>
+    </a:lvl1pPr>
+    <a:lvl2pPr marL="457200" algn="l" defTabSz="914400" rtl="0" eaLnBrk="1" latinLnBrk="0" hangingPunct="1">
+      <a:defRPr sz="1200" kern="1200">
+        <a:solidFill>
+          <a:schemeClr val="tx1"/>
+        </a:solidFill>
+        <a:latin typeface="+mn-lt"/>
+        <a:ea typeface="+mn-ea"/>
+        <a:cs typeface="+mn-cs"/>
+      </a:defRPr>
+    </a:lvl2pPr>
+    <a:lvl3pPr marL="914400" algn="l" defTabSz="914400" rtl="0" eaLnBrk="1" latinLnBrk="0" hangingPunct="1">
+      <a:defRPr sz="1200" kern="1200">
+        <a:solidFill>
+          <a:schemeClr val="tx1"/>
+        </a:solidFill>
+        <a:latin typeface="+mn-lt"/>
+        <a:ea typeface="+mn-ea"/>
+        <a:cs typeface="+mn-cs"/>
+      </a:defRPr>
+    </a:lvl3pPr>
+    <a:lvl4pPr marL="1371600" algn="l" defTabSz="914400" rtl="0" eaLnBrk="1" latinLnBrk="0" hangingPunct="1">
+      <a:defRPr sz="1200" kern="1200">
+        <a:solidFill>
+          <a:schemeClr val="tx1"/>
+        </a:solidFill>
+        <a:latin typeface="+mn-lt"/>
+        <a:ea typeface="+mn-ea"/>
+        <a:cs typeface="+mn-cs"/>
+      </a:defRPr>
+    </a:lvl4pPr>
+    <a:lvl5pPr marL="1828800" algn="l" defTabSz="914400" rtl="0" eaLnBrk="1" latinLnBrk="0" hangingPunct="1">
+      <a:defRPr sz="1200" kern="1200">
+        <a:solidFill>
+          <a:schemeClr val="tx1"/>
+        </a:solidFill>
+        <a:latin typeface="+mn-lt"/>
+        <a:ea typeface="+mn-ea"/>
+        <a:cs typeface="+mn-cs"/>
+      </a:defRPr>
+    </a:lvl5pPr>
+    <a:lvl6pPr marL="2286000" algn="l" defTabSz="914400" rtl="0" eaLnBrk="1" latinLnBrk="0" hangingPunct="1">
+      <a:defRPr sz="1200" kern="1200">
+        <a:solidFill>
+          <a:schemeClr val="tx1"/>
+        </a:solidFill>
+        <a:latin typeface="+mn-lt"/>
+        <a:ea typeface="+mn-ea"/>
+        <a:cs typeface="+mn-cs"/>
+      </a:defRPr>
+    </a:lvl6pPr>
+    <a:lvl7pPr marL="2743200" algn="l" defTabSz="914400" rtl="0" eaLnBrk="1" latinLnBrk="0" hangingPunct="1">
+      <a:defRPr sz="1200" kern="1200">
+        <a:solidFill>
+          <a:schemeClr val="tx1"/>
+        </a:solidFill>
+        <a:latin typeface="+mn-lt"/>
+        <a:ea typeface="+mn-ea"/>
+        <a:cs typeface="+mn-cs"/>
+      </a:defRPr>
+    </a:lvl7pPr>
+    <a:lvl8pPr marL="3200400" algn="l" defTabSz="914400" rtl="0" eaLnBrk="1" latinLnBrk="0" hangingPunct="1">
+      <a:defRPr sz="1200" kern="1200">
+        <a:solidFill>
+          <a:schemeClr val="tx1"/>
+        </a:solidFill>
+        <a:latin typeface="+mn-lt"/>
+        <a:ea typeface="+mn-ea"/>
+        <a:cs typeface="+mn-cs"/>
+      </a:defRPr>
+    </a:lvl8pPr>
+    <a:lvl9pPr marL="3657600" algn="l" defTabSz="914400" rtl="0" eaLnBrk="1" latinLnBrk="0" hangingPunct="1">
+      <a:defRPr sz="1200" kern="1200">
+        <a:solidFill>
+          <a:schemeClr val="tx1"/>
+        </a:solidFill>
+        <a:latin typeface="+mn-lt"/>
+        <a:ea typeface="+mn-ea"/>
+        <a:cs typeface="+mn-cs"/>
+      </a:defRPr>
+    </a:lvl9pPr>
+  </p:notesStyle>
+</p:notesMaster>
+</file>
+
+<file path=ppt/notesSlides/notesSlide1.xml><?xml version="1.0" encoding="utf-8"?>
+<p:notes xmlns:a="http://schemas.openxmlformats.org/drawingml/2006/main" xmlns:r="http://schemas.openxmlformats.org/officeDocument/2006/relationships" xmlns:p="http://schemas.openxmlformats.org/presentationml/2006/main">
+  <p:cSld>
+    <p:spTree>
+      <p:nvGrpSpPr>
+        <p:cNvPr id="1" name=""/>
+        <p:cNvGrpSpPr/>
+        <p:nvPr/>
+      </p:nvGrpSpPr>
+      <p:grpSpPr>
+        <a:xfrm>
+          <a:off x="0" y="0"/>
+          <a:ext cx="0" cy="0"/>
+          <a:chOff x="0" y="0"/>
+          <a:chExt cx="0" cy="0"/>
+        </a:xfrm>
+      </p:grpSpPr>
+      <p:sp>
+        <p:nvSpPr>
+          <p:cNvPr id="2" name="Slide Image Placeholder 1"/>
+          <p:cNvSpPr>
+            <a:spLocks noGrp="1" noRot="1" noChangeAspect="1"/>
+          </p:cNvSpPr>
+          <p:nvPr>
+            <p:ph type="sldImg"/>
+          </p:nvPr>
+        </p:nvSpPr>
+        <p:spPr/>
+      </p:sp>
+      <p:sp>
+        <p:nvSpPr>
+          <p:cNvPr id="3" name="Notes Placeholder 2"/>
+          <p:cNvSpPr>
+            <a:spLocks noGrp="1"/>
+          </p:cNvSpPr>
+          <p:nvPr>
+            <p:ph type="body" idx="1"/>
+          </p:nvPr>
+        </p:nvSpPr>
+        <p:spPr/>
+        <p:txBody>
+          <a:bodyPr/>
+          <a:lstStyle/>
+          <a:p>
+            <a:r>
+              <a:rPr lang="en-GB" dirty="0"/>
+              <a:t>Western Australia big year in 2006 – total reported animals is up more than 38% on the previous year</a:t>
+            </a:r>
+          </a:p>
+        </p:txBody>
+      </p:sp>
+      <p:sp>
+        <p:nvSpPr>
+          <p:cNvPr id="4" name="Slide Number Placeholder 3"/>
+          <p:cNvSpPr>
+            <a:spLocks noGrp="1"/>
+          </p:cNvSpPr>
+          <p:nvPr>
+            <p:ph type="sldNum" sz="quarter" idx="5"/>
+          </p:nvPr>
+        </p:nvSpPr>
+        <p:spPr/>
+        <p:txBody>
+          <a:bodyPr/>
+          <a:lstStyle/>
+          <a:p>
+            <a:fld id="{F71A650B-1852-406C-B8D6-9A5A2F4836DC}" type="slidenum">
+              <a:rPr lang="en-GB" smtClean="0"/>
+              <a:t>9</a:t>
+            </a:fld>
+            <a:endParaRPr lang="en-GB"/>
+          </a:p>
+        </p:txBody>
+      </p:sp>
+    </p:spTree>
+    <p:extLst>
+      <p:ext uri="{BB962C8B-B14F-4D97-AF65-F5344CB8AC3E}">
+        <p14:creationId xmlns:p14="http://schemas.microsoft.com/office/powerpoint/2010/main" val="3736963238"/>
+      </p:ext>
+    </p:extLst>
+  </p:cSld>
+  <p:clrMapOvr>
+    <a:masterClrMapping/>
+  </p:clrMapOvr>
+</p:notes>
 </file>
 
 <file path=ppt/slideLayouts/slideLayout1.xml><?xml version="1.0" encoding="utf-8"?>
@@ -132,31 +581,76 @@
       </p:grpSpPr>
       <p:sp>
         <p:nvSpPr>
-          <p:cNvPr id="2" name="Title 1">
-            <a:extLst>
-              <a:ext uri="{FF2B5EF4-FFF2-40B4-BE49-F238E27FC236}">
-                <a16:creationId xmlns:a16="http://schemas.microsoft.com/office/drawing/2014/main" id="{800F8F3F-C5A1-A7E1-821F-E7828C6F1A7E}"/>
-              </a:ext>
-            </a:extLst>
-          </p:cNvPr>
-          <p:cNvSpPr>
-            <a:spLocks noGrp="1"/>
-          </p:cNvSpPr>
-          <p:nvPr>
-            <p:ph type="ctrTitle"/>
-          </p:nvPr>
+          <p:cNvPr id="7" name="Rectangle 6"/>
+          <p:cNvSpPr>
+            <a:spLocks noChangeAspect="1"/>
+          </p:cNvSpPr>
+          <p:nvPr/>
         </p:nvSpPr>
         <p:spPr>
           <a:xfrm>
-            <a:off x="1524000" y="1122363"/>
-            <a:ext cx="9144000" cy="2387600"/>
+            <a:off x="231140" y="243840"/>
+            <a:ext cx="11724640" cy="6377939"/>
+          </a:xfrm>
+          <a:prstGeom prst="rect">
+            <a:avLst/>
+          </a:prstGeom>
+          <a:solidFill>
+            <a:schemeClr val="accent1"/>
+          </a:solidFill>
+          <a:ln w="12700">
+            <a:solidFill>
+              <a:srgbClr val="FFFFFF"/>
+            </a:solidFill>
+          </a:ln>
+        </p:spPr>
+        <p:style>
+          <a:lnRef idx="2">
+            <a:schemeClr val="accent1">
+              <a:shade val="50000"/>
+            </a:schemeClr>
+          </a:lnRef>
+          <a:fillRef idx="1">
+            <a:schemeClr val="accent1"/>
+          </a:fillRef>
+          <a:effectRef idx="0">
+            <a:schemeClr val="accent1"/>
+          </a:effectRef>
+          <a:fontRef idx="minor">
+            <a:schemeClr val="lt1"/>
+          </a:fontRef>
+        </p:style>
+      </p:sp>
+      <p:sp>
+        <p:nvSpPr>
+          <p:cNvPr id="2" name="Title 1"/>
+          <p:cNvSpPr>
+            <a:spLocks noGrp="1"/>
+          </p:cNvSpPr>
+          <p:nvPr>
+            <p:ph type="ctrTitle"/>
+          </p:nvPr>
+        </p:nvSpPr>
+        <p:spPr>
+          <a:xfrm>
+            <a:off x="1109980" y="882376"/>
+            <a:ext cx="9966960" cy="2926080"/>
           </a:xfrm>
         </p:spPr>
         <p:txBody>
-          <a:bodyPr anchor="b"/>
+          <a:bodyPr anchor="b">
+            <a:normAutofit/>
+          </a:bodyPr>
           <a:lstStyle>
             <a:lvl1pPr algn="ctr">
-              <a:defRPr sz="6000"/>
+              <a:lnSpc>
+                <a:spcPct val="85000"/>
+              </a:lnSpc>
+              <a:defRPr sz="7200" b="1" cap="all" baseline="0">
+                <a:solidFill>
+                  <a:srgbClr val="FFFFFF"/>
+                </a:solidFill>
+              </a:defRPr>
             </a:lvl1pPr>
           </a:lstStyle>
           <a:p>
@@ -164,19 +658,13 @@
               <a:rPr lang="en-US"/>
               <a:t>Click to edit Master title style</a:t>
             </a:r>
-            <a:endParaRPr lang="en-GB"/>
-          </a:p>
-        </p:txBody>
-      </p:sp>
-      <p:sp>
-        <p:nvSpPr>
-          <p:cNvPr id="3" name="Subtitle 2">
-            <a:extLst>
-              <a:ext uri="{FF2B5EF4-FFF2-40B4-BE49-F238E27FC236}">
-                <a16:creationId xmlns:a16="http://schemas.microsoft.com/office/drawing/2014/main" id="{69BF2531-0863-98EC-3E38-C35C079D04CD}"/>
-              </a:ext>
-            </a:extLst>
-          </p:cNvPr>
+            <a:endParaRPr lang="en-US" dirty="0"/>
+          </a:p>
+        </p:txBody>
+      </p:sp>
+      <p:sp>
+        <p:nvSpPr>
+          <p:cNvPr id="3" name="Subtitle 2"/>
           <p:cNvSpPr>
             <a:spLocks noGrp="1"/>
           </p:cNvSpPr>
@@ -186,48 +674,54 @@
         </p:nvSpPr>
         <p:spPr>
           <a:xfrm>
-            <a:off x="1524000" y="3602038"/>
-            <a:ext cx="9144000" cy="1655762"/>
+            <a:off x="1709530" y="3869634"/>
+            <a:ext cx="8767860" cy="1388165"/>
           </a:xfrm>
         </p:spPr>
         <p:txBody>
-          <a:bodyPr/>
+          <a:bodyPr>
+            <a:normAutofit/>
+          </a:bodyPr>
           <a:lstStyle>
             <a:lvl1pPr marL="0" indent="0" algn="ctr">
               <a:buNone/>
-              <a:defRPr sz="2400"/>
+              <a:defRPr sz="2200">
+                <a:solidFill>
+                  <a:srgbClr val="FFFFFF"/>
+                </a:solidFill>
+              </a:defRPr>
             </a:lvl1pPr>
             <a:lvl2pPr marL="457200" indent="0" algn="ctr">
               <a:buNone/>
-              <a:defRPr sz="2000"/>
+              <a:defRPr sz="2200"/>
             </a:lvl2pPr>
             <a:lvl3pPr marL="914400" indent="0" algn="ctr">
               <a:buNone/>
-              <a:defRPr sz="1800"/>
+              <a:defRPr sz="2200"/>
             </a:lvl3pPr>
             <a:lvl4pPr marL="1371600" indent="0" algn="ctr">
               <a:buNone/>
-              <a:defRPr sz="1600"/>
+              <a:defRPr sz="2000"/>
             </a:lvl4pPr>
             <a:lvl5pPr marL="1828800" indent="0" algn="ctr">
               <a:buNone/>
-              <a:defRPr sz="1600"/>
+              <a:defRPr sz="2000"/>
             </a:lvl5pPr>
             <a:lvl6pPr marL="2286000" indent="0" algn="ctr">
               <a:buNone/>
-              <a:defRPr sz="1600"/>
+              <a:defRPr sz="2000"/>
             </a:lvl6pPr>
             <a:lvl7pPr marL="2743200" indent="0" algn="ctr">
               <a:buNone/>
-              <a:defRPr sz="1600"/>
+              <a:defRPr sz="2000"/>
             </a:lvl7pPr>
             <a:lvl8pPr marL="3200400" indent="0" algn="ctr">
               <a:buNone/>
-              <a:defRPr sz="1600"/>
+              <a:defRPr sz="2000"/>
             </a:lvl8pPr>
             <a:lvl9pPr marL="3657600" indent="0" algn="ctr">
               <a:buNone/>
-              <a:defRPr sz="1600"/>
+              <a:defRPr sz="2000"/>
             </a:lvl9pPr>
           </a:lstStyle>
           <a:p>
@@ -235,19 +729,13 @@
               <a:rPr lang="en-US"/>
               <a:t>Click to edit Master subtitle style</a:t>
             </a:r>
-            <a:endParaRPr lang="en-GB"/>
-          </a:p>
-        </p:txBody>
-      </p:sp>
-      <p:sp>
-        <p:nvSpPr>
-          <p:cNvPr id="4" name="Date Placeholder 3">
-            <a:extLst>
-              <a:ext uri="{FF2B5EF4-FFF2-40B4-BE49-F238E27FC236}">
-                <a16:creationId xmlns:a16="http://schemas.microsoft.com/office/drawing/2014/main" id="{CD9906DC-4F26-20F2-31A0-EBD2C05B4535}"/>
-              </a:ext>
-            </a:extLst>
-          </p:cNvPr>
+            <a:endParaRPr lang="en-US" dirty="0"/>
+          </a:p>
+        </p:txBody>
+      </p:sp>
+      <p:sp>
+        <p:nvSpPr>
+          <p:cNvPr id="4" name="Date Placeholder 3"/>
           <p:cNvSpPr>
             <a:spLocks noGrp="1"/>
           </p:cNvSpPr>
@@ -258,11 +746,19 @@
         <p:spPr/>
         <p:txBody>
           <a:bodyPr/>
-          <a:lstStyle/>
+          <a:lstStyle>
+            <a:lvl1pPr>
+              <a:defRPr>
+                <a:solidFill>
+                  <a:srgbClr val="FFFFFF"/>
+                </a:solidFill>
+              </a:defRPr>
+            </a:lvl1pPr>
+          </a:lstStyle>
           <a:p>
             <a:fld id="{6AAA0F4C-345D-4BF6-9517-98BB3735E020}" type="datetimeFigureOut">
               <a:rPr lang="en-GB" smtClean="0"/>
-              <a:t>20/02/2023</a:t>
+              <a:t>21/02/2023</a:t>
             </a:fld>
             <a:endParaRPr lang="en-GB"/>
           </a:p>
@@ -270,13 +766,7 @@
       </p:sp>
       <p:sp>
         <p:nvSpPr>
-          <p:cNvPr id="5" name="Footer Placeholder 4">
-            <a:extLst>
-              <a:ext uri="{FF2B5EF4-FFF2-40B4-BE49-F238E27FC236}">
-                <a16:creationId xmlns:a16="http://schemas.microsoft.com/office/drawing/2014/main" id="{CC62A654-8B9A-0DE6-4DEF-ACD2EDEA0BC0}"/>
-              </a:ext>
-            </a:extLst>
-          </p:cNvPr>
+          <p:cNvPr id="5" name="Footer Placeholder 4"/>
           <p:cNvSpPr>
             <a:spLocks noGrp="1"/>
           </p:cNvSpPr>
@@ -287,7 +777,15 @@
         <p:spPr/>
         <p:txBody>
           <a:bodyPr/>
-          <a:lstStyle/>
+          <a:lstStyle>
+            <a:lvl1pPr>
+              <a:defRPr>
+                <a:solidFill>
+                  <a:srgbClr val="FFFFFF"/>
+                </a:solidFill>
+              </a:defRPr>
+            </a:lvl1pPr>
+          </a:lstStyle>
           <a:p>
             <a:endParaRPr lang="en-GB"/>
           </a:p>
@@ -295,13 +793,7 @@
       </p:sp>
       <p:sp>
         <p:nvSpPr>
-          <p:cNvPr id="6" name="Slide Number Placeholder 5">
-            <a:extLst>
-              <a:ext uri="{FF2B5EF4-FFF2-40B4-BE49-F238E27FC236}">
-                <a16:creationId xmlns:a16="http://schemas.microsoft.com/office/drawing/2014/main" id="{E8C1EA87-3186-19E6-DFB5-CAE3C54A8C80}"/>
-              </a:ext>
-            </a:extLst>
-          </p:cNvPr>
+          <p:cNvPr id="6" name="Slide Number Placeholder 5"/>
           <p:cNvSpPr>
             <a:spLocks noGrp="1"/>
           </p:cNvSpPr>
@@ -312,7 +804,15 @@
         <p:spPr/>
         <p:txBody>
           <a:bodyPr/>
-          <a:lstStyle/>
+          <a:lstStyle>
+            <a:lvl1pPr>
+              <a:defRPr>
+                <a:solidFill>
+                  <a:srgbClr val="FFFFFF"/>
+                </a:solidFill>
+              </a:defRPr>
+            </a:lvl1pPr>
+          </a:lstStyle>
           <a:p>
             <a:fld id="{92256EE5-ABB3-418A-B601-E047CC6ABCFF}" type="slidenum">
               <a:rPr lang="en-GB" smtClean="0"/>
@@ -322,10 +822,45 @@
           </a:p>
         </p:txBody>
       </p:sp>
+      <p:cxnSp>
+        <p:nvCxnSpPr>
+          <p:cNvPr id="8" name="Straight Connector 7"/>
+          <p:cNvCxnSpPr/>
+          <p:nvPr/>
+        </p:nvCxnSpPr>
+        <p:spPr>
+          <a:xfrm>
+            <a:off x="1978660" y="3733800"/>
+            <a:ext cx="8229601" cy="0"/>
+          </a:xfrm>
+          <a:prstGeom prst="line">
+            <a:avLst/>
+          </a:prstGeom>
+          <a:ln>
+            <a:solidFill>
+              <a:srgbClr val="FFFFFF"/>
+            </a:solidFill>
+          </a:ln>
+        </p:spPr>
+        <p:style>
+          <a:lnRef idx="1">
+            <a:schemeClr val="accent1"/>
+          </a:lnRef>
+          <a:fillRef idx="0">
+            <a:schemeClr val="accent1"/>
+          </a:fillRef>
+          <a:effectRef idx="0">
+            <a:schemeClr val="accent1"/>
+          </a:effectRef>
+          <a:fontRef idx="minor">
+            <a:schemeClr val="tx1"/>
+          </a:fontRef>
+        </p:style>
+      </p:cxnSp>
     </p:spTree>
     <p:extLst>
       <p:ext uri="{BB962C8B-B14F-4D97-AF65-F5344CB8AC3E}">
-        <p14:creationId xmlns:p14="http://schemas.microsoft.com/office/powerpoint/2010/main" val="366621929"/>
+        <p14:creationId xmlns:p14="http://schemas.microsoft.com/office/powerpoint/2010/main" val="1346777832"/>
       </p:ext>
     </p:extLst>
   </p:cSld>
@@ -354,13 +889,7 @@
       </p:grpSpPr>
       <p:sp>
         <p:nvSpPr>
-          <p:cNvPr id="2" name="Title 1">
-            <a:extLst>
-              <a:ext uri="{FF2B5EF4-FFF2-40B4-BE49-F238E27FC236}">
-                <a16:creationId xmlns:a16="http://schemas.microsoft.com/office/drawing/2014/main" id="{9D4DED5D-686F-F7E4-4F99-1B6B378CF0BC}"/>
-              </a:ext>
-            </a:extLst>
-          </p:cNvPr>
+          <p:cNvPr id="2" name="Title 1"/>
           <p:cNvSpPr>
             <a:spLocks noGrp="1"/>
           </p:cNvSpPr>
@@ -377,19 +906,13 @@
               <a:rPr lang="en-US"/>
               <a:t>Click to edit Master title style</a:t>
             </a:r>
-            <a:endParaRPr lang="en-GB"/>
-          </a:p>
-        </p:txBody>
-      </p:sp>
-      <p:sp>
-        <p:nvSpPr>
-          <p:cNvPr id="3" name="Vertical Text Placeholder 2">
-            <a:extLst>
-              <a:ext uri="{FF2B5EF4-FFF2-40B4-BE49-F238E27FC236}">
-                <a16:creationId xmlns:a16="http://schemas.microsoft.com/office/drawing/2014/main" id="{ADCD98AB-FD18-BE25-6927-3744997AC5F4}"/>
-              </a:ext>
-            </a:extLst>
-          </p:cNvPr>
+            <a:endParaRPr lang="en-US" dirty="0"/>
+          </a:p>
+        </p:txBody>
+      </p:sp>
+      <p:sp>
+        <p:nvSpPr>
+          <p:cNvPr id="3" name="Vertical Text Placeholder 2"/>
           <p:cNvSpPr>
             <a:spLocks noGrp="1"/>
           </p:cNvSpPr>
@@ -435,19 +958,13 @@
               <a:rPr lang="en-US"/>
               <a:t>Fifth level</a:t>
             </a:r>
-            <a:endParaRPr lang="en-GB"/>
-          </a:p>
-        </p:txBody>
-      </p:sp>
-      <p:sp>
-        <p:nvSpPr>
-          <p:cNvPr id="4" name="Date Placeholder 3">
-            <a:extLst>
-              <a:ext uri="{FF2B5EF4-FFF2-40B4-BE49-F238E27FC236}">
-                <a16:creationId xmlns:a16="http://schemas.microsoft.com/office/drawing/2014/main" id="{190CBD33-93A5-2872-853B-D9E6BEDE2757}"/>
-              </a:ext>
-            </a:extLst>
-          </p:cNvPr>
+            <a:endParaRPr lang="en-US" dirty="0"/>
+          </a:p>
+        </p:txBody>
+      </p:sp>
+      <p:sp>
+        <p:nvSpPr>
+          <p:cNvPr id="4" name="Date Placeholder 3"/>
           <p:cNvSpPr>
             <a:spLocks noGrp="1"/>
           </p:cNvSpPr>
@@ -462,7 +979,7 @@
           <a:p>
             <a:fld id="{6AAA0F4C-345D-4BF6-9517-98BB3735E020}" type="datetimeFigureOut">
               <a:rPr lang="en-GB" smtClean="0"/>
-              <a:t>20/02/2023</a:t>
+              <a:t>21/02/2023</a:t>
             </a:fld>
             <a:endParaRPr lang="en-GB"/>
           </a:p>
@@ -470,13 +987,7 @@
       </p:sp>
       <p:sp>
         <p:nvSpPr>
-          <p:cNvPr id="5" name="Footer Placeholder 4">
-            <a:extLst>
-              <a:ext uri="{FF2B5EF4-FFF2-40B4-BE49-F238E27FC236}">
-                <a16:creationId xmlns:a16="http://schemas.microsoft.com/office/drawing/2014/main" id="{5E3F2509-E287-7FCD-19B4-CBC47C4F0726}"/>
-              </a:ext>
-            </a:extLst>
-          </p:cNvPr>
+          <p:cNvPr id="5" name="Footer Placeholder 4"/>
           <p:cNvSpPr>
             <a:spLocks noGrp="1"/>
           </p:cNvSpPr>
@@ -495,13 +1006,7 @@
       </p:sp>
       <p:sp>
         <p:nvSpPr>
-          <p:cNvPr id="6" name="Slide Number Placeholder 5">
-            <a:extLst>
-              <a:ext uri="{FF2B5EF4-FFF2-40B4-BE49-F238E27FC236}">
-                <a16:creationId xmlns:a16="http://schemas.microsoft.com/office/drawing/2014/main" id="{0843A0CA-717D-104A-CE41-3E91C042CCF5}"/>
-              </a:ext>
-            </a:extLst>
-          </p:cNvPr>
+          <p:cNvPr id="6" name="Slide Number Placeholder 5"/>
           <p:cNvSpPr>
             <a:spLocks noGrp="1"/>
           </p:cNvSpPr>
@@ -525,7 +1030,7 @@
     </p:spTree>
     <p:extLst>
       <p:ext uri="{BB962C8B-B14F-4D97-AF65-F5344CB8AC3E}">
-        <p14:creationId xmlns:p14="http://schemas.microsoft.com/office/powerpoint/2010/main" val="141310619"/>
+        <p14:creationId xmlns:p14="http://schemas.microsoft.com/office/powerpoint/2010/main" val="944305187"/>
       </p:ext>
     </p:extLst>
   </p:cSld>
@@ -554,13 +1059,7 @@
       </p:grpSpPr>
       <p:sp>
         <p:nvSpPr>
-          <p:cNvPr id="2" name="Vertical Title 1">
-            <a:extLst>
-              <a:ext uri="{FF2B5EF4-FFF2-40B4-BE49-F238E27FC236}">
-                <a16:creationId xmlns:a16="http://schemas.microsoft.com/office/drawing/2014/main" id="{5076777A-83C3-1418-A37C-74817D5A6FDC}"/>
-              </a:ext>
-            </a:extLst>
-          </p:cNvPr>
+          <p:cNvPr id="2" name="Vertical Title 1"/>
           <p:cNvSpPr>
             <a:spLocks noGrp="1"/>
           </p:cNvSpPr>
@@ -570,8 +1069,8 @@
         </p:nvSpPr>
         <p:spPr>
           <a:xfrm>
-            <a:off x="8724900" y="365125"/>
-            <a:ext cx="2628900" cy="5811838"/>
+            <a:off x="8724900" y="762000"/>
+            <a:ext cx="2324100" cy="5410200"/>
           </a:xfrm>
         </p:spPr>
         <p:txBody>
@@ -582,19 +1081,13 @@
               <a:rPr lang="en-US"/>
               <a:t>Click to edit Master title style</a:t>
             </a:r>
-            <a:endParaRPr lang="en-GB"/>
-          </a:p>
-        </p:txBody>
-      </p:sp>
-      <p:sp>
-        <p:nvSpPr>
-          <p:cNvPr id="3" name="Vertical Text Placeholder 2">
-            <a:extLst>
-              <a:ext uri="{FF2B5EF4-FFF2-40B4-BE49-F238E27FC236}">
-                <a16:creationId xmlns:a16="http://schemas.microsoft.com/office/drawing/2014/main" id="{C2EBA7BC-00A1-7C5E-0372-91E45221438E}"/>
-              </a:ext>
-            </a:extLst>
-          </p:cNvPr>
+            <a:endParaRPr lang="en-US" dirty="0"/>
+          </a:p>
+        </p:txBody>
+      </p:sp>
+      <p:sp>
+        <p:nvSpPr>
+          <p:cNvPr id="3" name="Vertical Text Placeholder 2"/>
           <p:cNvSpPr>
             <a:spLocks noGrp="1"/>
           </p:cNvSpPr>
@@ -604,8 +1097,8 @@
         </p:nvSpPr>
         <p:spPr>
           <a:xfrm>
-            <a:off x="838200" y="365125"/>
-            <a:ext cx="7734300" cy="5811838"/>
+            <a:off x="1143000" y="762000"/>
+            <a:ext cx="7429500" cy="5410200"/>
           </a:xfrm>
         </p:spPr>
         <p:txBody>
@@ -645,19 +1138,13 @@
               <a:rPr lang="en-US"/>
               <a:t>Fifth level</a:t>
             </a:r>
-            <a:endParaRPr lang="en-GB"/>
-          </a:p>
-        </p:txBody>
-      </p:sp>
-      <p:sp>
-        <p:nvSpPr>
-          <p:cNvPr id="4" name="Date Placeholder 3">
-            <a:extLst>
-              <a:ext uri="{FF2B5EF4-FFF2-40B4-BE49-F238E27FC236}">
-                <a16:creationId xmlns:a16="http://schemas.microsoft.com/office/drawing/2014/main" id="{D763750C-EDB1-C4E0-1152-781A873B827F}"/>
-              </a:ext>
-            </a:extLst>
-          </p:cNvPr>
+            <a:endParaRPr lang="en-US" dirty="0"/>
+          </a:p>
+        </p:txBody>
+      </p:sp>
+      <p:sp>
+        <p:nvSpPr>
+          <p:cNvPr id="4" name="Date Placeholder 3"/>
           <p:cNvSpPr>
             <a:spLocks noGrp="1"/>
           </p:cNvSpPr>
@@ -672,7 +1159,7 @@
           <a:p>
             <a:fld id="{6AAA0F4C-345D-4BF6-9517-98BB3735E020}" type="datetimeFigureOut">
               <a:rPr lang="en-GB" smtClean="0"/>
-              <a:t>20/02/2023</a:t>
+              <a:t>21/02/2023</a:t>
             </a:fld>
             <a:endParaRPr lang="en-GB"/>
           </a:p>
@@ -680,13 +1167,7 @@
       </p:sp>
       <p:sp>
         <p:nvSpPr>
-          <p:cNvPr id="5" name="Footer Placeholder 4">
-            <a:extLst>
-              <a:ext uri="{FF2B5EF4-FFF2-40B4-BE49-F238E27FC236}">
-                <a16:creationId xmlns:a16="http://schemas.microsoft.com/office/drawing/2014/main" id="{BFF083E2-083C-9911-1F3F-39B79170BA70}"/>
-              </a:ext>
-            </a:extLst>
-          </p:cNvPr>
+          <p:cNvPr id="5" name="Footer Placeholder 4"/>
           <p:cNvSpPr>
             <a:spLocks noGrp="1"/>
           </p:cNvSpPr>
@@ -705,13 +1186,7 @@
       </p:sp>
       <p:sp>
         <p:nvSpPr>
-          <p:cNvPr id="6" name="Slide Number Placeholder 5">
-            <a:extLst>
-              <a:ext uri="{FF2B5EF4-FFF2-40B4-BE49-F238E27FC236}">
-                <a16:creationId xmlns:a16="http://schemas.microsoft.com/office/drawing/2014/main" id="{CE612D70-7ADF-6CF7-84E8-27428346BD0F}"/>
-              </a:ext>
-            </a:extLst>
-          </p:cNvPr>
+          <p:cNvPr id="6" name="Slide Number Placeholder 5"/>
           <p:cNvSpPr>
             <a:spLocks noGrp="1"/>
           </p:cNvSpPr>
@@ -735,7 +1210,7 @@
     </p:spTree>
     <p:extLst>
       <p:ext uri="{BB962C8B-B14F-4D97-AF65-F5344CB8AC3E}">
-        <p14:creationId xmlns:p14="http://schemas.microsoft.com/office/powerpoint/2010/main" val="4109187324"/>
+        <p14:creationId xmlns:p14="http://schemas.microsoft.com/office/powerpoint/2010/main" val="2932329638"/>
       </p:ext>
     </p:extLst>
   </p:cSld>
@@ -764,13 +1239,7 @@
       </p:grpSpPr>
       <p:sp>
         <p:nvSpPr>
-          <p:cNvPr id="2" name="Title 1">
-            <a:extLst>
-              <a:ext uri="{FF2B5EF4-FFF2-40B4-BE49-F238E27FC236}">
-                <a16:creationId xmlns:a16="http://schemas.microsoft.com/office/drawing/2014/main" id="{3D174F66-4B1E-B9CA-956F-033C496A9F7C}"/>
-              </a:ext>
-            </a:extLst>
-          </p:cNvPr>
+          <p:cNvPr id="2" name="Title 1"/>
           <p:cNvSpPr>
             <a:spLocks noGrp="1"/>
           </p:cNvSpPr>
@@ -787,19 +1256,13 @@
               <a:rPr lang="en-US"/>
               <a:t>Click to edit Master title style</a:t>
             </a:r>
-            <a:endParaRPr lang="en-GB"/>
-          </a:p>
-        </p:txBody>
-      </p:sp>
-      <p:sp>
-        <p:nvSpPr>
-          <p:cNvPr id="3" name="Content Placeholder 2">
-            <a:extLst>
-              <a:ext uri="{FF2B5EF4-FFF2-40B4-BE49-F238E27FC236}">
-                <a16:creationId xmlns:a16="http://schemas.microsoft.com/office/drawing/2014/main" id="{81663483-0C73-6D30-0BDA-DD3CB5088830}"/>
-              </a:ext>
-            </a:extLst>
-          </p:cNvPr>
+            <a:endParaRPr lang="en-US" dirty="0"/>
+          </a:p>
+        </p:txBody>
+      </p:sp>
+      <p:sp>
+        <p:nvSpPr>
+          <p:cNvPr id="3" name="Content Placeholder 2"/>
           <p:cNvSpPr>
             <a:spLocks noGrp="1"/>
           </p:cNvSpPr>
@@ -845,19 +1308,13 @@
               <a:rPr lang="en-US"/>
               <a:t>Fifth level</a:t>
             </a:r>
-            <a:endParaRPr lang="en-GB"/>
-          </a:p>
-        </p:txBody>
-      </p:sp>
-      <p:sp>
-        <p:nvSpPr>
-          <p:cNvPr id="4" name="Date Placeholder 3">
-            <a:extLst>
-              <a:ext uri="{FF2B5EF4-FFF2-40B4-BE49-F238E27FC236}">
-                <a16:creationId xmlns:a16="http://schemas.microsoft.com/office/drawing/2014/main" id="{1019B1EF-F3A3-0654-3554-98B353E1D2C2}"/>
-              </a:ext>
-            </a:extLst>
-          </p:cNvPr>
+            <a:endParaRPr lang="en-US" dirty="0"/>
+          </a:p>
+        </p:txBody>
+      </p:sp>
+      <p:sp>
+        <p:nvSpPr>
+          <p:cNvPr id="4" name="Date Placeholder 3"/>
           <p:cNvSpPr>
             <a:spLocks noGrp="1"/>
           </p:cNvSpPr>
@@ -872,7 +1329,7 @@
           <a:p>
             <a:fld id="{6AAA0F4C-345D-4BF6-9517-98BB3735E020}" type="datetimeFigureOut">
               <a:rPr lang="en-GB" smtClean="0"/>
-              <a:t>20/02/2023</a:t>
+              <a:t>21/02/2023</a:t>
             </a:fld>
             <a:endParaRPr lang="en-GB"/>
           </a:p>
@@ -880,13 +1337,7 @@
       </p:sp>
       <p:sp>
         <p:nvSpPr>
-          <p:cNvPr id="5" name="Footer Placeholder 4">
-            <a:extLst>
-              <a:ext uri="{FF2B5EF4-FFF2-40B4-BE49-F238E27FC236}">
-                <a16:creationId xmlns:a16="http://schemas.microsoft.com/office/drawing/2014/main" id="{9A604B7F-71BA-A227-9861-8372FA8B3514}"/>
-              </a:ext>
-            </a:extLst>
-          </p:cNvPr>
+          <p:cNvPr id="5" name="Footer Placeholder 4"/>
           <p:cNvSpPr>
             <a:spLocks noGrp="1"/>
           </p:cNvSpPr>
@@ -905,13 +1356,7 @@
       </p:sp>
       <p:sp>
         <p:nvSpPr>
-          <p:cNvPr id="6" name="Slide Number Placeholder 5">
-            <a:extLst>
-              <a:ext uri="{FF2B5EF4-FFF2-40B4-BE49-F238E27FC236}">
-                <a16:creationId xmlns:a16="http://schemas.microsoft.com/office/drawing/2014/main" id="{AAC0EFA3-37FF-AC89-8F7E-B3244E1C6377}"/>
-              </a:ext>
-            </a:extLst>
-          </p:cNvPr>
+          <p:cNvPr id="6" name="Slide Number Placeholder 5"/>
           <p:cNvSpPr>
             <a:spLocks noGrp="1"/>
           </p:cNvSpPr>
@@ -935,7 +1380,7 @@
     </p:spTree>
     <p:extLst>
       <p:ext uri="{BB962C8B-B14F-4D97-AF65-F5344CB8AC3E}">
-        <p14:creationId xmlns:p14="http://schemas.microsoft.com/office/powerpoint/2010/main" val="3936638203"/>
+        <p14:creationId xmlns:p14="http://schemas.microsoft.com/office/powerpoint/2010/main" val="1917616839"/>
       </p:ext>
     </p:extLst>
   </p:cSld>
@@ -964,13 +1409,7 @@
       </p:grpSpPr>
       <p:sp>
         <p:nvSpPr>
-          <p:cNvPr id="2" name="Title 1">
-            <a:extLst>
-              <a:ext uri="{FF2B5EF4-FFF2-40B4-BE49-F238E27FC236}">
-                <a16:creationId xmlns:a16="http://schemas.microsoft.com/office/drawing/2014/main" id="{15F12FF4-A775-F5BF-7EDB-16C76A3293F7}"/>
-              </a:ext>
-            </a:extLst>
-          </p:cNvPr>
+          <p:cNvPr id="2" name="Title 1"/>
           <p:cNvSpPr>
             <a:spLocks noGrp="1"/>
           </p:cNvSpPr>
@@ -980,15 +1419,20 @@
         </p:nvSpPr>
         <p:spPr>
           <a:xfrm>
-            <a:off x="831850" y="1709738"/>
-            <a:ext cx="10515600" cy="2852737"/>
+            <a:off x="1106424" y="1173575"/>
+            <a:ext cx="9966960" cy="2926080"/>
           </a:xfrm>
         </p:spPr>
         <p:txBody>
-          <a:bodyPr anchor="b"/>
+          <a:bodyPr anchor="b">
+            <a:noAutofit/>
+          </a:bodyPr>
           <a:lstStyle>
-            <a:lvl1pPr>
-              <a:defRPr sz="6000"/>
+            <a:lvl1pPr algn="ctr">
+              <a:lnSpc>
+                <a:spcPct val="85000"/>
+              </a:lnSpc>
+              <a:defRPr sz="7200" b="0" cap="all" baseline="0"/>
             </a:lvl1pPr>
           </a:lstStyle>
           <a:p>
@@ -996,19 +1440,13 @@
               <a:rPr lang="en-US"/>
               <a:t>Click to edit Master title style</a:t>
             </a:r>
-            <a:endParaRPr lang="en-GB"/>
-          </a:p>
-        </p:txBody>
-      </p:sp>
-      <p:sp>
-        <p:nvSpPr>
-          <p:cNvPr id="3" name="Text Placeholder 2">
-            <a:extLst>
-              <a:ext uri="{FF2B5EF4-FFF2-40B4-BE49-F238E27FC236}">
-                <a16:creationId xmlns:a16="http://schemas.microsoft.com/office/drawing/2014/main" id="{5CC712DB-12BD-45EA-CE21-0A15BEAEA1E1}"/>
-              </a:ext>
-            </a:extLst>
-          </p:cNvPr>
+            <a:endParaRPr lang="en-US" dirty="0"/>
+          </a:p>
+        </p:txBody>
+      </p:sp>
+      <p:sp>
+        <p:nvSpPr>
+          <p:cNvPr id="3" name="Text Placeholder 2"/>
           <p:cNvSpPr>
             <a:spLocks noGrp="1"/>
           </p:cNvSpPr>
@@ -1018,26 +1456,26 @@
         </p:nvSpPr>
         <p:spPr>
           <a:xfrm>
-            <a:off x="831850" y="4589463"/>
-            <a:ext cx="10515600" cy="1500187"/>
+            <a:off x="1709928" y="4154520"/>
+            <a:ext cx="8769096" cy="1363806"/>
           </a:xfrm>
         </p:spPr>
         <p:txBody>
-          <a:bodyPr/>
+          <a:bodyPr anchor="t">
+            <a:normAutofit/>
+          </a:bodyPr>
           <a:lstStyle>
-            <a:lvl1pPr marL="0" indent="0">
+            <a:lvl1pPr marL="0" indent="0" algn="ctr">
               <a:buNone/>
-              <a:defRPr sz="2400">
+              <a:defRPr sz="2200">
                 <a:solidFill>
-                  <a:schemeClr val="tx1">
-                    <a:tint val="75000"/>
-                  </a:schemeClr>
+                  <a:schemeClr val="accent1"/>
                 </a:solidFill>
               </a:defRPr>
             </a:lvl1pPr>
             <a:lvl2pPr marL="457200" indent="0">
               <a:buNone/>
-              <a:defRPr sz="2000">
+              <a:defRPr sz="1800">
                 <a:solidFill>
                   <a:schemeClr val="tx1">
                     <a:tint val="75000"/>
@@ -1047,7 +1485,7 @@
             </a:lvl2pPr>
             <a:lvl3pPr marL="914400" indent="0">
               <a:buNone/>
-              <a:defRPr sz="1800">
+              <a:defRPr sz="1600">
                 <a:solidFill>
                   <a:schemeClr val="tx1">
                     <a:tint val="75000"/>
@@ -1057,7 +1495,7 @@
             </a:lvl3pPr>
             <a:lvl4pPr marL="1371600" indent="0">
               <a:buNone/>
-              <a:defRPr sz="1600">
+              <a:defRPr sz="1400">
                 <a:solidFill>
                   <a:schemeClr val="tx1">
                     <a:tint val="75000"/>
@@ -1067,7 +1505,7 @@
             </a:lvl4pPr>
             <a:lvl5pPr marL="1828800" indent="0">
               <a:buNone/>
-              <a:defRPr sz="1600">
+              <a:defRPr sz="1400">
                 <a:solidFill>
                   <a:schemeClr val="tx1">
                     <a:tint val="75000"/>
@@ -1077,7 +1515,7 @@
             </a:lvl5pPr>
             <a:lvl6pPr marL="2286000" indent="0">
               <a:buNone/>
-              <a:defRPr sz="1600">
+              <a:defRPr sz="1400">
                 <a:solidFill>
                   <a:schemeClr val="tx1">
                     <a:tint val="75000"/>
@@ -1087,7 +1525,7 @@
             </a:lvl6pPr>
             <a:lvl7pPr marL="2743200" indent="0">
               <a:buNone/>
-              <a:defRPr sz="1600">
+              <a:defRPr sz="1400">
                 <a:solidFill>
                   <a:schemeClr val="tx1">
                     <a:tint val="75000"/>
@@ -1097,7 +1535,7 @@
             </a:lvl7pPr>
             <a:lvl8pPr marL="3200400" indent="0">
               <a:buNone/>
-              <a:defRPr sz="1600">
+              <a:defRPr sz="1400">
                 <a:solidFill>
                   <a:schemeClr val="tx1">
                     <a:tint val="75000"/>
@@ -1107,7 +1545,7 @@
             </a:lvl8pPr>
             <a:lvl9pPr marL="3657600" indent="0">
               <a:buNone/>
-              <a:defRPr sz="1600">
+              <a:defRPr sz="1400">
                 <a:solidFill>
                   <a:schemeClr val="tx1">
                     <a:tint val="75000"/>
@@ -1127,13 +1565,7 @@
       </p:sp>
       <p:sp>
         <p:nvSpPr>
-          <p:cNvPr id="4" name="Date Placeholder 3">
-            <a:extLst>
-              <a:ext uri="{FF2B5EF4-FFF2-40B4-BE49-F238E27FC236}">
-                <a16:creationId xmlns:a16="http://schemas.microsoft.com/office/drawing/2014/main" id="{1CED6066-5371-202E-6991-6A6E3A3DCEAC}"/>
-              </a:ext>
-            </a:extLst>
-          </p:cNvPr>
+          <p:cNvPr id="4" name="Date Placeholder 3"/>
           <p:cNvSpPr>
             <a:spLocks noGrp="1"/>
           </p:cNvSpPr>
@@ -1148,7 +1580,7 @@
           <a:p>
             <a:fld id="{6AAA0F4C-345D-4BF6-9517-98BB3735E020}" type="datetimeFigureOut">
               <a:rPr lang="en-GB" smtClean="0"/>
-              <a:t>20/02/2023</a:t>
+              <a:t>21/02/2023</a:t>
             </a:fld>
             <a:endParaRPr lang="en-GB"/>
           </a:p>
@@ -1156,13 +1588,7 @@
       </p:sp>
       <p:sp>
         <p:nvSpPr>
-          <p:cNvPr id="5" name="Footer Placeholder 4">
-            <a:extLst>
-              <a:ext uri="{FF2B5EF4-FFF2-40B4-BE49-F238E27FC236}">
-                <a16:creationId xmlns:a16="http://schemas.microsoft.com/office/drawing/2014/main" id="{959E72B8-95F4-9DFD-2CB5-2D7EAFB2E181}"/>
-              </a:ext>
-            </a:extLst>
-          </p:cNvPr>
+          <p:cNvPr id="5" name="Footer Placeholder 4"/>
           <p:cNvSpPr>
             <a:spLocks noGrp="1"/>
           </p:cNvSpPr>
@@ -1181,13 +1607,7 @@
       </p:sp>
       <p:sp>
         <p:nvSpPr>
-          <p:cNvPr id="6" name="Slide Number Placeholder 5">
-            <a:extLst>
-              <a:ext uri="{FF2B5EF4-FFF2-40B4-BE49-F238E27FC236}">
-                <a16:creationId xmlns:a16="http://schemas.microsoft.com/office/drawing/2014/main" id="{BE50E975-43B0-7E3A-0F89-56B5956B5AE8}"/>
-              </a:ext>
-            </a:extLst>
-          </p:cNvPr>
+          <p:cNvPr id="6" name="Slide Number Placeholder 5"/>
           <p:cNvSpPr>
             <a:spLocks noGrp="1"/>
           </p:cNvSpPr>
@@ -1208,10 +1628,45 @@
           </a:p>
         </p:txBody>
       </p:sp>
+      <p:cxnSp>
+        <p:nvCxnSpPr>
+          <p:cNvPr id="7" name="Straight Connector 6"/>
+          <p:cNvCxnSpPr/>
+          <p:nvPr/>
+        </p:nvCxnSpPr>
+        <p:spPr>
+          <a:xfrm>
+            <a:off x="1981200" y="4020408"/>
+            <a:ext cx="8229601" cy="0"/>
+          </a:xfrm>
+          <a:prstGeom prst="line">
+            <a:avLst/>
+          </a:prstGeom>
+          <a:ln>
+            <a:solidFill>
+              <a:schemeClr val="accent1"/>
+            </a:solidFill>
+          </a:ln>
+        </p:spPr>
+        <p:style>
+          <a:lnRef idx="1">
+            <a:schemeClr val="accent1"/>
+          </a:lnRef>
+          <a:fillRef idx="0">
+            <a:schemeClr val="accent1"/>
+          </a:fillRef>
+          <a:effectRef idx="0">
+            <a:schemeClr val="accent1"/>
+          </a:effectRef>
+          <a:fontRef idx="minor">
+            <a:schemeClr val="tx1"/>
+          </a:fontRef>
+        </p:style>
+      </p:cxnSp>
     </p:spTree>
     <p:extLst>
       <p:ext uri="{BB962C8B-B14F-4D97-AF65-F5344CB8AC3E}">
-        <p14:creationId xmlns:p14="http://schemas.microsoft.com/office/powerpoint/2010/main" val="3932742029"/>
+        <p14:creationId xmlns:p14="http://schemas.microsoft.com/office/powerpoint/2010/main" val="20720696"/>
       </p:ext>
     </p:extLst>
   </p:cSld>
@@ -1240,13 +1695,7 @@
       </p:grpSpPr>
       <p:sp>
         <p:nvSpPr>
-          <p:cNvPr id="2" name="Title 1">
-            <a:extLst>
-              <a:ext uri="{FF2B5EF4-FFF2-40B4-BE49-F238E27FC236}">
-                <a16:creationId xmlns:a16="http://schemas.microsoft.com/office/drawing/2014/main" id="{F725EDDB-ED2F-37E7-A658-05BF7F97D260}"/>
-              </a:ext>
-            </a:extLst>
-          </p:cNvPr>
+          <p:cNvPr id="8" name="Title 7"/>
           <p:cNvSpPr>
             <a:spLocks noGrp="1"/>
           </p:cNvSpPr>
@@ -1263,19 +1712,13 @@
               <a:rPr lang="en-US"/>
               <a:t>Click to edit Master title style</a:t>
             </a:r>
-            <a:endParaRPr lang="en-GB"/>
-          </a:p>
-        </p:txBody>
-      </p:sp>
-      <p:sp>
-        <p:nvSpPr>
-          <p:cNvPr id="3" name="Content Placeholder 2">
-            <a:extLst>
-              <a:ext uri="{FF2B5EF4-FFF2-40B4-BE49-F238E27FC236}">
-                <a16:creationId xmlns:a16="http://schemas.microsoft.com/office/drawing/2014/main" id="{50944B74-550B-C892-65C6-9FE8005B3CD1}"/>
-              </a:ext>
-            </a:extLst>
-          </p:cNvPr>
+            <a:endParaRPr lang="en-US" dirty="0"/>
+          </a:p>
+        </p:txBody>
+      </p:sp>
+      <p:sp>
+        <p:nvSpPr>
+          <p:cNvPr id="3" name="Content Placeholder 2"/>
           <p:cNvSpPr>
             <a:spLocks noGrp="1"/>
           </p:cNvSpPr>
@@ -1285,13 +1728,41 @@
         </p:nvSpPr>
         <p:spPr>
           <a:xfrm>
-            <a:off x="838200" y="1825625"/>
-            <a:ext cx="5181600" cy="4351338"/>
+            <a:off x="1143000" y="2057399"/>
+            <a:ext cx="4754880" cy="4023360"/>
           </a:xfrm>
         </p:spPr>
         <p:txBody>
           <a:bodyPr/>
-          <a:lstStyle/>
+          <a:lstStyle>
+            <a:lvl1pPr>
+              <a:defRPr sz="2200"/>
+            </a:lvl1pPr>
+            <a:lvl2pPr>
+              <a:defRPr sz="2000"/>
+            </a:lvl2pPr>
+            <a:lvl3pPr>
+              <a:defRPr sz="1800"/>
+            </a:lvl3pPr>
+            <a:lvl4pPr>
+              <a:defRPr sz="1600"/>
+            </a:lvl4pPr>
+            <a:lvl5pPr>
+              <a:defRPr sz="1600"/>
+            </a:lvl5pPr>
+            <a:lvl6pPr>
+              <a:defRPr sz="1600"/>
+            </a:lvl6pPr>
+            <a:lvl7pPr>
+              <a:defRPr sz="1600"/>
+            </a:lvl7pPr>
+            <a:lvl8pPr>
+              <a:defRPr sz="1600"/>
+            </a:lvl8pPr>
+            <a:lvl9pPr>
+              <a:defRPr sz="1600"/>
+            </a:lvl9pPr>
+          </a:lstStyle>
           <a:p>
             <a:pPr lvl="0"/>
             <a:r>
@@ -1326,19 +1797,13 @@
               <a:rPr lang="en-US"/>
               <a:t>Fifth level</a:t>
             </a:r>
-            <a:endParaRPr lang="en-GB"/>
-          </a:p>
-        </p:txBody>
-      </p:sp>
-      <p:sp>
-        <p:nvSpPr>
-          <p:cNvPr id="4" name="Content Placeholder 3">
-            <a:extLst>
-              <a:ext uri="{FF2B5EF4-FFF2-40B4-BE49-F238E27FC236}">
-                <a16:creationId xmlns:a16="http://schemas.microsoft.com/office/drawing/2014/main" id="{E081A41E-4156-00A1-FD2F-C84F3C4C08F7}"/>
-              </a:ext>
-            </a:extLst>
-          </p:cNvPr>
+            <a:endParaRPr lang="en-US" dirty="0"/>
+          </a:p>
+        </p:txBody>
+      </p:sp>
+      <p:sp>
+        <p:nvSpPr>
+          <p:cNvPr id="4" name="Content Placeholder 3"/>
           <p:cNvSpPr>
             <a:spLocks noGrp="1"/>
           </p:cNvSpPr>
@@ -1348,13 +1813,41 @@
         </p:nvSpPr>
         <p:spPr>
           <a:xfrm>
-            <a:off x="6172200" y="1825625"/>
-            <a:ext cx="5181600" cy="4351338"/>
+            <a:off x="6267612" y="2057400"/>
+            <a:ext cx="4754880" cy="4023360"/>
           </a:xfrm>
         </p:spPr>
         <p:txBody>
           <a:bodyPr/>
-          <a:lstStyle/>
+          <a:lstStyle>
+            <a:lvl1pPr>
+              <a:defRPr sz="2200"/>
+            </a:lvl1pPr>
+            <a:lvl2pPr>
+              <a:defRPr sz="2000"/>
+            </a:lvl2pPr>
+            <a:lvl3pPr>
+              <a:defRPr sz="1800"/>
+            </a:lvl3pPr>
+            <a:lvl4pPr>
+              <a:defRPr sz="1600"/>
+            </a:lvl4pPr>
+            <a:lvl5pPr>
+              <a:defRPr sz="1600"/>
+            </a:lvl5pPr>
+            <a:lvl6pPr>
+              <a:defRPr sz="1600"/>
+            </a:lvl6pPr>
+            <a:lvl7pPr>
+              <a:defRPr sz="1600"/>
+            </a:lvl7pPr>
+            <a:lvl8pPr>
+              <a:defRPr sz="1600"/>
+            </a:lvl8pPr>
+            <a:lvl9pPr>
+              <a:defRPr sz="1600"/>
+            </a:lvl9pPr>
+          </a:lstStyle>
           <a:p>
             <a:pPr lvl="0"/>
             <a:r>
@@ -1389,19 +1882,13 @@
               <a:rPr lang="en-US"/>
               <a:t>Fifth level</a:t>
             </a:r>
-            <a:endParaRPr lang="en-GB"/>
-          </a:p>
-        </p:txBody>
-      </p:sp>
-      <p:sp>
-        <p:nvSpPr>
-          <p:cNvPr id="5" name="Date Placeholder 4">
-            <a:extLst>
-              <a:ext uri="{FF2B5EF4-FFF2-40B4-BE49-F238E27FC236}">
-                <a16:creationId xmlns:a16="http://schemas.microsoft.com/office/drawing/2014/main" id="{E7DFCA8B-6D71-8F7D-8D92-A16AF498F475}"/>
-              </a:ext>
-            </a:extLst>
-          </p:cNvPr>
+            <a:endParaRPr lang="en-US" dirty="0"/>
+          </a:p>
+        </p:txBody>
+      </p:sp>
+      <p:sp>
+        <p:nvSpPr>
+          <p:cNvPr id="5" name="Date Placeholder 4"/>
           <p:cNvSpPr>
             <a:spLocks noGrp="1"/>
           </p:cNvSpPr>
@@ -1416,7 +1903,7 @@
           <a:p>
             <a:fld id="{6AAA0F4C-345D-4BF6-9517-98BB3735E020}" type="datetimeFigureOut">
               <a:rPr lang="en-GB" smtClean="0"/>
-              <a:t>20/02/2023</a:t>
+              <a:t>21/02/2023</a:t>
             </a:fld>
             <a:endParaRPr lang="en-GB"/>
           </a:p>
@@ -1424,13 +1911,7 @@
       </p:sp>
       <p:sp>
         <p:nvSpPr>
-          <p:cNvPr id="6" name="Footer Placeholder 5">
-            <a:extLst>
-              <a:ext uri="{FF2B5EF4-FFF2-40B4-BE49-F238E27FC236}">
-                <a16:creationId xmlns:a16="http://schemas.microsoft.com/office/drawing/2014/main" id="{96569851-92CF-C4B8-FD3C-F48787C50766}"/>
-              </a:ext>
-            </a:extLst>
-          </p:cNvPr>
+          <p:cNvPr id="6" name="Footer Placeholder 5"/>
           <p:cNvSpPr>
             <a:spLocks noGrp="1"/>
           </p:cNvSpPr>
@@ -1449,13 +1930,7 @@
       </p:sp>
       <p:sp>
         <p:nvSpPr>
-          <p:cNvPr id="7" name="Slide Number Placeholder 6">
-            <a:extLst>
-              <a:ext uri="{FF2B5EF4-FFF2-40B4-BE49-F238E27FC236}">
-                <a16:creationId xmlns:a16="http://schemas.microsoft.com/office/drawing/2014/main" id="{B771A9A6-150C-0C95-7D64-7D5FB76295F9}"/>
-              </a:ext>
-            </a:extLst>
-          </p:cNvPr>
+          <p:cNvPr id="7" name="Slide Number Placeholder 6"/>
           <p:cNvSpPr>
             <a:spLocks noGrp="1"/>
           </p:cNvSpPr>
@@ -1479,7 +1954,7 @@
     </p:spTree>
     <p:extLst>
       <p:ext uri="{BB962C8B-B14F-4D97-AF65-F5344CB8AC3E}">
-        <p14:creationId xmlns:p14="http://schemas.microsoft.com/office/powerpoint/2010/main" val="3223800766"/>
+        <p14:creationId xmlns:p14="http://schemas.microsoft.com/office/powerpoint/2010/main" val="235532281"/>
       </p:ext>
     </p:extLst>
   </p:cSld>
@@ -1508,64 +1983,50 @@
       </p:grpSpPr>
       <p:sp>
         <p:nvSpPr>
-          <p:cNvPr id="2" name="Title 1">
-            <a:extLst>
-              <a:ext uri="{FF2B5EF4-FFF2-40B4-BE49-F238E27FC236}">
-                <a16:creationId xmlns:a16="http://schemas.microsoft.com/office/drawing/2014/main" id="{D89030C2-CCDF-3EEF-56D9-8B147983D864}"/>
-              </a:ext>
-            </a:extLst>
-          </p:cNvPr>
+          <p:cNvPr id="10" name="Title 9"/>
           <p:cNvSpPr>
             <a:spLocks noGrp="1"/>
           </p:cNvSpPr>
           <p:nvPr>
             <p:ph type="title"/>
+          </p:nvPr>
+        </p:nvSpPr>
+        <p:spPr/>
+        <p:txBody>
+          <a:bodyPr/>
+          <a:lstStyle/>
+          <a:p>
+            <a:r>
+              <a:rPr lang="en-US"/>
+              <a:t>Click to edit Master title style</a:t>
+            </a:r>
+            <a:endParaRPr lang="en-US" dirty="0"/>
+          </a:p>
+        </p:txBody>
+      </p:sp>
+      <p:sp>
+        <p:nvSpPr>
+          <p:cNvPr id="3" name="Text Placeholder 2"/>
+          <p:cNvSpPr>
+            <a:spLocks noGrp="1"/>
+          </p:cNvSpPr>
+          <p:nvPr>
+            <p:ph type="body" idx="1"/>
           </p:nvPr>
         </p:nvSpPr>
         <p:spPr>
           <a:xfrm>
-            <a:off x="839788" y="365125"/>
-            <a:ext cx="10515600" cy="1325563"/>
+            <a:off x="1143000" y="2001511"/>
+            <a:ext cx="4754880" cy="777240"/>
           </a:xfrm>
         </p:spPr>
         <p:txBody>
-          <a:bodyPr/>
-          <a:lstStyle/>
-          <a:p>
-            <a:r>
-              <a:rPr lang="en-US"/>
-              <a:t>Click to edit Master title style</a:t>
-            </a:r>
-            <a:endParaRPr lang="en-GB"/>
-          </a:p>
-        </p:txBody>
-      </p:sp>
-      <p:sp>
-        <p:nvSpPr>
-          <p:cNvPr id="3" name="Text Placeholder 2">
-            <a:extLst>
-              <a:ext uri="{FF2B5EF4-FFF2-40B4-BE49-F238E27FC236}">
-                <a16:creationId xmlns:a16="http://schemas.microsoft.com/office/drawing/2014/main" id="{0156624B-6B24-C852-5F74-C6242F1C6A1E}"/>
-              </a:ext>
-            </a:extLst>
-          </p:cNvPr>
-          <p:cNvSpPr>
-            <a:spLocks noGrp="1"/>
-          </p:cNvSpPr>
-          <p:nvPr>
-            <p:ph type="body" idx="1"/>
-          </p:nvPr>
-        </p:nvSpPr>
-        <p:spPr>
-          <a:xfrm>
-            <a:off x="839788" y="1681163"/>
-            <a:ext cx="5157787" cy="823912"/>
-          </a:xfrm>
-        </p:spPr>
-        <p:txBody>
-          <a:bodyPr anchor="b"/>
+          <a:bodyPr anchor="ctr"/>
           <a:lstStyle>
             <a:lvl1pPr marL="0" indent="0">
+              <a:spcBef>
+                <a:spcPts val="0"/>
+              </a:spcBef>
               <a:buNone/>
               <a:defRPr sz="2400" b="1"/>
             </a:lvl1pPr>
@@ -1613,13 +2074,7 @@
       </p:sp>
       <p:sp>
         <p:nvSpPr>
-          <p:cNvPr id="4" name="Content Placeholder 3">
-            <a:extLst>
-              <a:ext uri="{FF2B5EF4-FFF2-40B4-BE49-F238E27FC236}">
-                <a16:creationId xmlns:a16="http://schemas.microsoft.com/office/drawing/2014/main" id="{907C23E4-363F-2221-45F1-014116F50C50}"/>
-              </a:ext>
-            </a:extLst>
-          </p:cNvPr>
+          <p:cNvPr id="4" name="Content Placeholder 3"/>
           <p:cNvSpPr>
             <a:spLocks noGrp="1"/>
           </p:cNvSpPr>
@@ -1629,13 +2084,41 @@
         </p:nvSpPr>
         <p:spPr>
           <a:xfrm>
-            <a:off x="839788" y="2505075"/>
-            <a:ext cx="5157787" cy="3684588"/>
+            <a:off x="1143000" y="2721483"/>
+            <a:ext cx="4754880" cy="3383280"/>
           </a:xfrm>
         </p:spPr>
         <p:txBody>
           <a:bodyPr/>
-          <a:lstStyle/>
+          <a:lstStyle>
+            <a:lvl1pPr>
+              <a:defRPr sz="2200"/>
+            </a:lvl1pPr>
+            <a:lvl2pPr>
+              <a:defRPr sz="2000"/>
+            </a:lvl2pPr>
+            <a:lvl3pPr>
+              <a:defRPr sz="1800"/>
+            </a:lvl3pPr>
+            <a:lvl4pPr>
+              <a:defRPr sz="1600"/>
+            </a:lvl4pPr>
+            <a:lvl5pPr>
+              <a:defRPr sz="1600"/>
+            </a:lvl5pPr>
+            <a:lvl6pPr>
+              <a:defRPr sz="1600"/>
+            </a:lvl6pPr>
+            <a:lvl7pPr>
+              <a:defRPr sz="1600"/>
+            </a:lvl7pPr>
+            <a:lvl8pPr>
+              <a:defRPr sz="1600"/>
+            </a:lvl8pPr>
+            <a:lvl9pPr>
+              <a:defRPr sz="1600"/>
+            </a:lvl9pPr>
+          </a:lstStyle>
           <a:p>
             <a:pPr lvl="0"/>
             <a:r>
@@ -1670,19 +2153,13 @@
               <a:rPr lang="en-US"/>
               <a:t>Fifth level</a:t>
             </a:r>
-            <a:endParaRPr lang="en-GB"/>
-          </a:p>
-        </p:txBody>
-      </p:sp>
-      <p:sp>
-        <p:nvSpPr>
-          <p:cNvPr id="5" name="Text Placeholder 4">
-            <a:extLst>
-              <a:ext uri="{FF2B5EF4-FFF2-40B4-BE49-F238E27FC236}">
-                <a16:creationId xmlns:a16="http://schemas.microsoft.com/office/drawing/2014/main" id="{0442AD6D-96E5-99A0-36D4-E38743B43289}"/>
-              </a:ext>
-            </a:extLst>
-          </p:cNvPr>
+            <a:endParaRPr lang="en-US" dirty="0"/>
+          </a:p>
+        </p:txBody>
+      </p:sp>
+      <p:sp>
+        <p:nvSpPr>
+          <p:cNvPr id="5" name="Text Placeholder 4"/>
           <p:cNvSpPr>
             <a:spLocks noGrp="1"/>
           </p:cNvSpPr>
@@ -1692,14 +2169,17 @@
         </p:nvSpPr>
         <p:spPr>
           <a:xfrm>
-            <a:off x="6172200" y="1681163"/>
-            <a:ext cx="5183188" cy="823912"/>
+            <a:off x="6269173" y="1999032"/>
+            <a:ext cx="4754880" cy="777240"/>
           </a:xfrm>
         </p:spPr>
         <p:txBody>
-          <a:bodyPr anchor="b"/>
+          <a:bodyPr anchor="ctr"/>
           <a:lstStyle>
             <a:lvl1pPr marL="0" indent="0">
+              <a:spcBef>
+                <a:spcPts val="0"/>
+              </a:spcBef>
               <a:buNone/>
               <a:defRPr sz="2400" b="1"/>
             </a:lvl1pPr>
@@ -1747,13 +2227,7 @@
       </p:sp>
       <p:sp>
         <p:nvSpPr>
-          <p:cNvPr id="6" name="Content Placeholder 5">
-            <a:extLst>
-              <a:ext uri="{FF2B5EF4-FFF2-40B4-BE49-F238E27FC236}">
-                <a16:creationId xmlns:a16="http://schemas.microsoft.com/office/drawing/2014/main" id="{BEB0328F-502E-5D84-92A6-655CA94409AF}"/>
-              </a:ext>
-            </a:extLst>
-          </p:cNvPr>
+          <p:cNvPr id="6" name="Content Placeholder 5"/>
           <p:cNvSpPr>
             <a:spLocks noGrp="1"/>
           </p:cNvSpPr>
@@ -1763,13 +2237,41 @@
         </p:nvSpPr>
         <p:spPr>
           <a:xfrm>
-            <a:off x="6172200" y="2505075"/>
-            <a:ext cx="5183188" cy="3684588"/>
+            <a:off x="6269173" y="2719322"/>
+            <a:ext cx="4754880" cy="3383280"/>
           </a:xfrm>
         </p:spPr>
         <p:txBody>
           <a:bodyPr/>
-          <a:lstStyle/>
+          <a:lstStyle>
+            <a:lvl1pPr>
+              <a:defRPr sz="2200"/>
+            </a:lvl1pPr>
+            <a:lvl2pPr>
+              <a:defRPr sz="2000"/>
+            </a:lvl2pPr>
+            <a:lvl3pPr>
+              <a:defRPr sz="1800"/>
+            </a:lvl3pPr>
+            <a:lvl4pPr>
+              <a:defRPr sz="1600"/>
+            </a:lvl4pPr>
+            <a:lvl5pPr>
+              <a:defRPr sz="1600"/>
+            </a:lvl5pPr>
+            <a:lvl6pPr>
+              <a:defRPr sz="1600"/>
+            </a:lvl6pPr>
+            <a:lvl7pPr>
+              <a:defRPr sz="1600"/>
+            </a:lvl7pPr>
+            <a:lvl8pPr>
+              <a:defRPr sz="1600"/>
+            </a:lvl8pPr>
+            <a:lvl9pPr>
+              <a:defRPr sz="1600"/>
+            </a:lvl9pPr>
+          </a:lstStyle>
           <a:p>
             <a:pPr lvl="0"/>
             <a:r>
@@ -1804,19 +2306,13 @@
               <a:rPr lang="en-US"/>
               <a:t>Fifth level</a:t>
             </a:r>
-            <a:endParaRPr lang="en-GB"/>
-          </a:p>
-        </p:txBody>
-      </p:sp>
-      <p:sp>
-        <p:nvSpPr>
-          <p:cNvPr id="7" name="Date Placeholder 6">
-            <a:extLst>
-              <a:ext uri="{FF2B5EF4-FFF2-40B4-BE49-F238E27FC236}">
-                <a16:creationId xmlns:a16="http://schemas.microsoft.com/office/drawing/2014/main" id="{D1C2C87D-888C-38F9-83E0-DDE41CCF75DC}"/>
-              </a:ext>
-            </a:extLst>
-          </p:cNvPr>
+            <a:endParaRPr lang="en-US" dirty="0"/>
+          </a:p>
+        </p:txBody>
+      </p:sp>
+      <p:sp>
+        <p:nvSpPr>
+          <p:cNvPr id="7" name="Date Placeholder 6"/>
           <p:cNvSpPr>
             <a:spLocks noGrp="1"/>
           </p:cNvSpPr>
@@ -1831,7 +2327,7 @@
           <a:p>
             <a:fld id="{6AAA0F4C-345D-4BF6-9517-98BB3735E020}" type="datetimeFigureOut">
               <a:rPr lang="en-GB" smtClean="0"/>
-              <a:t>20/02/2023</a:t>
+              <a:t>21/02/2023</a:t>
             </a:fld>
             <a:endParaRPr lang="en-GB"/>
           </a:p>
@@ -1839,13 +2335,7 @@
       </p:sp>
       <p:sp>
         <p:nvSpPr>
-          <p:cNvPr id="8" name="Footer Placeholder 7">
-            <a:extLst>
-              <a:ext uri="{FF2B5EF4-FFF2-40B4-BE49-F238E27FC236}">
-                <a16:creationId xmlns:a16="http://schemas.microsoft.com/office/drawing/2014/main" id="{28C7F2AA-0E3A-A3EE-E9B2-AD917D507F93}"/>
-              </a:ext>
-            </a:extLst>
-          </p:cNvPr>
+          <p:cNvPr id="8" name="Footer Placeholder 7"/>
           <p:cNvSpPr>
             <a:spLocks noGrp="1"/>
           </p:cNvSpPr>
@@ -1864,13 +2354,7 @@
       </p:sp>
       <p:sp>
         <p:nvSpPr>
-          <p:cNvPr id="9" name="Slide Number Placeholder 8">
-            <a:extLst>
-              <a:ext uri="{FF2B5EF4-FFF2-40B4-BE49-F238E27FC236}">
-                <a16:creationId xmlns:a16="http://schemas.microsoft.com/office/drawing/2014/main" id="{58A37A4C-EBD1-F5FA-D823-0D0E81A7D68D}"/>
-              </a:ext>
-            </a:extLst>
-          </p:cNvPr>
+          <p:cNvPr id="9" name="Slide Number Placeholder 8"/>
           <p:cNvSpPr>
             <a:spLocks noGrp="1"/>
           </p:cNvSpPr>
@@ -1894,7 +2378,7 @@
     </p:spTree>
     <p:extLst>
       <p:ext uri="{BB962C8B-B14F-4D97-AF65-F5344CB8AC3E}">
-        <p14:creationId xmlns:p14="http://schemas.microsoft.com/office/powerpoint/2010/main" val="3494341582"/>
+        <p14:creationId xmlns:p14="http://schemas.microsoft.com/office/powerpoint/2010/main" val="2866869766"/>
       </p:ext>
     </p:extLst>
   </p:cSld>
@@ -1923,13 +2407,7 @@
       </p:grpSpPr>
       <p:sp>
         <p:nvSpPr>
-          <p:cNvPr id="2" name="Title 1">
-            <a:extLst>
-              <a:ext uri="{FF2B5EF4-FFF2-40B4-BE49-F238E27FC236}">
-                <a16:creationId xmlns:a16="http://schemas.microsoft.com/office/drawing/2014/main" id="{CE8A00AE-40A3-567E-B1B3-3C583CEEB6FC}"/>
-              </a:ext>
-            </a:extLst>
-          </p:cNvPr>
+          <p:cNvPr id="2" name="Title 1"/>
           <p:cNvSpPr>
             <a:spLocks noGrp="1"/>
           </p:cNvSpPr>
@@ -1946,19 +2424,13 @@
               <a:rPr lang="en-US"/>
               <a:t>Click to edit Master title style</a:t>
             </a:r>
-            <a:endParaRPr lang="en-GB"/>
-          </a:p>
-        </p:txBody>
-      </p:sp>
-      <p:sp>
-        <p:nvSpPr>
-          <p:cNvPr id="3" name="Date Placeholder 2">
-            <a:extLst>
-              <a:ext uri="{FF2B5EF4-FFF2-40B4-BE49-F238E27FC236}">
-                <a16:creationId xmlns:a16="http://schemas.microsoft.com/office/drawing/2014/main" id="{70676B29-50CC-64CE-207D-751CEFE4CF4F}"/>
-              </a:ext>
-            </a:extLst>
-          </p:cNvPr>
+            <a:endParaRPr lang="en-US" dirty="0"/>
+          </a:p>
+        </p:txBody>
+      </p:sp>
+      <p:sp>
+        <p:nvSpPr>
+          <p:cNvPr id="3" name="Date Placeholder 2"/>
           <p:cNvSpPr>
             <a:spLocks noGrp="1"/>
           </p:cNvSpPr>
@@ -1973,7 +2445,7 @@
           <a:p>
             <a:fld id="{6AAA0F4C-345D-4BF6-9517-98BB3735E020}" type="datetimeFigureOut">
               <a:rPr lang="en-GB" smtClean="0"/>
-              <a:t>20/02/2023</a:t>
+              <a:t>21/02/2023</a:t>
             </a:fld>
             <a:endParaRPr lang="en-GB"/>
           </a:p>
@@ -1981,13 +2453,7 @@
       </p:sp>
       <p:sp>
         <p:nvSpPr>
-          <p:cNvPr id="4" name="Footer Placeholder 3">
-            <a:extLst>
-              <a:ext uri="{FF2B5EF4-FFF2-40B4-BE49-F238E27FC236}">
-                <a16:creationId xmlns:a16="http://schemas.microsoft.com/office/drawing/2014/main" id="{CC94B836-D9C8-B95B-9D8A-699C82B74710}"/>
-              </a:ext>
-            </a:extLst>
-          </p:cNvPr>
+          <p:cNvPr id="4" name="Footer Placeholder 3"/>
           <p:cNvSpPr>
             <a:spLocks noGrp="1"/>
           </p:cNvSpPr>
@@ -2006,13 +2472,7 @@
       </p:sp>
       <p:sp>
         <p:nvSpPr>
-          <p:cNvPr id="5" name="Slide Number Placeholder 4">
-            <a:extLst>
-              <a:ext uri="{FF2B5EF4-FFF2-40B4-BE49-F238E27FC236}">
-                <a16:creationId xmlns:a16="http://schemas.microsoft.com/office/drawing/2014/main" id="{BDAE57BB-3E69-AF00-CB6E-508EBEF3C75F}"/>
-              </a:ext>
-            </a:extLst>
-          </p:cNvPr>
+          <p:cNvPr id="5" name="Slide Number Placeholder 4"/>
           <p:cNvSpPr>
             <a:spLocks noGrp="1"/>
           </p:cNvSpPr>
@@ -2036,7 +2496,7 @@
     </p:spTree>
     <p:extLst>
       <p:ext uri="{BB962C8B-B14F-4D97-AF65-F5344CB8AC3E}">
-        <p14:creationId xmlns:p14="http://schemas.microsoft.com/office/powerpoint/2010/main" val="3909117527"/>
+        <p14:creationId xmlns:p14="http://schemas.microsoft.com/office/powerpoint/2010/main" val="1669260642"/>
       </p:ext>
     </p:extLst>
   </p:cSld>
@@ -2065,13 +2525,7 @@
       </p:grpSpPr>
       <p:sp>
         <p:nvSpPr>
-          <p:cNvPr id="2" name="Date Placeholder 1">
-            <a:extLst>
-              <a:ext uri="{FF2B5EF4-FFF2-40B4-BE49-F238E27FC236}">
-                <a16:creationId xmlns:a16="http://schemas.microsoft.com/office/drawing/2014/main" id="{DE43DF30-EDA1-9190-5ADF-011630E53546}"/>
-              </a:ext>
-            </a:extLst>
-          </p:cNvPr>
+          <p:cNvPr id="2" name="Date Placeholder 1"/>
           <p:cNvSpPr>
             <a:spLocks noGrp="1"/>
           </p:cNvSpPr>
@@ -2086,7 +2540,7 @@
           <a:p>
             <a:fld id="{6AAA0F4C-345D-4BF6-9517-98BB3735E020}" type="datetimeFigureOut">
               <a:rPr lang="en-GB" smtClean="0"/>
-              <a:t>20/02/2023</a:t>
+              <a:t>21/02/2023</a:t>
             </a:fld>
             <a:endParaRPr lang="en-GB"/>
           </a:p>
@@ -2094,13 +2548,7 @@
       </p:sp>
       <p:sp>
         <p:nvSpPr>
-          <p:cNvPr id="3" name="Footer Placeholder 2">
-            <a:extLst>
-              <a:ext uri="{FF2B5EF4-FFF2-40B4-BE49-F238E27FC236}">
-                <a16:creationId xmlns:a16="http://schemas.microsoft.com/office/drawing/2014/main" id="{DECA7F96-A3FA-CC6B-629E-11C237A1599E}"/>
-              </a:ext>
-            </a:extLst>
-          </p:cNvPr>
+          <p:cNvPr id="3" name="Footer Placeholder 2"/>
           <p:cNvSpPr>
             <a:spLocks noGrp="1"/>
           </p:cNvSpPr>
@@ -2119,13 +2567,7 @@
       </p:sp>
       <p:sp>
         <p:nvSpPr>
-          <p:cNvPr id="4" name="Slide Number Placeholder 3">
-            <a:extLst>
-              <a:ext uri="{FF2B5EF4-FFF2-40B4-BE49-F238E27FC236}">
-                <a16:creationId xmlns:a16="http://schemas.microsoft.com/office/drawing/2014/main" id="{12E7E688-2156-32C1-F313-0D5B2B8CFA2A}"/>
-              </a:ext>
-            </a:extLst>
-          </p:cNvPr>
+          <p:cNvPr id="4" name="Slide Number Placeholder 3"/>
           <p:cNvSpPr>
             <a:spLocks noGrp="1"/>
           </p:cNvSpPr>
@@ -2149,7 +2591,7 @@
     </p:spTree>
     <p:extLst>
       <p:ext uri="{BB962C8B-B14F-4D97-AF65-F5344CB8AC3E}">
-        <p14:creationId xmlns:p14="http://schemas.microsoft.com/office/powerpoint/2010/main" val="1710718348"/>
+        <p14:creationId xmlns:p14="http://schemas.microsoft.com/office/powerpoint/2010/main" val="1251465346"/>
       </p:ext>
     </p:extLst>
   </p:cSld>
@@ -2178,13 +2620,7 @@
       </p:grpSpPr>
       <p:sp>
         <p:nvSpPr>
-          <p:cNvPr id="2" name="Title 1">
-            <a:extLst>
-              <a:ext uri="{FF2B5EF4-FFF2-40B4-BE49-F238E27FC236}">
-                <a16:creationId xmlns:a16="http://schemas.microsoft.com/office/drawing/2014/main" id="{034D4E04-0056-CF4B-9B09-013194719D4F}"/>
-              </a:ext>
-            </a:extLst>
-          </p:cNvPr>
+          <p:cNvPr id="2" name="Title 1"/>
           <p:cNvSpPr>
             <a:spLocks noGrp="1"/>
           </p:cNvSpPr>
@@ -2194,15 +2630,20 @@
         </p:nvSpPr>
         <p:spPr>
           <a:xfrm>
-            <a:off x="839788" y="457200"/>
-            <a:ext cx="3932237" cy="1600200"/>
+            <a:off x="1143000" y="1097280"/>
+            <a:ext cx="3931920" cy="1737360"/>
           </a:xfrm>
         </p:spPr>
         <p:txBody>
-          <a:bodyPr anchor="b"/>
+          <a:bodyPr anchor="b">
+            <a:noAutofit/>
+          </a:bodyPr>
           <a:lstStyle>
             <a:lvl1pPr>
-              <a:defRPr sz="3200"/>
+              <a:lnSpc>
+                <a:spcPct val="90000"/>
+              </a:lnSpc>
+              <a:defRPr sz="4000" b="0"/>
             </a:lvl1pPr>
           </a:lstStyle>
           <a:p>
@@ -2210,19 +2651,13 @@
               <a:rPr lang="en-US"/>
               <a:t>Click to edit Master title style</a:t>
             </a:r>
-            <a:endParaRPr lang="en-GB"/>
-          </a:p>
-        </p:txBody>
-      </p:sp>
-      <p:sp>
-        <p:nvSpPr>
-          <p:cNvPr id="3" name="Content Placeholder 2">
-            <a:extLst>
-              <a:ext uri="{FF2B5EF4-FFF2-40B4-BE49-F238E27FC236}">
-                <a16:creationId xmlns:a16="http://schemas.microsoft.com/office/drawing/2014/main" id="{F6FBCB12-D849-2557-22A0-02F58EA2DC79}"/>
-              </a:ext>
-            </a:extLst>
-          </p:cNvPr>
+            <a:endParaRPr lang="en-US" dirty="0"/>
+          </a:p>
+        </p:txBody>
+      </p:sp>
+      <p:sp>
+        <p:nvSpPr>
+          <p:cNvPr id="3" name="Content Placeholder 2"/>
           <p:cNvSpPr>
             <a:spLocks noGrp="1"/>
           </p:cNvSpPr>
@@ -2232,8 +2667,8 @@
         </p:nvSpPr>
         <p:spPr>
           <a:xfrm>
-            <a:off x="5183188" y="987425"/>
-            <a:ext cx="6172200" cy="4873625"/>
+            <a:off x="5852159" y="1097280"/>
+            <a:ext cx="5212080" cy="4663440"/>
           </a:xfrm>
         </p:spPr>
         <p:txBody>
@@ -2301,19 +2736,13 @@
               <a:rPr lang="en-US"/>
               <a:t>Fifth level</a:t>
             </a:r>
-            <a:endParaRPr lang="en-GB"/>
-          </a:p>
-        </p:txBody>
-      </p:sp>
-      <p:sp>
-        <p:nvSpPr>
-          <p:cNvPr id="4" name="Text Placeholder 3">
-            <a:extLst>
-              <a:ext uri="{FF2B5EF4-FFF2-40B4-BE49-F238E27FC236}">
-                <a16:creationId xmlns:a16="http://schemas.microsoft.com/office/drawing/2014/main" id="{4BF48092-0B96-7615-D611-43BA1D71C8C8}"/>
-              </a:ext>
-            </a:extLst>
-          </p:cNvPr>
+            <a:endParaRPr lang="en-US" dirty="0"/>
+          </a:p>
+        </p:txBody>
+      </p:sp>
+      <p:sp>
+        <p:nvSpPr>
+          <p:cNvPr id="4" name="Text Placeholder 3"/>
           <p:cNvSpPr>
             <a:spLocks noGrp="1"/>
           </p:cNvSpPr>
@@ -2323,48 +2752,56 @@
         </p:nvSpPr>
         <p:spPr>
           <a:xfrm>
-            <a:off x="839788" y="2057400"/>
-            <a:ext cx="3932237" cy="3811588"/>
+            <a:off x="1143000" y="2834640"/>
+            <a:ext cx="3931920" cy="3017520"/>
           </a:xfrm>
         </p:spPr>
         <p:txBody>
-          <a:bodyPr/>
+          <a:bodyPr>
+            <a:normAutofit/>
+          </a:bodyPr>
           <a:lstStyle>
             <a:lvl1pPr marL="0" indent="0">
+              <a:lnSpc>
+                <a:spcPct val="100000"/>
+              </a:lnSpc>
+              <a:spcBef>
+                <a:spcPts val="1000"/>
+              </a:spcBef>
               <a:buNone/>
-              <a:defRPr sz="1600"/>
+              <a:defRPr sz="1700"/>
             </a:lvl1pPr>
             <a:lvl2pPr marL="457200" indent="0">
               <a:buNone/>
-              <a:defRPr sz="1400"/>
+              <a:defRPr sz="1200"/>
             </a:lvl2pPr>
             <a:lvl3pPr marL="914400" indent="0">
               <a:buNone/>
-              <a:defRPr sz="1200"/>
+              <a:defRPr sz="1000"/>
             </a:lvl3pPr>
             <a:lvl4pPr marL="1371600" indent="0">
               <a:buNone/>
-              <a:defRPr sz="1000"/>
+              <a:defRPr sz="900"/>
             </a:lvl4pPr>
             <a:lvl5pPr marL="1828800" indent="0">
               <a:buNone/>
-              <a:defRPr sz="1000"/>
+              <a:defRPr sz="900"/>
             </a:lvl5pPr>
             <a:lvl6pPr marL="2286000" indent="0">
               <a:buNone/>
-              <a:defRPr sz="1000"/>
+              <a:defRPr sz="900"/>
             </a:lvl6pPr>
             <a:lvl7pPr marL="2743200" indent="0">
               <a:buNone/>
-              <a:defRPr sz="1000"/>
+              <a:defRPr sz="900"/>
             </a:lvl7pPr>
             <a:lvl8pPr marL="3200400" indent="0">
               <a:buNone/>
-              <a:defRPr sz="1000"/>
+              <a:defRPr sz="900"/>
             </a:lvl8pPr>
             <a:lvl9pPr marL="3657600" indent="0">
               <a:buNone/>
-              <a:defRPr sz="1000"/>
+              <a:defRPr sz="900"/>
             </a:lvl9pPr>
           </a:lstStyle>
           <a:p>
@@ -2378,13 +2815,7 @@
       </p:sp>
       <p:sp>
         <p:nvSpPr>
-          <p:cNvPr id="5" name="Date Placeholder 4">
-            <a:extLst>
-              <a:ext uri="{FF2B5EF4-FFF2-40B4-BE49-F238E27FC236}">
-                <a16:creationId xmlns:a16="http://schemas.microsoft.com/office/drawing/2014/main" id="{DFF1BFA6-23DA-9543-CE8C-A5F1C32274BC}"/>
-              </a:ext>
-            </a:extLst>
-          </p:cNvPr>
+          <p:cNvPr id="5" name="Date Placeholder 4"/>
           <p:cNvSpPr>
             <a:spLocks noGrp="1"/>
           </p:cNvSpPr>
@@ -2399,7 +2830,7 @@
           <a:p>
             <a:fld id="{6AAA0F4C-345D-4BF6-9517-98BB3735E020}" type="datetimeFigureOut">
               <a:rPr lang="en-GB" smtClean="0"/>
-              <a:t>20/02/2023</a:t>
+              <a:t>21/02/2023</a:t>
             </a:fld>
             <a:endParaRPr lang="en-GB"/>
           </a:p>
@@ -2407,13 +2838,7 @@
       </p:sp>
       <p:sp>
         <p:nvSpPr>
-          <p:cNvPr id="6" name="Footer Placeholder 5">
-            <a:extLst>
-              <a:ext uri="{FF2B5EF4-FFF2-40B4-BE49-F238E27FC236}">
-                <a16:creationId xmlns:a16="http://schemas.microsoft.com/office/drawing/2014/main" id="{13189B84-92D4-964E-2C9E-AEA44119BCA4}"/>
-              </a:ext>
-            </a:extLst>
-          </p:cNvPr>
+          <p:cNvPr id="6" name="Footer Placeholder 5"/>
           <p:cNvSpPr>
             <a:spLocks noGrp="1"/>
           </p:cNvSpPr>
@@ -2432,13 +2857,7 @@
       </p:sp>
       <p:sp>
         <p:nvSpPr>
-          <p:cNvPr id="7" name="Slide Number Placeholder 6">
-            <a:extLst>
-              <a:ext uri="{FF2B5EF4-FFF2-40B4-BE49-F238E27FC236}">
-                <a16:creationId xmlns:a16="http://schemas.microsoft.com/office/drawing/2014/main" id="{E274D915-C712-7812-90BA-D7EC969D468F}"/>
-              </a:ext>
-            </a:extLst>
-          </p:cNvPr>
+          <p:cNvPr id="7" name="Slide Number Placeholder 6"/>
           <p:cNvSpPr>
             <a:spLocks noGrp="1"/>
           </p:cNvSpPr>
@@ -2462,7 +2881,7 @@
     </p:spTree>
     <p:extLst>
       <p:ext uri="{BB962C8B-B14F-4D97-AF65-F5344CB8AC3E}">
-        <p14:creationId xmlns:p14="http://schemas.microsoft.com/office/powerpoint/2010/main" val="4107533290"/>
+        <p14:creationId xmlns:p14="http://schemas.microsoft.com/office/powerpoint/2010/main" val="1883813451"/>
       </p:ext>
     </p:extLst>
   </p:cSld>
@@ -2491,13 +2910,7 @@
       </p:grpSpPr>
       <p:sp>
         <p:nvSpPr>
-          <p:cNvPr id="2" name="Title 1">
-            <a:extLst>
-              <a:ext uri="{FF2B5EF4-FFF2-40B4-BE49-F238E27FC236}">
-                <a16:creationId xmlns:a16="http://schemas.microsoft.com/office/drawing/2014/main" id="{1D8D249E-5FD3-06B0-5225-1CD65812F70A}"/>
-              </a:ext>
-            </a:extLst>
-          </p:cNvPr>
+          <p:cNvPr id="2" name="Title 1"/>
           <p:cNvSpPr>
             <a:spLocks noGrp="1"/>
           </p:cNvSpPr>
@@ -2507,15 +2920,20 @@
         </p:nvSpPr>
         <p:spPr>
           <a:xfrm>
-            <a:off x="839788" y="457200"/>
-            <a:ext cx="3932237" cy="1600200"/>
+            <a:off x="1143000" y="1097280"/>
+            <a:ext cx="3931920" cy="1737360"/>
           </a:xfrm>
         </p:spPr>
         <p:txBody>
-          <a:bodyPr anchor="b"/>
+          <a:bodyPr anchor="b">
+            <a:noAutofit/>
+          </a:bodyPr>
           <a:lstStyle>
             <a:lvl1pPr>
-              <a:defRPr sz="3200"/>
+              <a:lnSpc>
+                <a:spcPct val="90000"/>
+              </a:lnSpc>
+              <a:defRPr sz="4000" b="0"/>
             </a:lvl1pPr>
           </a:lstStyle>
           <a:p>
@@ -2523,21 +2941,15 @@
               <a:rPr lang="en-US"/>
               <a:t>Click to edit Master title style</a:t>
             </a:r>
-            <a:endParaRPr lang="en-GB"/>
-          </a:p>
-        </p:txBody>
-      </p:sp>
-      <p:sp>
-        <p:nvSpPr>
-          <p:cNvPr id="3" name="Picture Placeholder 2">
-            <a:extLst>
-              <a:ext uri="{FF2B5EF4-FFF2-40B4-BE49-F238E27FC236}">
-                <a16:creationId xmlns:a16="http://schemas.microsoft.com/office/drawing/2014/main" id="{8991ADB2-FC5A-4655-9F4E-36B9817E5F9B}"/>
-              </a:ext>
-            </a:extLst>
-          </p:cNvPr>
-          <p:cNvSpPr>
-            <a:spLocks noGrp="1"/>
+            <a:endParaRPr lang="en-US" dirty="0"/>
+          </a:p>
+        </p:txBody>
+      </p:sp>
+      <p:sp>
+        <p:nvSpPr>
+          <p:cNvPr id="3" name="Picture Placeholder 2"/>
+          <p:cNvSpPr>
+            <a:spLocks noGrp="1" noChangeAspect="1"/>
           </p:cNvSpPr>
           <p:nvPr>
             <p:ph type="pic" idx="1"/>
@@ -2545,16 +2957,18 @@
         </p:nvSpPr>
         <p:spPr>
           <a:xfrm>
-            <a:off x="5183188" y="987425"/>
-            <a:ext cx="6172200" cy="4873625"/>
+            <a:off x="5413248" y="1069847"/>
+            <a:ext cx="6099048" cy="4800600"/>
           </a:xfrm>
         </p:spPr>
         <p:txBody>
-          <a:bodyPr/>
+          <a:bodyPr lIns="274320" tIns="182880" anchor="t">
+            <a:normAutofit/>
+          </a:bodyPr>
           <a:lstStyle>
             <a:lvl1pPr marL="0" indent="0">
               <a:buNone/>
-              <a:defRPr sz="3200"/>
+              <a:defRPr sz="2800"/>
             </a:lvl1pPr>
             <a:lvl2pPr marL="457200" indent="0">
               <a:buNone/>
@@ -2590,19 +3004,17 @@
             </a:lvl9pPr>
           </a:lstStyle>
           <a:p>
-            <a:endParaRPr lang="en-GB"/>
-          </a:p>
-        </p:txBody>
-      </p:sp>
-      <p:sp>
-        <p:nvSpPr>
-          <p:cNvPr id="4" name="Text Placeholder 3">
-            <a:extLst>
-              <a:ext uri="{FF2B5EF4-FFF2-40B4-BE49-F238E27FC236}">
-                <a16:creationId xmlns:a16="http://schemas.microsoft.com/office/drawing/2014/main" id="{546DD227-75FA-5C3A-389A-AC3712413684}"/>
-              </a:ext>
-            </a:extLst>
-          </p:cNvPr>
+            <a:r>
+              <a:rPr lang="en-US"/>
+              <a:t>Click icon to add picture</a:t>
+            </a:r>
+            <a:endParaRPr lang="en-US" dirty="0"/>
+          </a:p>
+        </p:txBody>
+      </p:sp>
+      <p:sp>
+        <p:nvSpPr>
+          <p:cNvPr id="4" name="Text Placeholder 3"/>
           <p:cNvSpPr>
             <a:spLocks noGrp="1"/>
           </p:cNvSpPr>
@@ -2612,48 +3024,56 @@
         </p:nvSpPr>
         <p:spPr>
           <a:xfrm>
-            <a:off x="839788" y="2057400"/>
-            <a:ext cx="3932237" cy="3811588"/>
+            <a:off x="1143000" y="2834640"/>
+            <a:ext cx="3931920" cy="2880360"/>
           </a:xfrm>
         </p:spPr>
         <p:txBody>
-          <a:bodyPr/>
+          <a:bodyPr>
+            <a:normAutofit/>
+          </a:bodyPr>
           <a:lstStyle>
             <a:lvl1pPr marL="0" indent="0">
+              <a:lnSpc>
+                <a:spcPct val="100000"/>
+              </a:lnSpc>
+              <a:spcBef>
+                <a:spcPts val="1000"/>
+              </a:spcBef>
               <a:buNone/>
-              <a:defRPr sz="1600"/>
+              <a:defRPr sz="1700"/>
             </a:lvl1pPr>
             <a:lvl2pPr marL="457200" indent="0">
               <a:buNone/>
-              <a:defRPr sz="1400"/>
+              <a:defRPr sz="1200"/>
             </a:lvl2pPr>
             <a:lvl3pPr marL="914400" indent="0">
               <a:buNone/>
-              <a:defRPr sz="1200"/>
+              <a:defRPr sz="1000"/>
             </a:lvl3pPr>
             <a:lvl4pPr marL="1371600" indent="0">
               <a:buNone/>
-              <a:defRPr sz="1000"/>
+              <a:defRPr sz="900"/>
             </a:lvl4pPr>
             <a:lvl5pPr marL="1828800" indent="0">
               <a:buNone/>
-              <a:defRPr sz="1000"/>
+              <a:defRPr sz="900"/>
             </a:lvl5pPr>
             <a:lvl6pPr marL="2286000" indent="0">
               <a:buNone/>
-              <a:defRPr sz="1000"/>
+              <a:defRPr sz="900"/>
             </a:lvl6pPr>
             <a:lvl7pPr marL="2743200" indent="0">
               <a:buNone/>
-              <a:defRPr sz="1000"/>
+              <a:defRPr sz="900"/>
             </a:lvl7pPr>
             <a:lvl8pPr marL="3200400" indent="0">
               <a:buNone/>
-              <a:defRPr sz="1000"/>
+              <a:defRPr sz="900"/>
             </a:lvl8pPr>
             <a:lvl9pPr marL="3657600" indent="0">
               <a:buNone/>
-              <a:defRPr sz="1000"/>
+              <a:defRPr sz="900"/>
             </a:lvl9pPr>
           </a:lstStyle>
           <a:p>
@@ -2667,13 +3087,7 @@
       </p:sp>
       <p:sp>
         <p:nvSpPr>
-          <p:cNvPr id="5" name="Date Placeholder 4">
-            <a:extLst>
-              <a:ext uri="{FF2B5EF4-FFF2-40B4-BE49-F238E27FC236}">
-                <a16:creationId xmlns:a16="http://schemas.microsoft.com/office/drawing/2014/main" id="{CF46588A-1EE6-45DD-2560-DDA9185B6FE6}"/>
-              </a:ext>
-            </a:extLst>
-          </p:cNvPr>
+          <p:cNvPr id="5" name="Date Placeholder 4"/>
           <p:cNvSpPr>
             <a:spLocks noGrp="1"/>
           </p:cNvSpPr>
@@ -2688,7 +3102,7 @@
           <a:p>
             <a:fld id="{6AAA0F4C-345D-4BF6-9517-98BB3735E020}" type="datetimeFigureOut">
               <a:rPr lang="en-GB" smtClean="0"/>
-              <a:t>20/02/2023</a:t>
+              <a:t>21/02/2023</a:t>
             </a:fld>
             <a:endParaRPr lang="en-GB"/>
           </a:p>
@@ -2696,13 +3110,7 @@
       </p:sp>
       <p:sp>
         <p:nvSpPr>
-          <p:cNvPr id="6" name="Footer Placeholder 5">
-            <a:extLst>
-              <a:ext uri="{FF2B5EF4-FFF2-40B4-BE49-F238E27FC236}">
-                <a16:creationId xmlns:a16="http://schemas.microsoft.com/office/drawing/2014/main" id="{976A3E9B-6E97-9BEC-75D8-ED028DDEBC58}"/>
-              </a:ext>
-            </a:extLst>
-          </p:cNvPr>
+          <p:cNvPr id="6" name="Footer Placeholder 5"/>
           <p:cNvSpPr>
             <a:spLocks noGrp="1"/>
           </p:cNvSpPr>
@@ -2721,13 +3129,7 @@
       </p:sp>
       <p:sp>
         <p:nvSpPr>
-          <p:cNvPr id="7" name="Slide Number Placeholder 6">
-            <a:extLst>
-              <a:ext uri="{FF2B5EF4-FFF2-40B4-BE49-F238E27FC236}">
-                <a16:creationId xmlns:a16="http://schemas.microsoft.com/office/drawing/2014/main" id="{BDD4EAC4-8EBC-E96D-FF4C-533D1C75645F}"/>
-              </a:ext>
-            </a:extLst>
-          </p:cNvPr>
+          <p:cNvPr id="7" name="Slide Number Placeholder 6"/>
           <p:cNvSpPr>
             <a:spLocks noGrp="1"/>
           </p:cNvSpPr>
@@ -2751,7 +3153,7 @@
     </p:spTree>
     <p:extLst>
       <p:ext uri="{BB962C8B-B14F-4D97-AF65-F5344CB8AC3E}">
-        <p14:creationId xmlns:p14="http://schemas.microsoft.com/office/powerpoint/2010/main" val="711140938"/>
+        <p14:creationId xmlns:p14="http://schemas.microsoft.com/office/powerpoint/2010/main" val="4194991739"/>
       </p:ext>
     </p:extLst>
   </p:cSld>
@@ -2765,9 +3167,12 @@
 <p:sldMaster xmlns:a="http://schemas.openxmlformats.org/drawingml/2006/main" xmlns:r="http://schemas.openxmlformats.org/officeDocument/2006/relationships" xmlns:p="http://schemas.openxmlformats.org/presentationml/2006/main">
   <p:cSld>
     <p:bg>
-      <p:bgRef idx="1001">
-        <a:schemeClr val="bg1"/>
-      </p:bgRef>
+      <p:bgPr>
+        <a:solidFill>
+          <a:schemeClr val="accent1"/>
+        </a:solidFill>
+        <a:effectLst/>
+      </p:bgPr>
     </p:bg>
     <p:spTree>
       <p:nvGrpSpPr>
@@ -2785,24 +3190,58 @@
       </p:grpSpPr>
       <p:sp>
         <p:nvSpPr>
-          <p:cNvPr id="2" name="Title Placeholder 1">
-            <a:extLst>
-              <a:ext uri="{FF2B5EF4-FFF2-40B4-BE49-F238E27FC236}">
-                <a16:creationId xmlns:a16="http://schemas.microsoft.com/office/drawing/2014/main" id="{62D4902F-6C80-1F21-5643-8B42EE62D9AC}"/>
-              </a:ext>
-            </a:extLst>
-          </p:cNvPr>
-          <p:cNvSpPr>
-            <a:spLocks noGrp="1"/>
-          </p:cNvSpPr>
-          <p:nvPr>
-            <p:ph type="title"/>
-          </p:nvPr>
+          <p:cNvPr id="7" name="Rectangle 6"/>
+          <p:cNvSpPr>
+            <a:spLocks noChangeAspect="1"/>
+          </p:cNvSpPr>
+          <p:nvPr/>
         </p:nvSpPr>
         <p:spPr>
           <a:xfrm>
-            <a:off x="838200" y="365125"/>
-            <a:ext cx="10515600" cy="1325563"/>
+            <a:off x="231140" y="243840"/>
+            <a:ext cx="11724640" cy="6377939"/>
+          </a:xfrm>
+          <a:prstGeom prst="rect">
+            <a:avLst/>
+          </a:prstGeom>
+          <a:solidFill>
+            <a:schemeClr val="bg1"/>
+          </a:solidFill>
+          <a:ln w="12700">
+            <a:noFill/>
+          </a:ln>
+        </p:spPr>
+        <p:style>
+          <a:lnRef idx="2">
+            <a:schemeClr val="accent1">
+              <a:shade val="50000"/>
+            </a:schemeClr>
+          </a:lnRef>
+          <a:fillRef idx="1">
+            <a:schemeClr val="accent1"/>
+          </a:fillRef>
+          <a:effectRef idx="0">
+            <a:schemeClr val="accent1"/>
+          </a:effectRef>
+          <a:fontRef idx="minor">
+            <a:schemeClr val="lt1"/>
+          </a:fontRef>
+        </p:style>
+      </p:sp>
+      <p:sp>
+        <p:nvSpPr>
+          <p:cNvPr id="2" name="Title Placeholder 1"/>
+          <p:cNvSpPr>
+            <a:spLocks noGrp="1"/>
+          </p:cNvSpPr>
+          <p:nvPr>
+            <p:ph type="title"/>
+          </p:nvPr>
+        </p:nvSpPr>
+        <p:spPr>
+          <a:xfrm>
+            <a:off x="1143000" y="609600"/>
+            <a:ext cx="9875520" cy="1356360"/>
           </a:xfrm>
           <a:prstGeom prst="rect">
             <a:avLst/>
@@ -2818,19 +3257,13 @@
               <a:rPr lang="en-US"/>
               <a:t>Click to edit Master title style</a:t>
             </a:r>
-            <a:endParaRPr lang="en-GB"/>
-          </a:p>
-        </p:txBody>
-      </p:sp>
-      <p:sp>
-        <p:nvSpPr>
-          <p:cNvPr id="3" name="Text Placeholder 2">
-            <a:extLst>
-              <a:ext uri="{FF2B5EF4-FFF2-40B4-BE49-F238E27FC236}">
-                <a16:creationId xmlns:a16="http://schemas.microsoft.com/office/drawing/2014/main" id="{C30B2C93-8C45-DBAB-4AE9-778EFD4C8001}"/>
-              </a:ext>
-            </a:extLst>
-          </p:cNvPr>
+            <a:endParaRPr lang="en-US" dirty="0"/>
+          </a:p>
+        </p:txBody>
+      </p:sp>
+      <p:sp>
+        <p:nvSpPr>
+          <p:cNvPr id="3" name="Text Placeholder 2"/>
           <p:cNvSpPr>
             <a:spLocks noGrp="1"/>
           </p:cNvSpPr>
@@ -2840,8 +3273,8 @@
         </p:nvSpPr>
         <p:spPr>
           <a:xfrm>
-            <a:off x="838200" y="1825625"/>
-            <a:ext cx="10515600" cy="4351338"/>
+            <a:off x="1143000" y="2057400"/>
+            <a:ext cx="9872871" cy="4038600"/>
           </a:xfrm>
           <a:prstGeom prst="rect">
             <a:avLst/>
@@ -2886,19 +3319,13 @@
               <a:rPr lang="en-US"/>
               <a:t>Fifth level</a:t>
             </a:r>
-            <a:endParaRPr lang="en-GB"/>
-          </a:p>
-        </p:txBody>
-      </p:sp>
-      <p:sp>
-        <p:nvSpPr>
-          <p:cNvPr id="4" name="Date Placeholder 3">
-            <a:extLst>
-              <a:ext uri="{FF2B5EF4-FFF2-40B4-BE49-F238E27FC236}">
-                <a16:creationId xmlns:a16="http://schemas.microsoft.com/office/drawing/2014/main" id="{3BFDFCB4-8172-ED44-3077-A9AE07BB3FD1}"/>
-              </a:ext>
-            </a:extLst>
-          </p:cNvPr>
+            <a:endParaRPr lang="en-US" dirty="0"/>
+          </a:p>
+        </p:txBody>
+      </p:sp>
+      <p:sp>
+        <p:nvSpPr>
+          <p:cNvPr id="4" name="Date Placeholder 3"/>
           <p:cNvSpPr>
             <a:spLocks noGrp="1"/>
           </p:cNvSpPr>
@@ -2908,8 +3335,8 @@
         </p:nvSpPr>
         <p:spPr>
           <a:xfrm>
-            <a:off x="838200" y="6356350"/>
-            <a:ext cx="2743200" cy="365125"/>
+            <a:off x="1142996" y="6223828"/>
+            <a:ext cx="2329074" cy="365125"/>
           </a:xfrm>
           <a:prstGeom prst="rect">
             <a:avLst/>
@@ -2921,9 +3348,7 @@
             <a:lvl1pPr algn="l">
               <a:defRPr sz="1200">
                 <a:solidFill>
-                  <a:schemeClr val="tx1">
-                    <a:tint val="75000"/>
-                  </a:schemeClr>
+                  <a:schemeClr val="accent1"/>
                 </a:solidFill>
               </a:defRPr>
             </a:lvl1pPr>
@@ -2931,7 +3356,7 @@
           <a:p>
             <a:fld id="{6AAA0F4C-345D-4BF6-9517-98BB3735E020}" type="datetimeFigureOut">
               <a:rPr lang="en-GB" smtClean="0"/>
-              <a:t>20/02/2023</a:t>
+              <a:t>21/02/2023</a:t>
             </a:fld>
             <a:endParaRPr lang="en-GB"/>
           </a:p>
@@ -2939,13 +3364,7 @@
       </p:sp>
       <p:sp>
         <p:nvSpPr>
-          <p:cNvPr id="5" name="Footer Placeholder 4">
-            <a:extLst>
-              <a:ext uri="{FF2B5EF4-FFF2-40B4-BE49-F238E27FC236}">
-                <a16:creationId xmlns:a16="http://schemas.microsoft.com/office/drawing/2014/main" id="{4C4B749A-91BE-E403-F24D-1CCE4EB88733}"/>
-              </a:ext>
-            </a:extLst>
-          </p:cNvPr>
+          <p:cNvPr id="5" name="Footer Placeholder 4"/>
           <p:cNvSpPr>
             <a:spLocks noGrp="1"/>
           </p:cNvSpPr>
@@ -2955,8 +3374,8 @@
         </p:nvSpPr>
         <p:spPr>
           <a:xfrm>
-            <a:off x="4038600" y="6356350"/>
-            <a:ext cx="4114800" cy="365125"/>
+            <a:off x="3949148" y="6223828"/>
+            <a:ext cx="4717774" cy="365125"/>
           </a:xfrm>
           <a:prstGeom prst="rect">
             <a:avLst/>
@@ -2968,9 +3387,7 @@
             <a:lvl1pPr algn="ctr">
               <a:defRPr sz="1200">
                 <a:solidFill>
-                  <a:schemeClr val="tx1">
-                    <a:tint val="75000"/>
-                  </a:schemeClr>
+                  <a:schemeClr val="accent1"/>
                 </a:solidFill>
               </a:defRPr>
             </a:lvl1pPr>
@@ -2982,13 +3399,7 @@
       </p:sp>
       <p:sp>
         <p:nvSpPr>
-          <p:cNvPr id="6" name="Slide Number Placeholder 5">
-            <a:extLst>
-              <a:ext uri="{FF2B5EF4-FFF2-40B4-BE49-F238E27FC236}">
-                <a16:creationId xmlns:a16="http://schemas.microsoft.com/office/drawing/2014/main" id="{2B7FF274-2F8F-F7C2-64A0-434BB46A1FD4}"/>
-              </a:ext>
-            </a:extLst>
-          </p:cNvPr>
+          <p:cNvPr id="6" name="Slide Number Placeholder 5"/>
           <p:cNvSpPr>
             <a:spLocks noGrp="1"/>
           </p:cNvSpPr>
@@ -2998,8 +3409,8 @@
         </p:nvSpPr>
         <p:spPr>
           <a:xfrm>
-            <a:off x="8610600" y="6356350"/>
-            <a:ext cx="2743200" cy="365125"/>
+            <a:off x="9329530" y="6223828"/>
+            <a:ext cx="1706217" cy="365125"/>
           </a:xfrm>
           <a:prstGeom prst="rect">
             <a:avLst/>
@@ -3011,9 +3422,7 @@
             <a:lvl1pPr algn="r">
               <a:defRPr sz="1200">
                 <a:solidFill>
-                  <a:schemeClr val="tx1">
-                    <a:tint val="75000"/>
-                  </a:schemeClr>
+                  <a:schemeClr val="accent1"/>
                 </a:solidFill>
               </a:defRPr>
             </a:lvl1pPr>
@@ -3030,23 +3439,23 @@
     </p:spTree>
     <p:extLst>
       <p:ext uri="{BB962C8B-B14F-4D97-AF65-F5344CB8AC3E}">
-        <p14:creationId xmlns:p14="http://schemas.microsoft.com/office/powerpoint/2010/main" val="2587344782"/>
+        <p14:creationId xmlns:p14="http://schemas.microsoft.com/office/powerpoint/2010/main" val="3575179525"/>
       </p:ext>
     </p:extLst>
   </p:cSld>
   <p:clrMap bg1="lt1" tx1="dk1" bg2="lt2" tx2="dk2" accent1="accent1" accent2="accent2" accent3="accent3" accent4="accent4" accent5="accent5" accent6="accent6" hlink="hlink" folHlink="folHlink"/>
   <p:sldLayoutIdLst>
-    <p:sldLayoutId id="2147483649" r:id="rId1"/>
-    <p:sldLayoutId id="2147483650" r:id="rId2"/>
-    <p:sldLayoutId id="2147483651" r:id="rId3"/>
-    <p:sldLayoutId id="2147483652" r:id="rId4"/>
-    <p:sldLayoutId id="2147483653" r:id="rId5"/>
-    <p:sldLayoutId id="2147483654" r:id="rId6"/>
-    <p:sldLayoutId id="2147483655" r:id="rId7"/>
-    <p:sldLayoutId id="2147483656" r:id="rId8"/>
-    <p:sldLayoutId id="2147483657" r:id="rId9"/>
-    <p:sldLayoutId id="2147483658" r:id="rId10"/>
-    <p:sldLayoutId id="2147483659" r:id="rId11"/>
+    <p:sldLayoutId id="2147483661" r:id="rId1"/>
+    <p:sldLayoutId id="2147483662" r:id="rId2"/>
+    <p:sldLayoutId id="2147483663" r:id="rId3"/>
+    <p:sldLayoutId id="2147483664" r:id="rId4"/>
+    <p:sldLayoutId id="2147483665" r:id="rId5"/>
+    <p:sldLayoutId id="2147483666" r:id="rId6"/>
+    <p:sldLayoutId id="2147483667" r:id="rId7"/>
+    <p:sldLayoutId id="2147483668" r:id="rId8"/>
+    <p:sldLayoutId id="2147483669" r:id="rId9"/>
+    <p:sldLayoutId id="2147483670" r:id="rId10"/>
+    <p:sldLayoutId id="2147483671" r:id="rId11"/>
   </p:sldLayoutIdLst>
   <p:txStyles>
     <p:titleStyle>
@@ -3060,7 +3469,7 @@
         <a:buNone/>
         <a:defRPr sz="4400" kern="1200">
           <a:solidFill>
-            <a:schemeClr val="tx1"/>
+            <a:schemeClr val="accent1"/>
           </a:solidFill>
           <a:latin typeface="+mj-lt"/>
           <a:ea typeface="+mj-ea"/>
@@ -3069,162 +3478,222 @@
       </a:lvl1pPr>
     </p:titleStyle>
     <p:bodyStyle>
-      <a:lvl1pPr marL="228600" indent="-228600" algn="l" defTabSz="914400" rtl="0" eaLnBrk="1" latinLnBrk="0" hangingPunct="1">
+      <a:lvl1pPr marL="228600" indent="-182880" algn="l" defTabSz="914400" rtl="0" eaLnBrk="1" latinLnBrk="0" hangingPunct="1">
         <a:lnSpc>
           <a:spcPct val="90000"/>
         </a:lnSpc>
         <a:spcBef>
-          <a:spcPts val="1000"/>
+          <a:spcPts val="1400"/>
         </a:spcBef>
-        <a:buFont typeface="Arial" panose="020B0604020202020204" pitchFamily="34" charset="0"/>
+        <a:buClr>
+          <a:schemeClr val="accent1"/>
+        </a:buClr>
+        <a:buSzPct val="80000"/>
+        <a:buFont typeface="Corbel" pitchFamily="34" charset="0"/>
         <a:buChar char="•"/>
-        <a:defRPr sz="2800" kern="1200">
+        <a:defRPr sz="2200" kern="1200">
           <a:solidFill>
-            <a:schemeClr val="tx1"/>
+            <a:schemeClr val="accent1"/>
           </a:solidFill>
           <a:latin typeface="+mn-lt"/>
           <a:ea typeface="+mn-ea"/>
           <a:cs typeface="+mn-cs"/>
         </a:defRPr>
       </a:lvl1pPr>
-      <a:lvl2pPr marL="685800" indent="-228600" algn="l" defTabSz="914400" rtl="0" eaLnBrk="1" latinLnBrk="0" hangingPunct="1">
+      <a:lvl2pPr marL="457200" indent="-182880" algn="l" defTabSz="914400" rtl="0" eaLnBrk="1" latinLnBrk="0" hangingPunct="1">
         <a:lnSpc>
           <a:spcPct val="90000"/>
         </a:lnSpc>
         <a:spcBef>
-          <a:spcPts val="500"/>
+          <a:spcPts val="200"/>
         </a:spcBef>
-        <a:buFont typeface="Arial" panose="020B0604020202020204" pitchFamily="34" charset="0"/>
+        <a:spcAft>
+          <a:spcPts val="400"/>
+        </a:spcAft>
+        <a:buClr>
+          <a:schemeClr val="accent1"/>
+        </a:buClr>
+        <a:buSzPct val="80000"/>
+        <a:buFont typeface="Corbel" pitchFamily="34" charset="0"/>
         <a:buChar char="•"/>
-        <a:defRPr sz="2400" kern="1200">
+        <a:defRPr sz="2000" kern="1200">
           <a:solidFill>
-            <a:schemeClr val="tx1"/>
+            <a:schemeClr val="accent1"/>
           </a:solidFill>
           <a:latin typeface="+mn-lt"/>
           <a:ea typeface="+mn-ea"/>
           <a:cs typeface="+mn-cs"/>
         </a:defRPr>
       </a:lvl2pPr>
-      <a:lvl3pPr marL="1143000" indent="-228600" algn="l" defTabSz="914400" rtl="0" eaLnBrk="1" latinLnBrk="0" hangingPunct="1">
+      <a:lvl3pPr marL="731520" indent="-182880" algn="l" defTabSz="914400" rtl="0" eaLnBrk="1" latinLnBrk="0" hangingPunct="1">
         <a:lnSpc>
           <a:spcPct val="90000"/>
         </a:lnSpc>
         <a:spcBef>
-          <a:spcPts val="500"/>
+          <a:spcPts val="200"/>
         </a:spcBef>
-        <a:buFont typeface="Arial" panose="020B0604020202020204" pitchFamily="34" charset="0"/>
+        <a:spcAft>
+          <a:spcPts val="400"/>
+        </a:spcAft>
+        <a:buClr>
+          <a:schemeClr val="accent1"/>
+        </a:buClr>
+        <a:buSzPct val="80000"/>
+        <a:buFont typeface="Corbel" pitchFamily="34" charset="0"/>
         <a:buChar char="•"/>
-        <a:defRPr sz="2000" kern="1200">
+        <a:defRPr sz="1800" kern="1200">
           <a:solidFill>
-            <a:schemeClr val="tx1"/>
+            <a:schemeClr val="accent1"/>
           </a:solidFill>
           <a:latin typeface="+mn-lt"/>
           <a:ea typeface="+mn-ea"/>
           <a:cs typeface="+mn-cs"/>
         </a:defRPr>
       </a:lvl3pPr>
-      <a:lvl4pPr marL="1600200" indent="-228600" algn="l" defTabSz="914400" rtl="0" eaLnBrk="1" latinLnBrk="0" hangingPunct="1">
+      <a:lvl4pPr marL="1005840" indent="-182880" algn="l" defTabSz="914400" rtl="0" eaLnBrk="1" latinLnBrk="0" hangingPunct="1">
         <a:lnSpc>
           <a:spcPct val="90000"/>
         </a:lnSpc>
         <a:spcBef>
-          <a:spcPts val="500"/>
+          <a:spcPts val="200"/>
         </a:spcBef>
-        <a:buFont typeface="Arial" panose="020B0604020202020204" pitchFamily="34" charset="0"/>
+        <a:spcAft>
+          <a:spcPts val="400"/>
+        </a:spcAft>
+        <a:buClr>
+          <a:schemeClr val="accent1"/>
+        </a:buClr>
+        <a:buSzPct val="80000"/>
+        <a:buFont typeface="Corbel" pitchFamily="34" charset="0"/>
         <a:buChar char="•"/>
-        <a:defRPr sz="1800" kern="1200">
+        <a:defRPr sz="1600" kern="1200">
           <a:solidFill>
-            <a:schemeClr val="tx1"/>
+            <a:schemeClr val="accent1"/>
           </a:solidFill>
           <a:latin typeface="+mn-lt"/>
           <a:ea typeface="+mn-ea"/>
           <a:cs typeface="+mn-cs"/>
         </a:defRPr>
       </a:lvl4pPr>
-      <a:lvl5pPr marL="2057400" indent="-228600" algn="l" defTabSz="914400" rtl="0" eaLnBrk="1" latinLnBrk="0" hangingPunct="1">
+      <a:lvl5pPr marL="1280160" indent="-182880" algn="l" defTabSz="914400" rtl="0" eaLnBrk="1" latinLnBrk="0" hangingPunct="1">
         <a:lnSpc>
           <a:spcPct val="90000"/>
         </a:lnSpc>
         <a:spcBef>
-          <a:spcPts val="500"/>
+          <a:spcPts val="200"/>
         </a:spcBef>
-        <a:buFont typeface="Arial" panose="020B0604020202020204" pitchFamily="34" charset="0"/>
+        <a:spcAft>
+          <a:spcPts val="400"/>
+        </a:spcAft>
+        <a:buClr>
+          <a:schemeClr val="accent1"/>
+        </a:buClr>
+        <a:buSzPct val="80000"/>
+        <a:buFont typeface="Corbel" pitchFamily="34" charset="0"/>
         <a:buChar char="•"/>
-        <a:defRPr sz="1800" kern="1200">
+        <a:defRPr sz="1600" kern="1200">
           <a:solidFill>
-            <a:schemeClr val="tx1"/>
+            <a:schemeClr val="accent1"/>
           </a:solidFill>
           <a:latin typeface="+mn-lt"/>
           <a:ea typeface="+mn-ea"/>
           <a:cs typeface="+mn-cs"/>
         </a:defRPr>
       </a:lvl5pPr>
-      <a:lvl6pPr marL="2514600" indent="-228600" algn="l" defTabSz="914400" rtl="0" eaLnBrk="1" latinLnBrk="0" hangingPunct="1">
+      <a:lvl6pPr marL="1600000" indent="-228600" algn="l" defTabSz="914400" rtl="0" eaLnBrk="1" latinLnBrk="0" hangingPunct="1">
         <a:lnSpc>
           <a:spcPct val="90000"/>
         </a:lnSpc>
         <a:spcBef>
-          <a:spcPts val="500"/>
+          <a:spcPts val="200"/>
         </a:spcBef>
-        <a:buFont typeface="Arial" panose="020B0604020202020204" pitchFamily="34" charset="0"/>
+        <a:spcAft>
+          <a:spcPts val="400"/>
+        </a:spcAft>
+        <a:buClr>
+          <a:schemeClr val="accent1"/>
+        </a:buClr>
+        <a:buSzPct val="80000"/>
+        <a:buFont typeface="Corbel" pitchFamily="34" charset="0"/>
         <a:buChar char="•"/>
-        <a:defRPr sz="1800" kern="1200">
+        <a:defRPr sz="1600" kern="1200">
           <a:solidFill>
-            <a:schemeClr val="tx1"/>
+            <a:schemeClr val="accent1"/>
           </a:solidFill>
           <a:latin typeface="+mn-lt"/>
           <a:ea typeface="+mn-ea"/>
           <a:cs typeface="+mn-cs"/>
         </a:defRPr>
       </a:lvl6pPr>
-      <a:lvl7pPr marL="2971800" indent="-228600" algn="l" defTabSz="914400" rtl="0" eaLnBrk="1" latinLnBrk="0" hangingPunct="1">
+      <a:lvl7pPr marL="1900000" indent="-228600" algn="l" defTabSz="914400" rtl="0" eaLnBrk="1" latinLnBrk="0" hangingPunct="1">
         <a:lnSpc>
           <a:spcPct val="90000"/>
         </a:lnSpc>
         <a:spcBef>
-          <a:spcPts val="500"/>
+          <a:spcPts val="200"/>
         </a:spcBef>
-        <a:buFont typeface="Arial" panose="020B0604020202020204" pitchFamily="34" charset="0"/>
+        <a:spcAft>
+          <a:spcPts val="400"/>
+        </a:spcAft>
+        <a:buClr>
+          <a:schemeClr val="accent1"/>
+        </a:buClr>
+        <a:buSzPct val="80000"/>
+        <a:buFont typeface="Corbel" pitchFamily="34" charset="0"/>
         <a:buChar char="•"/>
-        <a:defRPr sz="1800" kern="1200">
+        <a:defRPr sz="1600" kern="1200">
           <a:solidFill>
-            <a:schemeClr val="tx1"/>
+            <a:schemeClr val="accent1"/>
           </a:solidFill>
           <a:latin typeface="+mn-lt"/>
           <a:ea typeface="+mn-ea"/>
           <a:cs typeface="+mn-cs"/>
         </a:defRPr>
       </a:lvl7pPr>
-      <a:lvl8pPr marL="3429000" indent="-228600" algn="l" defTabSz="914400" rtl="0" eaLnBrk="1" latinLnBrk="0" hangingPunct="1">
+      <a:lvl8pPr marL="2200000" indent="-228600" algn="l" defTabSz="914400" rtl="0" eaLnBrk="1" latinLnBrk="0" hangingPunct="1">
         <a:lnSpc>
           <a:spcPct val="90000"/>
         </a:lnSpc>
         <a:spcBef>
-          <a:spcPts val="500"/>
+          <a:spcPts val="200"/>
         </a:spcBef>
-        <a:buFont typeface="Arial" panose="020B0604020202020204" pitchFamily="34" charset="0"/>
+        <a:spcAft>
+          <a:spcPts val="400"/>
+        </a:spcAft>
+        <a:buClr>
+          <a:schemeClr val="accent1"/>
+        </a:buClr>
+        <a:buSzPct val="80000"/>
+        <a:buFont typeface="Corbel" pitchFamily="34" charset="0"/>
         <a:buChar char="•"/>
-        <a:defRPr sz="1800" kern="1200">
+        <a:defRPr sz="1600" kern="1200">
           <a:solidFill>
-            <a:schemeClr val="tx1"/>
+            <a:schemeClr val="accent1"/>
           </a:solidFill>
           <a:latin typeface="+mn-lt"/>
           <a:ea typeface="+mn-ea"/>
           <a:cs typeface="+mn-cs"/>
         </a:defRPr>
       </a:lvl8pPr>
-      <a:lvl9pPr marL="3886200" indent="-228600" algn="l" defTabSz="914400" rtl="0" eaLnBrk="1" latinLnBrk="0" hangingPunct="1">
+      <a:lvl9pPr marL="2500000" indent="-228600" algn="l" defTabSz="914400" rtl="0" eaLnBrk="1" latinLnBrk="0" hangingPunct="1">
         <a:lnSpc>
           <a:spcPct val="90000"/>
         </a:lnSpc>
         <a:spcBef>
-          <a:spcPts val="500"/>
+          <a:spcPts val="200"/>
         </a:spcBef>
-        <a:buFont typeface="Arial" panose="020B0604020202020204" pitchFamily="34" charset="0"/>
+        <a:spcAft>
+          <a:spcPts val="400"/>
+        </a:spcAft>
+        <a:buClr>
+          <a:schemeClr val="accent1"/>
+        </a:buClr>
+        <a:buSzPct val="80000"/>
+        <a:buFont typeface="Corbel" pitchFamily="34" charset="0"/>
         <a:buChar char="•"/>
-        <a:defRPr sz="1800" kern="1200">
+        <a:defRPr sz="1600" kern="1200">
           <a:solidFill>
-            <a:schemeClr val="tx1"/>
+            <a:schemeClr val="accent1"/>
           </a:solidFill>
           <a:latin typeface="+mn-lt"/>
           <a:ea typeface="+mn-ea"/>
@@ -3429,6 +3898,500 @@
 </p:sld>
 </file>
 
+<file path=ppt/slides/slide10.xml><?xml version="1.0" encoding="utf-8"?>
+<p:sld xmlns:a="http://schemas.openxmlformats.org/drawingml/2006/main" xmlns:r="http://schemas.openxmlformats.org/officeDocument/2006/relationships" xmlns:p="http://schemas.openxmlformats.org/presentationml/2006/main">
+  <p:cSld>
+    <p:spTree>
+      <p:nvGrpSpPr>
+        <p:cNvPr id="1" name=""/>
+        <p:cNvGrpSpPr/>
+        <p:nvPr/>
+      </p:nvGrpSpPr>
+      <p:grpSpPr>
+        <a:xfrm>
+          <a:off x="0" y="0"/>
+          <a:ext cx="0" cy="0"/>
+          <a:chOff x="0" y="0"/>
+          <a:chExt cx="0" cy="0"/>
+        </a:xfrm>
+      </p:grpSpPr>
+      <p:sp>
+        <p:nvSpPr>
+          <p:cNvPr id="2" name="Title 1">
+            <a:extLst>
+              <a:ext uri="{FF2B5EF4-FFF2-40B4-BE49-F238E27FC236}">
+                <a16:creationId xmlns:a16="http://schemas.microsoft.com/office/drawing/2014/main" id="{1C4E4204-BFE1-AEE9-B4C4-4AE705A2190E}"/>
+              </a:ext>
+            </a:extLst>
+          </p:cNvPr>
+          <p:cNvSpPr>
+            <a:spLocks noGrp="1"/>
+          </p:cNvSpPr>
+          <p:nvPr>
+            <p:ph type="title"/>
+          </p:nvPr>
+        </p:nvSpPr>
+        <p:spPr/>
+        <p:txBody>
+          <a:bodyPr/>
+          <a:lstStyle/>
+          <a:p>
+            <a:r>
+              <a:rPr lang="en-GB" dirty="0"/>
+              <a:t>Queensland</a:t>
+            </a:r>
+          </a:p>
+        </p:txBody>
+      </p:sp>
+      <p:pic>
+        <p:nvPicPr>
+          <p:cNvPr id="5" name="Picture 4">
+            <a:extLst>
+              <a:ext uri="{FF2B5EF4-FFF2-40B4-BE49-F238E27FC236}">
+                <a16:creationId xmlns:a16="http://schemas.microsoft.com/office/drawing/2014/main" id="{14CB518F-E54D-65A4-5663-F64C0FA0A2F7}"/>
+              </a:ext>
+            </a:extLst>
+          </p:cNvPr>
+          <p:cNvPicPr>
+            <a:picLocks noChangeAspect="1"/>
+          </p:cNvPicPr>
+          <p:nvPr/>
+        </p:nvPicPr>
+        <p:blipFill>
+          <a:blip r:embed="rId2">
+            <a:extLst>
+              <a:ext uri="{28A0092B-C50C-407E-A947-70E740481C1C}">
+                <a14:useLocalDpi xmlns:a14="http://schemas.microsoft.com/office/drawing/2010/main" val="0"/>
+              </a:ext>
+            </a:extLst>
+          </a:blip>
+          <a:stretch>
+            <a:fillRect/>
+          </a:stretch>
+        </p:blipFill>
+        <p:spPr>
+          <a:xfrm>
+            <a:off x="3888420" y="1814340"/>
+            <a:ext cx="7327773" cy="4522282"/>
+          </a:xfrm>
+          <a:prstGeom prst="rect">
+            <a:avLst/>
+          </a:prstGeom>
+        </p:spPr>
+      </p:pic>
+      <p:sp>
+        <p:nvSpPr>
+          <p:cNvPr id="6" name="TextBox 5">
+            <a:extLst>
+              <a:ext uri="{FF2B5EF4-FFF2-40B4-BE49-F238E27FC236}">
+                <a16:creationId xmlns:a16="http://schemas.microsoft.com/office/drawing/2014/main" id="{D5987C0D-C4E4-9F87-2809-4BCDD4298E3C}"/>
+              </a:ext>
+            </a:extLst>
+          </p:cNvPr>
+          <p:cNvSpPr txBox="1"/>
+          <p:nvPr/>
+        </p:nvSpPr>
+        <p:spPr>
+          <a:xfrm>
+            <a:off x="630722" y="2479147"/>
+            <a:ext cx="3142288" cy="2308324"/>
+          </a:xfrm>
+          <a:prstGeom prst="rect">
+            <a:avLst/>
+          </a:prstGeom>
+          <a:noFill/>
+        </p:spPr>
+        <p:txBody>
+          <a:bodyPr wrap="square" rtlCol="0">
+            <a:spAutoFit/>
+          </a:bodyPr>
+          <a:lstStyle/>
+          <a:p>
+            <a:r>
+              <a:rPr lang="en-GB" dirty="0"/>
+              <a:t>Total animals received in 2018:</a:t>
+            </a:r>
+          </a:p>
+          <a:p>
+            <a:endParaRPr lang="en-GB" dirty="0"/>
+          </a:p>
+          <a:p>
+            <a:pPr marL="285750" indent="-285750">
+              <a:buFontTx/>
+              <a:buChar char="-"/>
+            </a:pPr>
+            <a:r>
+              <a:rPr lang="en-GB" dirty="0">
+                <a:latin typeface="Calibri" panose="020F0502020204030204" pitchFamily="34" charset="0"/>
+                <a:cs typeface="Calibri" panose="020F0502020204030204" pitchFamily="34" charset="0"/>
+              </a:rPr>
+              <a:t>11,517</a:t>
+            </a:r>
+            <a:r>
+              <a:rPr lang="en-GB" dirty="0"/>
+              <a:t> Dogs</a:t>
+            </a:r>
+          </a:p>
+          <a:p>
+            <a:pPr marL="285750" indent="-285750">
+              <a:buFontTx/>
+              <a:buChar char="-"/>
+            </a:pPr>
+            <a:r>
+              <a:rPr lang="en-GB" dirty="0">
+                <a:latin typeface="Calibri" panose="020F0502020204030204" pitchFamily="34" charset="0"/>
+                <a:cs typeface="Calibri" panose="020F0502020204030204" pitchFamily="34" charset="0"/>
+              </a:rPr>
+              <a:t>13,648</a:t>
+            </a:r>
+            <a:r>
+              <a:rPr lang="en-GB" dirty="0"/>
+              <a:t> Cats</a:t>
+            </a:r>
+          </a:p>
+          <a:p>
+            <a:pPr marL="285750" indent="-285750">
+              <a:buFontTx/>
+              <a:buChar char="-"/>
+            </a:pPr>
+            <a:r>
+              <a:rPr lang="en-GB" dirty="0">
+                <a:latin typeface="Calibri" panose="020F0502020204030204" pitchFamily="34" charset="0"/>
+                <a:cs typeface="Calibri" panose="020F0502020204030204" pitchFamily="34" charset="0"/>
+              </a:rPr>
+              <a:t>125</a:t>
+            </a:r>
+            <a:r>
+              <a:rPr lang="en-GB" dirty="0"/>
+              <a:t> Horses</a:t>
+            </a:r>
+          </a:p>
+          <a:p>
+            <a:pPr marL="285750" indent="-285750">
+              <a:buFontTx/>
+              <a:buChar char="-"/>
+            </a:pPr>
+            <a:r>
+              <a:rPr lang="en-GB" dirty="0">
+                <a:latin typeface="Calibri" panose="020F0502020204030204" pitchFamily="34" charset="0"/>
+                <a:cs typeface="Calibri" panose="020F0502020204030204" pitchFamily="34" charset="0"/>
+              </a:rPr>
+              <a:t>1,597</a:t>
+            </a:r>
+            <a:r>
+              <a:rPr lang="en-GB" dirty="0"/>
+              <a:t> Livestock</a:t>
+            </a:r>
+          </a:p>
+          <a:p>
+            <a:pPr marL="285750" indent="-285750">
+              <a:buFontTx/>
+              <a:buChar char="-"/>
+            </a:pPr>
+            <a:r>
+              <a:rPr lang="en-GB" dirty="0">
+                <a:latin typeface="Calibri" panose="020F0502020204030204" pitchFamily="34" charset="0"/>
+                <a:cs typeface="Calibri" panose="020F0502020204030204" pitchFamily="34" charset="0"/>
+              </a:rPr>
+              <a:t>25,385</a:t>
+            </a:r>
+            <a:r>
+              <a:rPr lang="en-GB" dirty="0"/>
+              <a:t> Wildlife</a:t>
+            </a:r>
+          </a:p>
+          <a:p>
+            <a:pPr marL="285750" indent="-285750">
+              <a:buFontTx/>
+              <a:buChar char="-"/>
+            </a:pPr>
+            <a:r>
+              <a:rPr lang="en-GB" dirty="0">
+                <a:latin typeface="Calibri" panose="020F0502020204030204" pitchFamily="34" charset="0"/>
+                <a:cs typeface="Calibri" panose="020F0502020204030204" pitchFamily="34" charset="0"/>
+              </a:rPr>
+              <a:t>2,236</a:t>
+            </a:r>
+            <a:r>
+              <a:rPr lang="en-GB" dirty="0"/>
+              <a:t> Other</a:t>
+            </a:r>
+          </a:p>
+        </p:txBody>
+      </p:sp>
+    </p:spTree>
+    <p:extLst>
+      <p:ext uri="{BB962C8B-B14F-4D97-AF65-F5344CB8AC3E}">
+        <p14:creationId xmlns:p14="http://schemas.microsoft.com/office/powerpoint/2010/main" val="137979411"/>
+      </p:ext>
+    </p:extLst>
+  </p:cSld>
+  <p:clrMapOvr>
+    <a:masterClrMapping/>
+  </p:clrMapOvr>
+</p:sld>
+</file>
+
+<file path=ppt/slides/slide11.xml><?xml version="1.0" encoding="utf-8"?>
+<p:sld xmlns:a="http://schemas.openxmlformats.org/drawingml/2006/main" xmlns:r="http://schemas.openxmlformats.org/officeDocument/2006/relationships" xmlns:p="http://schemas.openxmlformats.org/presentationml/2006/main">
+  <p:cSld>
+    <p:spTree>
+      <p:nvGrpSpPr>
+        <p:cNvPr id="1" name=""/>
+        <p:cNvGrpSpPr/>
+        <p:nvPr/>
+      </p:nvGrpSpPr>
+      <p:grpSpPr>
+        <a:xfrm>
+          <a:off x="0" y="0"/>
+          <a:ext cx="0" cy="0"/>
+          <a:chOff x="0" y="0"/>
+          <a:chExt cx="0" cy="0"/>
+        </a:xfrm>
+      </p:grpSpPr>
+      <p:sp>
+        <p:nvSpPr>
+          <p:cNvPr id="4" name="Title 1">
+            <a:extLst>
+              <a:ext uri="{FF2B5EF4-FFF2-40B4-BE49-F238E27FC236}">
+                <a16:creationId xmlns:a16="http://schemas.microsoft.com/office/drawing/2014/main" id="{FC9C03B7-6F51-463F-9063-D67E1E9E6ACF}"/>
+              </a:ext>
+            </a:extLst>
+          </p:cNvPr>
+          <p:cNvSpPr>
+            <a:spLocks noGrp="1"/>
+          </p:cNvSpPr>
+          <p:nvPr>
+            <p:ph type="title"/>
+          </p:nvPr>
+        </p:nvSpPr>
+        <p:spPr>
+          <a:xfrm>
+            <a:off x="1143000" y="609600"/>
+            <a:ext cx="9875838" cy="1355725"/>
+          </a:xfrm>
+        </p:spPr>
+        <p:txBody>
+          <a:bodyPr/>
+          <a:lstStyle/>
+          <a:p>
+            <a:r>
+              <a:rPr lang="en-GB" dirty="0"/>
+              <a:t>Queensland</a:t>
+            </a:r>
+          </a:p>
+        </p:txBody>
+      </p:sp>
+      <p:pic>
+        <p:nvPicPr>
+          <p:cNvPr id="6" name="Picture 5">
+            <a:extLst>
+              <a:ext uri="{FF2B5EF4-FFF2-40B4-BE49-F238E27FC236}">
+                <a16:creationId xmlns:a16="http://schemas.microsoft.com/office/drawing/2014/main" id="{F70523A7-4915-44DB-E0AD-F42F853121A7}"/>
+              </a:ext>
+            </a:extLst>
+          </p:cNvPr>
+          <p:cNvPicPr>
+            <a:picLocks noChangeAspect="1"/>
+          </p:cNvPicPr>
+          <p:nvPr/>
+        </p:nvPicPr>
+        <p:blipFill>
+          <a:blip r:embed="rId2">
+            <a:extLst>
+              <a:ext uri="{28A0092B-C50C-407E-A947-70E740481C1C}">
+                <a14:useLocalDpi xmlns:a14="http://schemas.microsoft.com/office/drawing/2010/main" val="0"/>
+              </a:ext>
+            </a:extLst>
+          </a:blip>
+          <a:stretch>
+            <a:fillRect/>
+          </a:stretch>
+        </p:blipFill>
+        <p:spPr>
+          <a:xfrm>
+            <a:off x="3950564" y="1743521"/>
+            <a:ext cx="7299574" cy="4504879"/>
+          </a:xfrm>
+          <a:prstGeom prst="rect">
+            <a:avLst/>
+          </a:prstGeom>
+        </p:spPr>
+      </p:pic>
+      <p:sp>
+        <p:nvSpPr>
+          <p:cNvPr id="7" name="TextBox 6">
+            <a:extLst>
+              <a:ext uri="{FF2B5EF4-FFF2-40B4-BE49-F238E27FC236}">
+                <a16:creationId xmlns:a16="http://schemas.microsoft.com/office/drawing/2014/main" id="{BFFA278C-F3EC-C485-B284-EB6BD3EA2232}"/>
+              </a:ext>
+            </a:extLst>
+          </p:cNvPr>
+          <p:cNvSpPr txBox="1"/>
+          <p:nvPr/>
+        </p:nvSpPr>
+        <p:spPr>
+          <a:xfrm>
+            <a:off x="399496" y="1743521"/>
+            <a:ext cx="3630968" cy="923330"/>
+          </a:xfrm>
+          <a:prstGeom prst="rect">
+            <a:avLst/>
+          </a:prstGeom>
+          <a:noFill/>
+        </p:spPr>
+        <p:txBody>
+          <a:bodyPr wrap="square" rtlCol="0">
+            <a:spAutoFit/>
+          </a:bodyPr>
+          <a:lstStyle/>
+          <a:p>
+            <a:r>
+              <a:rPr lang="en-GB" b="1" dirty="0">
+                <a:latin typeface="Calibri" panose="020F0502020204030204" pitchFamily="34" charset="0"/>
+                <a:cs typeface="Calibri" panose="020F0502020204030204" pitchFamily="34" charset="0"/>
+              </a:rPr>
+              <a:t>15,690 wildlife euthanised in 2018 </a:t>
+            </a:r>
+          </a:p>
+          <a:p>
+            <a:r>
+              <a:rPr lang="en-GB" b="1" dirty="0">
+                <a:latin typeface="Calibri" panose="020F0502020204030204" pitchFamily="34" charset="0"/>
+                <a:cs typeface="Calibri" panose="020F0502020204030204" pitchFamily="34" charset="0"/>
+              </a:rPr>
+              <a:t>-- more than 92% of the recorded total for the entirety of Australia!  </a:t>
+            </a:r>
+          </a:p>
+        </p:txBody>
+      </p:sp>
+      <p:sp>
+        <p:nvSpPr>
+          <p:cNvPr id="8" name="TextBox 7">
+            <a:extLst>
+              <a:ext uri="{FF2B5EF4-FFF2-40B4-BE49-F238E27FC236}">
+                <a16:creationId xmlns:a16="http://schemas.microsoft.com/office/drawing/2014/main" id="{53E4C1D3-35D5-56ED-857A-AB7A58D61EB7}"/>
+              </a:ext>
+            </a:extLst>
+          </p:cNvPr>
+          <p:cNvSpPr txBox="1"/>
+          <p:nvPr/>
+        </p:nvSpPr>
+        <p:spPr>
+          <a:xfrm>
+            <a:off x="399496" y="2735063"/>
+            <a:ext cx="3630968" cy="923330"/>
+          </a:xfrm>
+          <a:prstGeom prst="rect">
+            <a:avLst/>
+          </a:prstGeom>
+          <a:noFill/>
+        </p:spPr>
+        <p:txBody>
+          <a:bodyPr wrap="square" rtlCol="0">
+            <a:spAutoFit/>
+          </a:bodyPr>
+          <a:lstStyle/>
+          <a:p>
+            <a:r>
+              <a:rPr lang="en-GB" dirty="0">
+                <a:latin typeface="Calibri" panose="020F0502020204030204" pitchFamily="34" charset="0"/>
+                <a:cs typeface="Calibri" panose="020F0502020204030204" pitchFamily="34" charset="0"/>
+              </a:rPr>
+              <a:t>RSPCA Queensland operates specialist wildlife clinics to treat, rehabilitate and re-release wildlife.</a:t>
+            </a:r>
+          </a:p>
+        </p:txBody>
+      </p:sp>
+      <p:sp>
+        <p:nvSpPr>
+          <p:cNvPr id="9" name="TextBox 8">
+            <a:extLst>
+              <a:ext uri="{FF2B5EF4-FFF2-40B4-BE49-F238E27FC236}">
+                <a16:creationId xmlns:a16="http://schemas.microsoft.com/office/drawing/2014/main" id="{24B91883-C9DA-5F3A-C03B-BE4AB5024038}"/>
+              </a:ext>
+            </a:extLst>
+          </p:cNvPr>
+          <p:cNvSpPr txBox="1"/>
+          <p:nvPr/>
+        </p:nvSpPr>
+        <p:spPr>
+          <a:xfrm>
+            <a:off x="399496" y="3800772"/>
+            <a:ext cx="3630968" cy="1200329"/>
+          </a:xfrm>
+          <a:prstGeom prst="rect">
+            <a:avLst/>
+          </a:prstGeom>
+          <a:noFill/>
+        </p:spPr>
+        <p:txBody>
+          <a:bodyPr wrap="square" rtlCol="0">
+            <a:spAutoFit/>
+          </a:bodyPr>
+          <a:lstStyle/>
+          <a:p>
+            <a:r>
+              <a:rPr lang="en-GB" dirty="0">
+                <a:latin typeface="Calibri" panose="020F0502020204030204" pitchFamily="34" charset="0"/>
+                <a:cs typeface="Calibri" panose="020F0502020204030204" pitchFamily="34" charset="0"/>
+              </a:rPr>
+              <a:t>Unfortunately, many of the animals injuries can cause significant pain and suffering or compromise their survival in the wild.</a:t>
+            </a:r>
+          </a:p>
+        </p:txBody>
+      </p:sp>
+      <p:sp>
+        <p:nvSpPr>
+          <p:cNvPr id="10" name="TextBox 9">
+            <a:extLst>
+              <a:ext uri="{FF2B5EF4-FFF2-40B4-BE49-F238E27FC236}">
+                <a16:creationId xmlns:a16="http://schemas.microsoft.com/office/drawing/2014/main" id="{C950322B-97F8-5FE2-5354-5E1AA38DC9B6}"/>
+              </a:ext>
+            </a:extLst>
+          </p:cNvPr>
+          <p:cNvSpPr txBox="1"/>
+          <p:nvPr/>
+        </p:nvSpPr>
+        <p:spPr>
+          <a:xfrm>
+            <a:off x="359546" y="5102346"/>
+            <a:ext cx="3630968" cy="923330"/>
+          </a:xfrm>
+          <a:prstGeom prst="rect">
+            <a:avLst/>
+          </a:prstGeom>
+          <a:noFill/>
+        </p:spPr>
+        <p:txBody>
+          <a:bodyPr wrap="square" rtlCol="0">
+            <a:spAutoFit/>
+          </a:bodyPr>
+          <a:lstStyle/>
+          <a:p>
+            <a:r>
+              <a:rPr lang="en-GB" dirty="0">
+                <a:latin typeface="Calibri" panose="020F0502020204030204" pitchFamily="34" charset="0"/>
+                <a:cs typeface="Calibri" panose="020F0502020204030204" pitchFamily="34" charset="0"/>
+              </a:rPr>
+              <a:t>The RSPCA performs a difficult but valuable role in relieving the suffering of injured wildlife.</a:t>
+            </a:r>
+          </a:p>
+        </p:txBody>
+      </p:sp>
+    </p:spTree>
+    <p:extLst>
+      <p:ext uri="{BB962C8B-B14F-4D97-AF65-F5344CB8AC3E}">
+        <p14:creationId xmlns:p14="http://schemas.microsoft.com/office/powerpoint/2010/main" val="808036719"/>
+      </p:ext>
+    </p:extLst>
+  </p:cSld>
+  <p:clrMapOvr>
+    <a:masterClrMapping/>
+  </p:clrMapOvr>
+</p:sld>
+</file>
+
 <file path=ppt/slides/slide2.xml><?xml version="1.0" encoding="utf-8"?>
 <p:sld xmlns:a="http://schemas.openxmlformats.org/drawingml/2006/main" xmlns:r="http://schemas.openxmlformats.org/officeDocument/2006/relationships" xmlns:p="http://schemas.openxmlformats.org/presentationml/2006/main">
   <p:cSld>
@@ -3446,15 +4409,279 @@
           <a:chExt cx="0" cy="0"/>
         </a:xfrm>
       </p:grpSpPr>
-      <p:sp>
-        <p:nvSpPr>
-          <p:cNvPr id="2" name="Title 1">
+      <p:pic>
+        <p:nvPicPr>
+          <p:cNvPr id="4" name="Picture 3">
             <a:extLst>
               <a:ext uri="{FF2B5EF4-FFF2-40B4-BE49-F238E27FC236}">
-                <a16:creationId xmlns:a16="http://schemas.microsoft.com/office/drawing/2014/main" id="{F6C985A7-9F44-2056-363A-A3DEE59A48D0}"/>
+                <a16:creationId xmlns:a16="http://schemas.microsoft.com/office/drawing/2014/main" id="{D3BF76C0-0FE6-958D-60D7-4E7C47AA3D4E}"/>
               </a:ext>
             </a:extLst>
           </p:cNvPr>
+          <p:cNvPicPr>
+            <a:picLocks noChangeAspect="1" noChangeArrowheads="1"/>
+          </p:cNvPicPr>
+          <p:nvPr/>
+        </p:nvPicPr>
+        <p:blipFill>
+          <a:blip r:embed="rId2">
+            <a:extLst>
+              <a:ext uri="{28A0092B-C50C-407E-A947-70E740481C1C}">
+                <a14:useLocalDpi xmlns:a14="http://schemas.microsoft.com/office/drawing/2010/main" val="0"/>
+              </a:ext>
+            </a:extLst>
+          </a:blip>
+          <a:srcRect/>
+          <a:stretch>
+            <a:fillRect/>
+          </a:stretch>
+        </p:blipFill>
+        <p:spPr bwMode="auto">
+          <a:xfrm>
+            <a:off x="760166" y="449505"/>
+            <a:ext cx="3740810" cy="1203126"/>
+          </a:xfrm>
+          <a:prstGeom prst="rect">
+            <a:avLst/>
+          </a:prstGeom>
+          <a:noFill/>
+          <a:extLst>
+            <a:ext uri="{909E8E84-426E-40DD-AFC4-6F175D3DCCD1}">
+              <a14:hiddenFill xmlns:a14="http://schemas.microsoft.com/office/drawing/2010/main">
+                <a:solidFill>
+                  <a:srgbClr val="FFFFFF"/>
+                </a:solidFill>
+              </a14:hiddenFill>
+            </a:ext>
+          </a:extLst>
+        </p:spPr>
+      </p:pic>
+    </p:spTree>
+    <p:extLst>
+      <p:ext uri="{BB962C8B-B14F-4D97-AF65-F5344CB8AC3E}">
+        <p14:creationId xmlns:p14="http://schemas.microsoft.com/office/powerpoint/2010/main" val="1318454623"/>
+      </p:ext>
+    </p:extLst>
+  </p:cSld>
+  <p:clrMapOvr>
+    <a:masterClrMapping/>
+  </p:clrMapOvr>
+</p:sld>
+</file>
+
+<file path=ppt/slides/slide3.xml><?xml version="1.0" encoding="utf-8"?>
+<p:sld xmlns:a="http://schemas.openxmlformats.org/drawingml/2006/main" xmlns:r="http://schemas.openxmlformats.org/officeDocument/2006/relationships" xmlns:p="http://schemas.openxmlformats.org/presentationml/2006/main">
+  <p:cSld>
+    <p:spTree>
+      <p:nvGrpSpPr>
+        <p:cNvPr id="1" name=""/>
+        <p:cNvGrpSpPr/>
+        <p:nvPr/>
+      </p:nvGrpSpPr>
+      <p:grpSpPr>
+        <a:xfrm>
+          <a:off x="0" y="0"/>
+          <a:ext cx="0" cy="0"/>
+          <a:chOff x="0" y="0"/>
+          <a:chExt cx="0" cy="0"/>
+        </a:xfrm>
+      </p:grpSpPr>
+      <p:pic>
+        <p:nvPicPr>
+          <p:cNvPr id="7" name="Picture 6">
+            <a:extLst>
+              <a:ext uri="{FF2B5EF4-FFF2-40B4-BE49-F238E27FC236}">
+                <a16:creationId xmlns:a16="http://schemas.microsoft.com/office/drawing/2014/main" id="{6F8E15A3-6EA9-0A0F-3E42-60182022430D}"/>
+              </a:ext>
+            </a:extLst>
+          </p:cNvPr>
+          <p:cNvPicPr>
+            <a:picLocks noChangeAspect="1"/>
+          </p:cNvPicPr>
+          <p:nvPr/>
+        </p:nvPicPr>
+        <p:blipFill>
+          <a:blip r:embed="rId2">
+            <a:extLst>
+              <a:ext uri="{28A0092B-C50C-407E-A947-70E740481C1C}">
+                <a14:useLocalDpi xmlns:a14="http://schemas.microsoft.com/office/drawing/2010/main" val="0"/>
+              </a:ext>
+            </a:extLst>
+          </a:blip>
+          <a:stretch>
+            <a:fillRect/>
+          </a:stretch>
+        </p:blipFill>
+        <p:spPr>
+          <a:xfrm>
+            <a:off x="4547149" y="1918562"/>
+            <a:ext cx="7179170" cy="4430573"/>
+          </a:xfrm>
+          <a:prstGeom prst="rect">
+            <a:avLst/>
+          </a:prstGeom>
+        </p:spPr>
+      </p:pic>
+      <p:sp>
+        <p:nvSpPr>
+          <p:cNvPr id="9" name="TextBox 8">
+            <a:extLst>
+              <a:ext uri="{FF2B5EF4-FFF2-40B4-BE49-F238E27FC236}">
+                <a16:creationId xmlns:a16="http://schemas.microsoft.com/office/drawing/2014/main" id="{42F83AF0-C560-A446-A177-E86F54D85EA9}"/>
+              </a:ext>
+            </a:extLst>
+          </p:cNvPr>
+          <p:cNvSpPr txBox="1"/>
+          <p:nvPr/>
+        </p:nvSpPr>
+        <p:spPr>
+          <a:xfrm>
+            <a:off x="1546967" y="1797049"/>
+            <a:ext cx="2262455" cy="1815882"/>
+          </a:xfrm>
+          <a:prstGeom prst="rect">
+            <a:avLst/>
+          </a:prstGeom>
+          <a:noFill/>
+        </p:spPr>
+        <p:txBody>
+          <a:bodyPr wrap="square">
+            <a:spAutoFit/>
+          </a:bodyPr>
+          <a:lstStyle/>
+          <a:p>
+            <a:pPr algn="ctr"/>
+            <a:r>
+              <a:rPr lang="en-GB" sz="1600" b="1" dirty="0"/>
+              <a:t>Total Animals in 2018</a:t>
+            </a:r>
+            <a:endParaRPr lang="en-GB" sz="1600" dirty="0"/>
+          </a:p>
+          <a:p>
+            <a:pPr marL="285750" indent="-285750">
+              <a:buFontTx/>
+              <a:buChar char="-"/>
+            </a:pPr>
+            <a:r>
+              <a:rPr lang="en-GB" sz="1600" dirty="0">
+                <a:latin typeface="Calibri" panose="020F0502020204030204" pitchFamily="34" charset="0"/>
+                <a:cs typeface="Calibri" panose="020F0502020204030204" pitchFamily="34" charset="0"/>
+              </a:rPr>
+              <a:t>33,863 </a:t>
+            </a:r>
+            <a:r>
+              <a:rPr lang="en-GB" sz="1600" dirty="0">
+                <a:cs typeface="Calibri" panose="020F0502020204030204" pitchFamily="34" charset="0"/>
+              </a:rPr>
+              <a:t>Dogs</a:t>
+            </a:r>
+          </a:p>
+          <a:p>
+            <a:pPr marL="285750" indent="-285750">
+              <a:buFontTx/>
+              <a:buChar char="-"/>
+            </a:pPr>
+            <a:r>
+              <a:rPr lang="en-GB" sz="1600" dirty="0">
+                <a:latin typeface="Calibri" panose="020F0502020204030204" pitchFamily="34" charset="0"/>
+                <a:cs typeface="Calibri" panose="020F0502020204030204" pitchFamily="34" charset="0"/>
+              </a:rPr>
+              <a:t>51,170 </a:t>
+            </a:r>
+            <a:r>
+              <a:rPr lang="en-GB" sz="1600" dirty="0">
+                <a:cs typeface="Calibri" panose="020F0502020204030204" pitchFamily="34" charset="0"/>
+              </a:rPr>
+              <a:t>Cats</a:t>
+            </a:r>
+          </a:p>
+          <a:p>
+            <a:pPr marL="285750" indent="-285750">
+              <a:buFontTx/>
+              <a:buChar char="-"/>
+            </a:pPr>
+            <a:r>
+              <a:rPr lang="en-GB" sz="1600" dirty="0">
+                <a:latin typeface="Calibri" panose="020F0502020204030204" pitchFamily="34" charset="0"/>
+                <a:cs typeface="Calibri" panose="020F0502020204030204" pitchFamily="34" charset="0"/>
+              </a:rPr>
+              <a:t>479 </a:t>
+            </a:r>
+            <a:r>
+              <a:rPr lang="en-GB" sz="1600" dirty="0">
+                <a:cs typeface="Calibri" panose="020F0502020204030204" pitchFamily="34" charset="0"/>
+              </a:rPr>
+              <a:t>Horses</a:t>
+            </a:r>
+          </a:p>
+          <a:p>
+            <a:pPr marL="285750" indent="-285750">
+              <a:buFontTx/>
+              <a:buChar char="-"/>
+            </a:pPr>
+            <a:r>
+              <a:rPr lang="en-GB" sz="1600" dirty="0">
+                <a:latin typeface="Calibri" panose="020F0502020204030204" pitchFamily="34" charset="0"/>
+                <a:cs typeface="Calibri" panose="020F0502020204030204" pitchFamily="34" charset="0"/>
+              </a:rPr>
+              <a:t>3,309 </a:t>
+            </a:r>
+            <a:r>
+              <a:rPr lang="en-GB" sz="1600" dirty="0">
+                <a:cs typeface="Calibri" panose="020F0502020204030204" pitchFamily="34" charset="0"/>
+              </a:rPr>
+              <a:t>Livestock</a:t>
+            </a:r>
+          </a:p>
+          <a:p>
+            <a:pPr marL="285750" indent="-285750">
+              <a:buFontTx/>
+              <a:buChar char="-"/>
+            </a:pPr>
+            <a:r>
+              <a:rPr lang="en-GB" sz="1600" dirty="0">
+                <a:latin typeface="Calibri" panose="020F0502020204030204" pitchFamily="34" charset="0"/>
+                <a:cs typeface="Calibri" panose="020F0502020204030204" pitchFamily="34" charset="0"/>
+              </a:rPr>
+              <a:t>28,183 </a:t>
+            </a:r>
+            <a:r>
+              <a:rPr lang="en-GB" sz="1600" dirty="0">
+                <a:cs typeface="Calibri" panose="020F0502020204030204" pitchFamily="34" charset="0"/>
+              </a:rPr>
+              <a:t>Wildlife</a:t>
+            </a:r>
+          </a:p>
+          <a:p>
+            <a:pPr marL="285750" indent="-285750">
+              <a:buFontTx/>
+              <a:buChar char="-"/>
+            </a:pPr>
+            <a:r>
+              <a:rPr lang="en-GB" sz="1600" dirty="0">
+                <a:latin typeface="Calibri" panose="020F0502020204030204" pitchFamily="34" charset="0"/>
+                <a:cs typeface="Calibri" panose="020F0502020204030204" pitchFamily="34" charset="0"/>
+              </a:rPr>
+              <a:t>7,142 </a:t>
+            </a:r>
+            <a:r>
+              <a:rPr lang="en-GB" sz="1600" dirty="0">
+                <a:cs typeface="Calibri" panose="020F0502020204030204" pitchFamily="34" charset="0"/>
+              </a:rPr>
+              <a:t>Other</a:t>
+            </a:r>
+          </a:p>
+        </p:txBody>
+      </p:sp>
+      <p:sp>
+        <p:nvSpPr>
+          <p:cNvPr id="10" name="Title 1">
+            <a:extLst>
+              <a:ext uri="{FF2B5EF4-FFF2-40B4-BE49-F238E27FC236}">
+                <a16:creationId xmlns:a16="http://schemas.microsoft.com/office/drawing/2014/main" id="{D50DA6AE-C087-C8E8-58E6-22EE282B2DA6}"/>
+              </a:ext>
+            </a:extLst>
+          </p:cNvPr>
           <p:cNvSpPr>
             <a:spLocks noGrp="1"/>
           </p:cNvSpPr>
@@ -3469,7 +4696,219 @@
           <a:p>
             <a:r>
               <a:rPr lang="en-GB" dirty="0"/>
-              <a:t>RSPCA</a:t>
+              <a:t>Animals Cared For</a:t>
+            </a:r>
+          </a:p>
+        </p:txBody>
+      </p:sp>
+      <p:sp>
+        <p:nvSpPr>
+          <p:cNvPr id="11" name="TextBox 10">
+            <a:extLst>
+              <a:ext uri="{FF2B5EF4-FFF2-40B4-BE49-F238E27FC236}">
+                <a16:creationId xmlns:a16="http://schemas.microsoft.com/office/drawing/2014/main" id="{4505F16F-6BB3-B785-1F68-0D5EE9E9C230}"/>
+              </a:ext>
+            </a:extLst>
+          </p:cNvPr>
+          <p:cNvSpPr txBox="1"/>
+          <p:nvPr/>
+        </p:nvSpPr>
+        <p:spPr>
+          <a:xfrm>
+            <a:off x="613579" y="4017156"/>
+            <a:ext cx="1866775" cy="2308324"/>
+          </a:xfrm>
+          <a:prstGeom prst="rect">
+            <a:avLst/>
+          </a:prstGeom>
+          <a:noFill/>
+        </p:spPr>
+        <p:txBody>
+          <a:bodyPr wrap="square">
+            <a:spAutoFit/>
+          </a:bodyPr>
+          <a:lstStyle/>
+          <a:p>
+            <a:pPr algn="ctr"/>
+            <a:r>
+              <a:rPr lang="en-GB" sz="1600" b="1" dirty="0"/>
+              <a:t>Wildlife</a:t>
+            </a:r>
+          </a:p>
+          <a:p>
+            <a:pPr marL="285750" indent="-285750">
+              <a:buFontTx/>
+              <a:buChar char="-"/>
+            </a:pPr>
+            <a:r>
+              <a:rPr lang="en-GB" sz="1600" dirty="0"/>
+              <a:t>Native birds</a:t>
+            </a:r>
+          </a:p>
+          <a:p>
+            <a:pPr marL="285750" indent="-285750">
+              <a:buFontTx/>
+              <a:buChar char="-"/>
+            </a:pPr>
+            <a:r>
+              <a:rPr lang="en-GB" sz="1600" dirty="0"/>
+              <a:t>Lizards</a:t>
+            </a:r>
+          </a:p>
+          <a:p>
+            <a:pPr marL="285750" indent="-285750">
+              <a:buFontTx/>
+              <a:buChar char="-"/>
+            </a:pPr>
+            <a:r>
+              <a:rPr lang="en-GB" sz="1600" dirty="0"/>
+              <a:t>Possums</a:t>
+            </a:r>
+          </a:p>
+          <a:p>
+            <a:pPr marL="285750" indent="-285750">
+              <a:buFontTx/>
+              <a:buChar char="-"/>
+            </a:pPr>
+            <a:r>
+              <a:rPr lang="en-GB" sz="1600" dirty="0"/>
+              <a:t>Turtles</a:t>
+            </a:r>
+          </a:p>
+          <a:p>
+            <a:pPr marL="285750" indent="-285750">
+              <a:buFontTx/>
+              <a:buChar char="-"/>
+            </a:pPr>
+            <a:r>
+              <a:rPr lang="en-GB" sz="1600" dirty="0"/>
+              <a:t>Koalas</a:t>
+            </a:r>
+          </a:p>
+          <a:p>
+            <a:pPr marL="285750" indent="-285750">
+              <a:buFontTx/>
+              <a:buChar char="-"/>
+            </a:pPr>
+            <a:r>
+              <a:rPr lang="en-GB" sz="1600" dirty="0"/>
+              <a:t>Kangaroos &amp; Wallabies</a:t>
+            </a:r>
+          </a:p>
+          <a:p>
+            <a:pPr marL="285750" indent="-285750">
+              <a:buFontTx/>
+              <a:buChar char="-"/>
+            </a:pPr>
+            <a:r>
+              <a:rPr lang="en-GB" sz="1600" dirty="0"/>
+              <a:t>Etc.</a:t>
+            </a:r>
+          </a:p>
+        </p:txBody>
+      </p:sp>
+      <p:sp>
+        <p:nvSpPr>
+          <p:cNvPr id="12" name="TextBox 11">
+            <a:extLst>
+              <a:ext uri="{FF2B5EF4-FFF2-40B4-BE49-F238E27FC236}">
+                <a16:creationId xmlns:a16="http://schemas.microsoft.com/office/drawing/2014/main" id="{E8352B71-2E97-0F15-7BB8-D4F7EAD625E2}"/>
+              </a:ext>
+            </a:extLst>
+          </p:cNvPr>
+          <p:cNvSpPr txBox="1"/>
+          <p:nvPr/>
+        </p:nvSpPr>
+        <p:spPr>
+          <a:xfrm>
+            <a:off x="2680374" y="4017156"/>
+            <a:ext cx="1866775" cy="2062103"/>
+          </a:xfrm>
+          <a:prstGeom prst="rect">
+            <a:avLst/>
+          </a:prstGeom>
+          <a:noFill/>
+        </p:spPr>
+        <p:txBody>
+          <a:bodyPr wrap="square">
+            <a:spAutoFit/>
+          </a:bodyPr>
+          <a:lstStyle/>
+          <a:p>
+            <a:pPr algn="ctr"/>
+            <a:r>
+              <a:rPr lang="en-GB" sz="1600" b="1" dirty="0"/>
+              <a:t>Other</a:t>
+            </a:r>
+          </a:p>
+          <a:p>
+            <a:pPr marL="285750" indent="-285750">
+              <a:buFontTx/>
+              <a:buChar char="-"/>
+            </a:pPr>
+            <a:r>
+              <a:rPr lang="en-GB" sz="1600" dirty="0"/>
+              <a:t>Budgies</a:t>
+            </a:r>
+          </a:p>
+          <a:p>
+            <a:pPr marL="285750" indent="-285750">
+              <a:buFontTx/>
+              <a:buChar char="-"/>
+            </a:pPr>
+            <a:r>
+              <a:rPr lang="en-GB" sz="1600" dirty="0"/>
+              <a:t>Doves</a:t>
+            </a:r>
+          </a:p>
+          <a:p>
+            <a:pPr marL="285750" indent="-285750">
+              <a:buFontTx/>
+              <a:buChar char="-"/>
+            </a:pPr>
+            <a:r>
+              <a:rPr lang="en-GB" sz="1600" dirty="0"/>
+              <a:t>Ferrets</a:t>
+            </a:r>
+          </a:p>
+          <a:p>
+            <a:pPr marL="285750" indent="-285750">
+              <a:buFontTx/>
+              <a:buChar char="-"/>
+            </a:pPr>
+            <a:r>
+              <a:rPr lang="en-GB" sz="1600" dirty="0"/>
+              <a:t>Guinea Pigs</a:t>
+            </a:r>
+          </a:p>
+          <a:p>
+            <a:pPr marL="285750" indent="-285750">
+              <a:buFontTx/>
+              <a:buChar char="-"/>
+            </a:pPr>
+            <a:r>
+              <a:rPr lang="en-GB" sz="1600" dirty="0"/>
+              <a:t>Mice</a:t>
+            </a:r>
+          </a:p>
+          <a:p>
+            <a:pPr marL="285750" indent="-285750">
+              <a:buFontTx/>
+              <a:buChar char="-"/>
+            </a:pPr>
+            <a:r>
+              <a:rPr lang="en-GB" sz="1600" dirty="0"/>
+              <a:t>Rabbits</a:t>
+            </a:r>
+          </a:p>
+          <a:p>
+            <a:pPr marL="285750" indent="-285750">
+              <a:buFontTx/>
+              <a:buChar char="-"/>
+            </a:pPr>
+            <a:r>
+              <a:rPr lang="en-GB" sz="1600" dirty="0"/>
+              <a:t>Etc.</a:t>
             </a:r>
           </a:p>
         </p:txBody>
@@ -3487,7 +4926,7 @@
 </p:sld>
 </file>
 
-<file path=ppt/slides/slide3.xml><?xml version="1.0" encoding="utf-8"?>
+<file path=ppt/slides/slide4.xml><?xml version="1.0" encoding="utf-8"?>
 <p:sld xmlns:a="http://schemas.openxmlformats.org/drawingml/2006/main" xmlns:r="http://schemas.openxmlformats.org/officeDocument/2006/relationships" xmlns:p="http://schemas.openxmlformats.org/presentationml/2006/main">
   <p:cSld>
     <p:spTree>
@@ -3626,7 +5065,7 @@
 </p:sld>
 </file>
 
-<file path=ppt/slides/slide4.xml><?xml version="1.0" encoding="utf-8"?>
+<file path=ppt/slides/slide5.xml><?xml version="1.0" encoding="utf-8"?>
 <p:sld xmlns:a="http://schemas.openxmlformats.org/drawingml/2006/main" xmlns:r="http://schemas.openxmlformats.org/officeDocument/2006/relationships" xmlns:p="http://schemas.openxmlformats.org/presentationml/2006/main">
   <p:cSld>
     <p:spTree>
@@ -3643,12 +5082,40 @@
           <a:chExt cx="0" cy="0"/>
         </a:xfrm>
       </p:grpSpPr>
+      <p:sp>
+        <p:nvSpPr>
+          <p:cNvPr id="14" name="Title 1">
+            <a:extLst>
+              <a:ext uri="{FF2B5EF4-FFF2-40B4-BE49-F238E27FC236}">
+                <a16:creationId xmlns:a16="http://schemas.microsoft.com/office/drawing/2014/main" id="{071B12CE-FC25-7DD5-946C-5E8C2F515F35}"/>
+              </a:ext>
+            </a:extLst>
+          </p:cNvPr>
+          <p:cNvSpPr>
+            <a:spLocks noGrp="1"/>
+          </p:cNvSpPr>
+          <p:nvPr>
+            <p:ph type="title"/>
+          </p:nvPr>
+        </p:nvSpPr>
+        <p:spPr/>
+        <p:txBody>
+          <a:bodyPr/>
+          <a:lstStyle/>
+          <a:p>
+            <a:r>
+              <a:rPr lang="en-GB" dirty="0"/>
+              <a:t>Outcomes – Cats &amp; Dogs</a:t>
+            </a:r>
+          </a:p>
+        </p:txBody>
+      </p:sp>
       <p:pic>
         <p:nvPicPr>
-          <p:cNvPr id="11" name="Picture 10">
+          <p:cNvPr id="3" name="Picture 2">
             <a:extLst>
               <a:ext uri="{FF2B5EF4-FFF2-40B4-BE49-F238E27FC236}">
-                <a16:creationId xmlns:a16="http://schemas.microsoft.com/office/drawing/2014/main" id="{D846CBF9-BD2D-436C-2029-A8EF1A6BEDA4}"/>
+                <a16:creationId xmlns:a16="http://schemas.microsoft.com/office/drawing/2014/main" id="{D5D11221-4F1D-59F6-36F5-5E9B13FDCAA6}"/>
               </a:ext>
             </a:extLst>
           </p:cNvPr>
@@ -3671,8 +5138,8 @@
         </p:blipFill>
         <p:spPr>
           <a:xfrm>
-            <a:off x="76914" y="1982216"/>
-            <a:ext cx="6024260" cy="3717829"/>
+            <a:off x="472695" y="2143099"/>
+            <a:ext cx="5648472" cy="3485914"/>
           </a:xfrm>
           <a:prstGeom prst="rect">
             <a:avLst/>
@@ -3681,10 +5148,10 @@
       </p:pic>
       <p:pic>
         <p:nvPicPr>
-          <p:cNvPr id="13" name="Picture 12">
+          <p:cNvPr id="5" name="Picture 4">
             <a:extLst>
               <a:ext uri="{FF2B5EF4-FFF2-40B4-BE49-F238E27FC236}">
-                <a16:creationId xmlns:a16="http://schemas.microsoft.com/office/drawing/2014/main" id="{A0C9AF69-A0F9-F23E-55F0-4AB636B14AAB}"/>
+                <a16:creationId xmlns:a16="http://schemas.microsoft.com/office/drawing/2014/main" id="{65288AFA-CE70-2656-2EB8-C2BC3B92551B}"/>
               </a:ext>
             </a:extLst>
           </p:cNvPr>
@@ -3707,135 +5174,8 @@
         </p:blipFill>
         <p:spPr>
           <a:xfrm>
-            <a:off x="6010545" y="1982215"/>
-            <a:ext cx="6024260" cy="3717829"/>
-          </a:xfrm>
-          <a:prstGeom prst="rect">
-            <a:avLst/>
-          </a:prstGeom>
-        </p:spPr>
-      </p:pic>
-      <p:sp>
-        <p:nvSpPr>
-          <p:cNvPr id="14" name="Title 1">
-            <a:extLst>
-              <a:ext uri="{FF2B5EF4-FFF2-40B4-BE49-F238E27FC236}">
-                <a16:creationId xmlns:a16="http://schemas.microsoft.com/office/drawing/2014/main" id="{071B12CE-FC25-7DD5-946C-5E8C2F515F35}"/>
-              </a:ext>
-            </a:extLst>
-          </p:cNvPr>
-          <p:cNvSpPr>
-            <a:spLocks noGrp="1"/>
-          </p:cNvSpPr>
-          <p:nvPr>
-            <p:ph type="title"/>
-          </p:nvPr>
-        </p:nvSpPr>
-        <p:spPr>
-          <a:xfrm>
-            <a:off x="838200" y="365125"/>
-            <a:ext cx="10515600" cy="1325563"/>
-          </a:xfrm>
-        </p:spPr>
-        <p:txBody>
-          <a:bodyPr/>
-          <a:lstStyle/>
-          <a:p>
-            <a:r>
-              <a:rPr lang="en-GB" dirty="0"/>
-              <a:t>Outcomes – Cats &amp; Dogs</a:t>
-            </a:r>
-          </a:p>
-        </p:txBody>
-      </p:sp>
-    </p:spTree>
-    <p:extLst>
-      <p:ext uri="{BB962C8B-B14F-4D97-AF65-F5344CB8AC3E}">
-        <p14:creationId xmlns:p14="http://schemas.microsoft.com/office/powerpoint/2010/main" val="2344971949"/>
-      </p:ext>
-    </p:extLst>
-  </p:cSld>
-  <p:clrMapOvr>
-    <a:masterClrMapping/>
-  </p:clrMapOvr>
-</p:sld>
-</file>
-
-<file path=ppt/slides/slide5.xml><?xml version="1.0" encoding="utf-8"?>
-<p:sld xmlns:a="http://schemas.openxmlformats.org/drawingml/2006/main" xmlns:r="http://schemas.openxmlformats.org/officeDocument/2006/relationships" xmlns:p="http://schemas.openxmlformats.org/presentationml/2006/main">
-  <p:cSld>
-    <p:spTree>
-      <p:nvGrpSpPr>
-        <p:cNvPr id="1" name=""/>
-        <p:cNvGrpSpPr/>
-        <p:nvPr/>
-      </p:nvGrpSpPr>
-      <p:grpSpPr>
-        <a:xfrm>
-          <a:off x="0" y="0"/>
-          <a:ext cx="0" cy="0"/>
-          <a:chOff x="0" y="0"/>
-          <a:chExt cx="0" cy="0"/>
-        </a:xfrm>
-      </p:grpSpPr>
-      <p:sp>
-        <p:nvSpPr>
-          <p:cNvPr id="2" name="Title 1">
-            <a:extLst>
-              <a:ext uri="{FF2B5EF4-FFF2-40B4-BE49-F238E27FC236}">
-                <a16:creationId xmlns:a16="http://schemas.microsoft.com/office/drawing/2014/main" id="{F1F62BDF-4EFC-8F01-093E-6CBFD8683509}"/>
-              </a:ext>
-            </a:extLst>
-          </p:cNvPr>
-          <p:cNvSpPr>
-            <a:spLocks noGrp="1"/>
-          </p:cNvSpPr>
-          <p:nvPr>
-            <p:ph type="title"/>
-          </p:nvPr>
-        </p:nvSpPr>
-        <p:spPr/>
-        <p:txBody>
-          <a:bodyPr/>
-          <a:lstStyle/>
-          <a:p>
-            <a:r>
-              <a:rPr lang="en-GB" dirty="0"/>
-              <a:t>Outcomes – Wildlife</a:t>
-            </a:r>
-          </a:p>
-        </p:txBody>
-      </p:sp>
-      <p:pic>
-        <p:nvPicPr>
-          <p:cNvPr id="7" name="Picture 6">
-            <a:extLst>
-              <a:ext uri="{FF2B5EF4-FFF2-40B4-BE49-F238E27FC236}">
-                <a16:creationId xmlns:a16="http://schemas.microsoft.com/office/drawing/2014/main" id="{7BA017CA-D27E-AD6F-90EF-689E005FA2AE}"/>
-              </a:ext>
-            </a:extLst>
-          </p:cNvPr>
-          <p:cNvPicPr>
-            <a:picLocks noChangeAspect="1"/>
-          </p:cNvPicPr>
-          <p:nvPr/>
-        </p:nvPicPr>
-        <p:blipFill>
-          <a:blip r:embed="rId2">
-            <a:extLst>
-              <a:ext uri="{28A0092B-C50C-407E-A947-70E740481C1C}">
-                <a14:useLocalDpi xmlns:a14="http://schemas.microsoft.com/office/drawing/2010/main" val="0"/>
-              </a:ext>
-            </a:extLst>
-          </a:blip>
-          <a:stretch>
-            <a:fillRect/>
-          </a:stretch>
-        </p:blipFill>
-        <p:spPr>
-          <a:xfrm>
-            <a:off x="1941388" y="1690688"/>
-            <a:ext cx="7646993" cy="4719286"/>
+            <a:off x="5868660" y="2143099"/>
+            <a:ext cx="5648472" cy="3485914"/>
           </a:xfrm>
           <a:prstGeom prst="rect">
             <a:avLst/>
@@ -3845,7 +5185,7 @@
     </p:spTree>
     <p:extLst>
       <p:ext uri="{BB962C8B-B14F-4D97-AF65-F5344CB8AC3E}">
-        <p14:creationId xmlns:p14="http://schemas.microsoft.com/office/powerpoint/2010/main" val="805432802"/>
+        <p14:creationId xmlns:p14="http://schemas.microsoft.com/office/powerpoint/2010/main" val="2344971949"/>
       </p:ext>
     </p:extLst>
   </p:cSld>
@@ -3877,7 +5217,7 @@
           <p:cNvPr id="2" name="Title 1">
             <a:extLst>
               <a:ext uri="{FF2B5EF4-FFF2-40B4-BE49-F238E27FC236}">
-                <a16:creationId xmlns:a16="http://schemas.microsoft.com/office/drawing/2014/main" id="{0E654D38-F373-9811-3331-DB69CFFB3D1C}"/>
+                <a16:creationId xmlns:a16="http://schemas.microsoft.com/office/drawing/2014/main" id="{F1F62BDF-4EFC-8F01-093E-6CBFD8683509}"/>
               </a:ext>
             </a:extLst>
           </p:cNvPr>
@@ -3894,19 +5234,18 @@
           <a:lstStyle/>
           <a:p>
             <a:r>
-              <a:rPr lang="en-GB" dirty="0" err="1"/>
-              <a:t>Euthanisation</a:t>
-            </a:r>
-            <a:endParaRPr lang="en-GB" dirty="0"/>
+              <a:rPr lang="en-GB" dirty="0"/>
+              <a:t>Outcomes – Wildlife</a:t>
+            </a:r>
           </a:p>
         </p:txBody>
       </p:sp>
       <p:pic>
         <p:nvPicPr>
-          <p:cNvPr id="5" name="Picture 4">
+          <p:cNvPr id="4" name="Picture 3">
             <a:extLst>
               <a:ext uri="{FF2B5EF4-FFF2-40B4-BE49-F238E27FC236}">
-                <a16:creationId xmlns:a16="http://schemas.microsoft.com/office/drawing/2014/main" id="{3A055411-3CD7-8B12-230C-0A29B2A1CECE}"/>
+                <a16:creationId xmlns:a16="http://schemas.microsoft.com/office/drawing/2014/main" id="{20DAA8B6-4A0B-68C1-AF63-EA92A88E0C02}"/>
               </a:ext>
             </a:extLst>
           </p:cNvPr>
@@ -3929,7 +5268,7 @@
         </p:blipFill>
         <p:spPr>
           <a:xfrm>
-            <a:off x="2308779" y="2008876"/>
+            <a:off x="3449681" y="2067599"/>
             <a:ext cx="6668431" cy="4115374"/>
           </a:xfrm>
           <a:prstGeom prst="rect">
@@ -3940,7 +5279,7 @@
     </p:spTree>
     <p:extLst>
       <p:ext uri="{BB962C8B-B14F-4D97-AF65-F5344CB8AC3E}">
-        <p14:creationId xmlns:p14="http://schemas.microsoft.com/office/powerpoint/2010/main" val="1225048521"/>
+        <p14:creationId xmlns:p14="http://schemas.microsoft.com/office/powerpoint/2010/main" val="805432802"/>
       </p:ext>
     </p:extLst>
   </p:cSld>
@@ -3972,7 +5311,7 @@
           <p:cNvPr id="2" name="Title 1">
             <a:extLst>
               <a:ext uri="{FF2B5EF4-FFF2-40B4-BE49-F238E27FC236}">
-                <a16:creationId xmlns:a16="http://schemas.microsoft.com/office/drawing/2014/main" id="{22FD8D02-9F7B-C0E1-30A4-ECF9C1E9F4A6}"/>
+                <a16:creationId xmlns:a16="http://schemas.microsoft.com/office/drawing/2014/main" id="{5E2F3C9F-EFB4-E8DB-17DA-B456FF5DA367}"/>
               </a:ext>
             </a:extLst>
           </p:cNvPr>
@@ -3989,6 +5328,281 @@
           <a:lstStyle/>
           <a:p>
             <a:r>
+              <a:rPr lang="en-GB" dirty="0"/>
+              <a:t>Live Release Rates</a:t>
+            </a:r>
+          </a:p>
+        </p:txBody>
+      </p:sp>
+      <p:pic>
+        <p:nvPicPr>
+          <p:cNvPr id="5" name="Content Placeholder 4">
+            <a:extLst>
+              <a:ext uri="{FF2B5EF4-FFF2-40B4-BE49-F238E27FC236}">
+                <a16:creationId xmlns:a16="http://schemas.microsoft.com/office/drawing/2014/main" id="{8EA4E12A-8DEB-3A20-F05E-964044159BD0}"/>
+              </a:ext>
+            </a:extLst>
+          </p:cNvPr>
+          <p:cNvPicPr>
+            <a:picLocks noGrp="1" noChangeAspect="1"/>
+          </p:cNvPicPr>
+          <p:nvPr>
+            <p:ph idx="1"/>
+          </p:nvPr>
+        </p:nvPicPr>
+        <p:blipFill>
+          <a:blip r:embed="rId2">
+            <a:extLst>
+              <a:ext uri="{28A0092B-C50C-407E-A947-70E740481C1C}">
+                <a14:useLocalDpi xmlns:a14="http://schemas.microsoft.com/office/drawing/2010/main" val="0"/>
+              </a:ext>
+            </a:extLst>
+          </a:blip>
+          <a:stretch>
+            <a:fillRect/>
+          </a:stretch>
+        </p:blipFill>
+        <p:spPr>
+          <a:xfrm>
+            <a:off x="4250224" y="2075407"/>
+            <a:ext cx="7242694" cy="4469777"/>
+          </a:xfrm>
+        </p:spPr>
+      </p:pic>
+      <p:sp>
+        <p:nvSpPr>
+          <p:cNvPr id="6" name="TextBox 5">
+            <a:extLst>
+              <a:ext uri="{FF2B5EF4-FFF2-40B4-BE49-F238E27FC236}">
+                <a16:creationId xmlns:a16="http://schemas.microsoft.com/office/drawing/2014/main" id="{DAC6AD76-4BAF-E03D-FE5A-CB46388CE479}"/>
+              </a:ext>
+            </a:extLst>
+          </p:cNvPr>
+          <p:cNvSpPr txBox="1"/>
+          <p:nvPr/>
+        </p:nvSpPr>
+        <p:spPr>
+          <a:xfrm>
+            <a:off x="450210" y="4293079"/>
+            <a:ext cx="3635230" cy="2062103"/>
+          </a:xfrm>
+          <a:prstGeom prst="rect">
+            <a:avLst/>
+          </a:prstGeom>
+          <a:noFill/>
+        </p:spPr>
+        <p:txBody>
+          <a:bodyPr wrap="square" rtlCol="0">
+            <a:spAutoFit/>
+          </a:bodyPr>
+          <a:lstStyle/>
+          <a:p>
+            <a:r>
+              <a:rPr lang="en-GB" sz="1600" dirty="0">
+                <a:ea typeface="Inter" panose="02000503000000020004" pitchFamily="2" charset="0"/>
+              </a:rPr>
+              <a:t>The LRR is the percentage of animals who were rehomed, reclaimed by their owner or transferred to a rescue group or other non-RSPCA facility as a percentage of the total number of animals received </a:t>
+            </a:r>
+          </a:p>
+          <a:p>
+            <a:r>
+              <a:rPr lang="en-GB" sz="1600" dirty="0">
+                <a:ea typeface="Inter" panose="02000503000000020004" pitchFamily="2" charset="0"/>
+              </a:rPr>
+              <a:t>(not including those currently in care or categorised as “other”)</a:t>
+            </a:r>
+          </a:p>
+        </p:txBody>
+      </p:sp>
+      <p:sp>
+        <p:nvSpPr>
+          <p:cNvPr id="7" name="TextBox 6">
+            <a:extLst>
+              <a:ext uri="{FF2B5EF4-FFF2-40B4-BE49-F238E27FC236}">
+                <a16:creationId xmlns:a16="http://schemas.microsoft.com/office/drawing/2014/main" id="{3280EF5B-1173-AFA3-0395-1AB56F3AFBF2}"/>
+              </a:ext>
+            </a:extLst>
+          </p:cNvPr>
+          <p:cNvSpPr txBox="1"/>
+          <p:nvPr/>
+        </p:nvSpPr>
+        <p:spPr>
+          <a:xfrm>
+            <a:off x="450210" y="2075407"/>
+            <a:ext cx="3074225" cy="2031325"/>
+          </a:xfrm>
+          <a:prstGeom prst="rect">
+            <a:avLst/>
+          </a:prstGeom>
+          <a:noFill/>
+        </p:spPr>
+        <p:txBody>
+          <a:bodyPr wrap="square" rtlCol="0">
+            <a:spAutoFit/>
+          </a:bodyPr>
+          <a:lstStyle/>
+          <a:p>
+            <a:r>
+              <a:rPr lang="en-GB" dirty="0"/>
+              <a:t>Total animals received in 2018:</a:t>
+            </a:r>
+          </a:p>
+          <a:p>
+            <a:pPr marL="285750" indent="-285750">
+              <a:buFontTx/>
+              <a:buChar char="-"/>
+            </a:pPr>
+            <a:r>
+              <a:rPr lang="en-GB" dirty="0">
+                <a:latin typeface="Calibri" panose="020F0502020204030204" pitchFamily="34" charset="0"/>
+                <a:cs typeface="Calibri" panose="020F0502020204030204" pitchFamily="34" charset="0"/>
+              </a:rPr>
+              <a:t>33,863</a:t>
+            </a:r>
+            <a:r>
+              <a:rPr lang="en-GB" dirty="0"/>
+              <a:t> Dogs</a:t>
+            </a:r>
+          </a:p>
+          <a:p>
+            <a:pPr marL="285750" indent="-285750">
+              <a:buFontTx/>
+              <a:buChar char="-"/>
+            </a:pPr>
+            <a:r>
+              <a:rPr lang="en-GB" dirty="0">
+                <a:latin typeface="Calibri" panose="020F0502020204030204" pitchFamily="34" charset="0"/>
+                <a:cs typeface="Calibri" panose="020F0502020204030204" pitchFamily="34" charset="0"/>
+              </a:rPr>
+              <a:t>51,170</a:t>
+            </a:r>
+            <a:r>
+              <a:rPr lang="en-GB" dirty="0"/>
+              <a:t> Cats</a:t>
+            </a:r>
+          </a:p>
+          <a:p>
+            <a:pPr marL="285750" indent="-285750">
+              <a:buFontTx/>
+              <a:buChar char="-"/>
+            </a:pPr>
+            <a:r>
+              <a:rPr lang="en-GB" dirty="0">
+                <a:latin typeface="Calibri" panose="020F0502020204030204" pitchFamily="34" charset="0"/>
+                <a:cs typeface="Calibri" panose="020F0502020204030204" pitchFamily="34" charset="0"/>
+              </a:rPr>
+              <a:t>479</a:t>
+            </a:r>
+            <a:r>
+              <a:rPr lang="en-GB" dirty="0"/>
+              <a:t> Horses</a:t>
+            </a:r>
+          </a:p>
+          <a:p>
+            <a:pPr marL="285750" indent="-285750">
+              <a:buFontTx/>
+              <a:buChar char="-"/>
+            </a:pPr>
+            <a:r>
+              <a:rPr lang="en-GB" dirty="0">
+                <a:latin typeface="Calibri" panose="020F0502020204030204" pitchFamily="34" charset="0"/>
+                <a:cs typeface="Calibri" panose="020F0502020204030204" pitchFamily="34" charset="0"/>
+              </a:rPr>
+              <a:t>3,309</a:t>
+            </a:r>
+            <a:r>
+              <a:rPr lang="en-GB" dirty="0"/>
+              <a:t> Livestock</a:t>
+            </a:r>
+          </a:p>
+          <a:p>
+            <a:pPr marL="285750" indent="-285750">
+              <a:buFontTx/>
+              <a:buChar char="-"/>
+            </a:pPr>
+            <a:r>
+              <a:rPr lang="en-GB" dirty="0">
+                <a:latin typeface="Calibri" panose="020F0502020204030204" pitchFamily="34" charset="0"/>
+                <a:cs typeface="Calibri" panose="020F0502020204030204" pitchFamily="34" charset="0"/>
+              </a:rPr>
+              <a:t>28,183</a:t>
+            </a:r>
+            <a:r>
+              <a:rPr lang="en-GB" dirty="0"/>
+              <a:t> Wildlife</a:t>
+            </a:r>
+          </a:p>
+          <a:p>
+            <a:pPr marL="285750" indent="-285750">
+              <a:buFontTx/>
+              <a:buChar char="-"/>
+            </a:pPr>
+            <a:r>
+              <a:rPr lang="en-GB" dirty="0">
+                <a:latin typeface="Calibri" panose="020F0502020204030204" pitchFamily="34" charset="0"/>
+                <a:cs typeface="Calibri" panose="020F0502020204030204" pitchFamily="34" charset="0"/>
+              </a:rPr>
+              <a:t>7,142</a:t>
+            </a:r>
+            <a:r>
+              <a:rPr lang="en-GB" dirty="0"/>
+              <a:t> Other</a:t>
+            </a:r>
+          </a:p>
+        </p:txBody>
+      </p:sp>
+    </p:spTree>
+    <p:extLst>
+      <p:ext uri="{BB962C8B-B14F-4D97-AF65-F5344CB8AC3E}">
+        <p14:creationId xmlns:p14="http://schemas.microsoft.com/office/powerpoint/2010/main" val="1083043648"/>
+      </p:ext>
+    </p:extLst>
+  </p:cSld>
+  <p:clrMapOvr>
+    <a:masterClrMapping/>
+  </p:clrMapOvr>
+</p:sld>
+</file>
+
+<file path=ppt/slides/slide8.xml><?xml version="1.0" encoding="utf-8"?>
+<p:sld xmlns:a="http://schemas.openxmlformats.org/drawingml/2006/main" xmlns:r="http://schemas.openxmlformats.org/officeDocument/2006/relationships" xmlns:p="http://schemas.openxmlformats.org/presentationml/2006/main">
+  <p:cSld>
+    <p:spTree>
+      <p:nvGrpSpPr>
+        <p:cNvPr id="1" name=""/>
+        <p:cNvGrpSpPr/>
+        <p:nvPr/>
+      </p:nvGrpSpPr>
+      <p:grpSpPr>
+        <a:xfrm>
+          <a:off x="0" y="0"/>
+          <a:ext cx="0" cy="0"/>
+          <a:chOff x="0" y="0"/>
+          <a:chExt cx="0" cy="0"/>
+        </a:xfrm>
+      </p:grpSpPr>
+      <p:sp>
+        <p:nvSpPr>
+          <p:cNvPr id="2" name="Title 1">
+            <a:extLst>
+              <a:ext uri="{FF2B5EF4-FFF2-40B4-BE49-F238E27FC236}">
+                <a16:creationId xmlns:a16="http://schemas.microsoft.com/office/drawing/2014/main" id="{0E654D38-F373-9811-3331-DB69CFFB3D1C}"/>
+              </a:ext>
+            </a:extLst>
+          </p:cNvPr>
+          <p:cNvSpPr>
+            <a:spLocks noGrp="1"/>
+          </p:cNvSpPr>
+          <p:nvPr>
+            <p:ph type="title"/>
+          </p:nvPr>
+        </p:nvSpPr>
+        <p:spPr/>
+        <p:txBody>
+          <a:bodyPr/>
+          <a:lstStyle/>
+          <a:p>
+            <a:r>
               <a:rPr lang="en-GB" dirty="0" err="1"/>
               <a:t>Euthanisation</a:t>
             </a:r>
@@ -3998,10 +5612,10 @@
       </p:sp>
       <p:pic>
         <p:nvPicPr>
-          <p:cNvPr id="5" name="Picture 4">
+          <p:cNvPr id="4" name="Picture 3">
             <a:extLst>
               <a:ext uri="{FF2B5EF4-FFF2-40B4-BE49-F238E27FC236}">
-                <a16:creationId xmlns:a16="http://schemas.microsoft.com/office/drawing/2014/main" id="{AF3A700D-DFC8-EBB6-6E70-80730B530C89}"/>
+                <a16:creationId xmlns:a16="http://schemas.microsoft.com/office/drawing/2014/main" id="{09D263E2-076D-6AB2-7EE1-5AFE39557BF0}"/>
               </a:ext>
             </a:extLst>
           </p:cNvPr>
@@ -4024,8 +5638,44 @@
         </p:blipFill>
         <p:spPr>
           <a:xfrm>
-            <a:off x="3902687" y="2109545"/>
-            <a:ext cx="6668431" cy="4115374"/>
+            <a:off x="6096000" y="2050742"/>
+            <a:ext cx="5759131" cy="3554206"/>
+          </a:xfrm>
+          <a:prstGeom prst="rect">
+            <a:avLst/>
+          </a:prstGeom>
+        </p:spPr>
+      </p:pic>
+      <p:pic>
+        <p:nvPicPr>
+          <p:cNvPr id="7" name="Picture 6">
+            <a:extLst>
+              <a:ext uri="{FF2B5EF4-FFF2-40B4-BE49-F238E27FC236}">
+                <a16:creationId xmlns:a16="http://schemas.microsoft.com/office/drawing/2014/main" id="{D5C5BB37-F1AA-FAF5-E750-73AFA2567566}"/>
+              </a:ext>
+            </a:extLst>
+          </p:cNvPr>
+          <p:cNvPicPr>
+            <a:picLocks noChangeAspect="1"/>
+          </p:cNvPicPr>
+          <p:nvPr/>
+        </p:nvPicPr>
+        <p:blipFill>
+          <a:blip r:embed="rId3">
+            <a:extLst>
+              <a:ext uri="{28A0092B-C50C-407E-A947-70E740481C1C}">
+                <a14:useLocalDpi xmlns:a14="http://schemas.microsoft.com/office/drawing/2010/main" val="0"/>
+              </a:ext>
+            </a:extLst>
+          </a:blip>
+          <a:stretch>
+            <a:fillRect/>
+          </a:stretch>
+        </p:blipFill>
+        <p:spPr>
+          <a:xfrm>
+            <a:off x="336869" y="2050742"/>
+            <a:ext cx="5759131" cy="3554206"/>
           </a:xfrm>
           <a:prstGeom prst="rect">
             <a:avLst/>
@@ -4035,7 +5685,101 @@
     </p:spTree>
     <p:extLst>
       <p:ext uri="{BB962C8B-B14F-4D97-AF65-F5344CB8AC3E}">
-        <p14:creationId xmlns:p14="http://schemas.microsoft.com/office/powerpoint/2010/main" val="1766337546"/>
+        <p14:creationId xmlns:p14="http://schemas.microsoft.com/office/powerpoint/2010/main" val="1225048521"/>
+      </p:ext>
+    </p:extLst>
+  </p:cSld>
+  <p:clrMapOvr>
+    <a:masterClrMapping/>
+  </p:clrMapOvr>
+</p:sld>
+</file>
+
+<file path=ppt/slides/slide9.xml><?xml version="1.0" encoding="utf-8"?>
+<p:sld xmlns:a="http://schemas.openxmlformats.org/drawingml/2006/main" xmlns:r="http://schemas.openxmlformats.org/officeDocument/2006/relationships" xmlns:p="http://schemas.openxmlformats.org/presentationml/2006/main">
+  <p:cSld>
+    <p:spTree>
+      <p:nvGrpSpPr>
+        <p:cNvPr id="1" name=""/>
+        <p:cNvGrpSpPr/>
+        <p:nvPr/>
+      </p:nvGrpSpPr>
+      <p:grpSpPr>
+        <a:xfrm>
+          <a:off x="0" y="0"/>
+          <a:ext cx="0" cy="0"/>
+          <a:chOff x="0" y="0"/>
+          <a:chExt cx="0" cy="0"/>
+        </a:xfrm>
+      </p:grpSpPr>
+      <p:sp>
+        <p:nvSpPr>
+          <p:cNvPr id="2" name="Title 1">
+            <a:extLst>
+              <a:ext uri="{FF2B5EF4-FFF2-40B4-BE49-F238E27FC236}">
+                <a16:creationId xmlns:a16="http://schemas.microsoft.com/office/drawing/2014/main" id="{107452CB-514B-F827-7F0F-6C316B3AD236}"/>
+              </a:ext>
+            </a:extLst>
+          </p:cNvPr>
+          <p:cNvSpPr>
+            <a:spLocks noGrp="1"/>
+          </p:cNvSpPr>
+          <p:nvPr>
+            <p:ph type="title"/>
+          </p:nvPr>
+        </p:nvSpPr>
+        <p:spPr/>
+        <p:txBody>
+          <a:bodyPr/>
+          <a:lstStyle/>
+          <a:p>
+            <a:r>
+              <a:rPr lang="en-GB" dirty="0" err="1"/>
+              <a:t>Euthanisation</a:t>
+            </a:r>
+            <a:endParaRPr lang="en-GB" dirty="0"/>
+          </a:p>
+        </p:txBody>
+      </p:sp>
+      <p:pic>
+        <p:nvPicPr>
+          <p:cNvPr id="17" name="Content Placeholder 16">
+            <a:extLst>
+              <a:ext uri="{FF2B5EF4-FFF2-40B4-BE49-F238E27FC236}">
+                <a16:creationId xmlns:a16="http://schemas.microsoft.com/office/drawing/2014/main" id="{5A61B660-15FC-F015-DCA7-3929E336CE51}"/>
+              </a:ext>
+            </a:extLst>
+          </p:cNvPr>
+          <p:cNvPicPr>
+            <a:picLocks noGrp="1" noChangeAspect="1"/>
+          </p:cNvPicPr>
+          <p:nvPr>
+            <p:ph idx="1"/>
+          </p:nvPr>
+        </p:nvPicPr>
+        <p:blipFill>
+          <a:blip r:embed="rId3">
+            <a:extLst>
+              <a:ext uri="{28A0092B-C50C-407E-A947-70E740481C1C}">
+                <a14:useLocalDpi xmlns:a14="http://schemas.microsoft.com/office/drawing/2010/main" val="0"/>
+              </a:ext>
+            </a:extLst>
+          </a:blip>
+          <a:stretch>
+            <a:fillRect/>
+          </a:stretch>
+        </p:blipFill>
+        <p:spPr>
+          <a:xfrm>
+            <a:off x="4144146" y="1965960"/>
+            <a:ext cx="6904854" cy="4261281"/>
+          </a:xfrm>
+        </p:spPr>
+      </p:pic>
+    </p:spTree>
+    <p:extLst>
+      <p:ext uri="{BB962C8B-B14F-4D97-AF65-F5344CB8AC3E}">
+        <p14:creationId xmlns:p14="http://schemas.microsoft.com/office/powerpoint/2010/main" val="3216406623"/>
       </p:ext>
     </p:extLst>
   </p:cSld>
@@ -4046,6 +5790,243 @@
 </file>
 
 <file path=ppt/theme/theme1.xml><?xml version="1.0" encoding="utf-8"?>
+<a:theme xmlns:a="http://schemas.openxmlformats.org/drawingml/2006/main" name="Basis">
+  <a:themeElements>
+    <a:clrScheme name="Blue Green">
+      <a:dk1>
+        <a:sysClr val="windowText" lastClr="000000"/>
+      </a:dk1>
+      <a:lt1>
+        <a:sysClr val="window" lastClr="FFFFFF"/>
+      </a:lt1>
+      <a:dk2>
+        <a:srgbClr val="373545"/>
+      </a:dk2>
+      <a:lt2>
+        <a:srgbClr val="CEDBE6"/>
+      </a:lt2>
+      <a:accent1>
+        <a:srgbClr val="3494BA"/>
+      </a:accent1>
+      <a:accent2>
+        <a:srgbClr val="58B6C0"/>
+      </a:accent2>
+      <a:accent3>
+        <a:srgbClr val="75BDA7"/>
+      </a:accent3>
+      <a:accent4>
+        <a:srgbClr val="7A8C8E"/>
+      </a:accent4>
+      <a:accent5>
+        <a:srgbClr val="84ACB6"/>
+      </a:accent5>
+      <a:accent6>
+        <a:srgbClr val="2683C6"/>
+      </a:accent6>
+      <a:hlink>
+        <a:srgbClr val="6B9F25"/>
+      </a:hlink>
+      <a:folHlink>
+        <a:srgbClr val="9F6715"/>
+      </a:folHlink>
+    </a:clrScheme>
+    <a:fontScheme name="Basis">
+      <a:majorFont>
+        <a:latin typeface="Corbel" panose="020B0503020204020204"/>
+        <a:ea typeface=""/>
+        <a:cs typeface=""/>
+        <a:font script="Jpan" typeface="ＭＳ ゴシック"/>
+        <a:font script="Hang" typeface="맑은 고딕"/>
+        <a:font script="Hans" typeface="宋体"/>
+        <a:font script="Hant" typeface="新細明體"/>
+        <a:font script="Arab" typeface="Tahoma"/>
+        <a:font script="Hebr" typeface="Gisha"/>
+        <a:font script="Thai" typeface="DilleniaUPC"/>
+        <a:font script="Ethi" typeface="Nyala"/>
+        <a:font script="Beng" typeface="Vrinda"/>
+        <a:font script="Gujr" typeface="Shruti"/>
+        <a:font script="Khmr" typeface="DaunPenh"/>
+        <a:font script="Knda" typeface="Tunga"/>
+        <a:font script="Guru" typeface="Raavi"/>
+        <a:font script="Cans" typeface="Euphemia"/>
+        <a:font script="Cher" typeface="Plantagenet Cherokee"/>
+        <a:font script="Yiii" typeface="Microsoft Yi Baiti"/>
+        <a:font script="Tibt" typeface="Microsoft Himalaya"/>
+        <a:font script="Thaa" typeface="MV Boli"/>
+        <a:font script="Deva" typeface="Mangal"/>
+        <a:font script="Telu" typeface="Gautami"/>
+        <a:font script="Taml" typeface="Latha"/>
+        <a:font script="Syrc" typeface="Estrangelo Edessa"/>
+        <a:font script="Orya" typeface="Kalinga"/>
+        <a:font script="Mlym" typeface="Kartika"/>
+        <a:font script="Laoo" typeface="DokChampa"/>
+        <a:font script="Sinh" typeface="Iskoola Pota"/>
+        <a:font script="Mong" typeface="Mongolian Baiti"/>
+        <a:font script="Viet" typeface="Tahoma"/>
+        <a:font script="Uigh" typeface="Microsoft Uighur"/>
+        <a:font script="Geor" typeface="Sylfaen"/>
+      </a:majorFont>
+      <a:minorFont>
+        <a:latin typeface="Corbel" panose="020B0503020204020204"/>
+        <a:ea typeface=""/>
+        <a:cs typeface=""/>
+        <a:font script="Jpan" typeface="ＭＳ ゴシック"/>
+        <a:font script="Hang" typeface="맑은 고딕"/>
+        <a:font script="Hans" typeface="宋体"/>
+        <a:font script="Hant" typeface="新細明體"/>
+        <a:font script="Arab" typeface="Tahoma"/>
+        <a:font script="Hebr" typeface="Gisha"/>
+        <a:font script="Thai" typeface="DilleniaUPC"/>
+        <a:font script="Ethi" typeface="Nyala"/>
+        <a:font script="Beng" typeface="Vrinda"/>
+        <a:font script="Gujr" typeface="Shruti"/>
+        <a:font script="Khmr" typeface="DaunPenh"/>
+        <a:font script="Knda" typeface="Tunga"/>
+        <a:font script="Guru" typeface="Raavi"/>
+        <a:font script="Cans" typeface="Euphemia"/>
+        <a:font script="Cher" typeface="Plantagenet Cherokee"/>
+        <a:font script="Yiii" typeface="Microsoft Yi Baiti"/>
+        <a:font script="Tibt" typeface="Microsoft Himalaya"/>
+        <a:font script="Thaa" typeface="MV Boli"/>
+        <a:font script="Deva" typeface="Mangal"/>
+        <a:font script="Telu" typeface="Gautami"/>
+        <a:font script="Taml" typeface="Latha"/>
+        <a:font script="Syrc" typeface="Estrangelo Edessa"/>
+        <a:font script="Orya" typeface="Kalinga"/>
+        <a:font script="Mlym" typeface="Kartika"/>
+        <a:font script="Laoo" typeface="DokChampa"/>
+        <a:font script="Sinh" typeface="Iskoola Pota"/>
+        <a:font script="Mong" typeface="Mongolian Baiti"/>
+        <a:font script="Viet" typeface="Verdana"/>
+        <a:font script="Uigh" typeface="Microsoft Uighur"/>
+        <a:font script="Geor" typeface="Sylfaen"/>
+      </a:minorFont>
+    </a:fontScheme>
+    <a:fmtScheme name="Basis">
+      <a:fillStyleLst>
+        <a:solidFill>
+          <a:schemeClr val="phClr"/>
+        </a:solidFill>
+        <a:solidFill>
+          <a:schemeClr val="phClr">
+            <a:tint val="55000"/>
+            <a:satMod val="130000"/>
+          </a:schemeClr>
+        </a:solidFill>
+        <a:gradFill rotWithShape="1">
+          <a:gsLst>
+            <a:gs pos="0">
+              <a:schemeClr val="phClr"/>
+            </a:gs>
+            <a:gs pos="90000">
+              <a:schemeClr val="phClr">
+                <a:shade val="100000"/>
+                <a:satMod val="105000"/>
+              </a:schemeClr>
+            </a:gs>
+            <a:gs pos="100000">
+              <a:schemeClr val="phClr">
+                <a:shade val="80000"/>
+                <a:satMod val="120000"/>
+              </a:schemeClr>
+            </a:gs>
+          </a:gsLst>
+          <a:path path="circle">
+            <a:fillToRect l="100000" t="100000" r="100000" b="100000"/>
+          </a:path>
+        </a:gradFill>
+      </a:fillStyleLst>
+      <a:lnStyleLst>
+        <a:ln w="10000" cap="flat" cmpd="sng" algn="ctr">
+          <a:solidFill>
+            <a:schemeClr val="phClr"/>
+          </a:solidFill>
+          <a:prstDash val="solid"/>
+        </a:ln>
+        <a:ln w="19050" cap="flat" cmpd="sng" algn="ctr">
+          <a:solidFill>
+            <a:schemeClr val="phClr"/>
+          </a:solidFill>
+          <a:prstDash val="solid"/>
+        </a:ln>
+        <a:ln w="53975" cap="flat" cmpd="dbl" algn="ctr">
+          <a:solidFill>
+            <a:schemeClr val="phClr"/>
+          </a:solidFill>
+          <a:prstDash val="solid"/>
+        </a:ln>
+      </a:lnStyleLst>
+      <a:effectStyleLst>
+        <a:effectStyle>
+          <a:effectLst/>
+        </a:effectStyle>
+        <a:effectStyle>
+          <a:effectLst>
+            <a:outerShdw blurRad="38100" dist="25400" dir="5400000" rotWithShape="0">
+              <a:srgbClr val="000000">
+                <a:alpha val="45000"/>
+              </a:srgbClr>
+            </a:outerShdw>
+          </a:effectLst>
+        </a:effectStyle>
+        <a:effectStyle>
+          <a:effectLst>
+            <a:outerShdw blurRad="38100" dist="25400" dir="5400000" rotWithShape="0">
+              <a:srgbClr val="000000">
+                <a:alpha val="45000"/>
+              </a:srgbClr>
+            </a:outerShdw>
+          </a:effectLst>
+          <a:scene3d>
+            <a:camera prst="orthographicFront">
+              <a:rot lat="0" lon="0" rev="0"/>
+            </a:camera>
+            <a:lightRig rig="brightRoom" dir="t"/>
+          </a:scene3d>
+          <a:sp3d extrusionH="12700" contourW="25400" prstMaterial="flat">
+            <a:bevelT w="63500" h="152400" prst="angle"/>
+            <a:contourClr>
+              <a:schemeClr val="phClr">
+                <a:shade val="27000"/>
+                <a:satMod val="120000"/>
+              </a:schemeClr>
+            </a:contourClr>
+          </a:sp3d>
+        </a:effectStyle>
+      </a:effectStyleLst>
+      <a:bgFillStyleLst>
+        <a:solidFill>
+          <a:schemeClr val="phClr"/>
+        </a:solidFill>
+        <a:solidFill>
+          <a:schemeClr val="phClr">
+            <a:tint val="95000"/>
+            <a:shade val="95000"/>
+            <a:satMod val="140000"/>
+          </a:schemeClr>
+        </a:solidFill>
+        <a:solidFill>
+          <a:schemeClr val="phClr">
+            <a:tint val="90000"/>
+            <a:shade val="85000"/>
+            <a:satMod val="160000"/>
+            <a:lumMod val="110000"/>
+          </a:schemeClr>
+        </a:solidFill>
+      </a:bgFillStyleLst>
+    </a:fmtScheme>
+  </a:themeElements>
+  <a:objectDefaults/>
+  <a:extraClrSchemeLst/>
+  <a:extLst>
+    <a:ext uri="{05A4C25C-085E-4340-85A3-A5531E510DB2}">
+      <thm15:themeFamily xmlns:thm15="http://schemas.microsoft.com/office/thememl/2012/main" name="Basis" id="{5665723A-49BA-4B57-8411-A56F8F207965}" vid="{90E45F77-AEFC-46EF-A7C1-5B338C297B02}"/>
+    </a:ext>
+  </a:extLst>
+</a:theme>
+</file>
+
+<file path=ppt/theme/theme2.xml><?xml version="1.0" encoding="utf-8"?>
 <a:theme xmlns:a="http://schemas.openxmlformats.org/drawingml/2006/main" name="Office Theme">
   <a:themeElements>
     <a:clrScheme name="Office">

--- a/presentation.pptx
+++ b/presentation.pptx
@@ -5,20 +5,25 @@
     <p:sldMasterId id="2147483660" r:id="rId1"/>
   </p:sldMasterIdLst>
   <p:notesMasterIdLst>
-    <p:notesMasterId r:id="rId13"/>
+    <p:notesMasterId r:id="rId18"/>
   </p:notesMasterIdLst>
   <p:sldIdLst>
     <p:sldId id="256" r:id="rId2"/>
     <p:sldId id="266" r:id="rId3"/>
-    <p:sldId id="257" r:id="rId4"/>
-    <p:sldId id="258" r:id="rId5"/>
-    <p:sldId id="259" r:id="rId6"/>
-    <p:sldId id="260" r:id="rId7"/>
-    <p:sldId id="265" r:id="rId8"/>
-    <p:sldId id="261" r:id="rId9"/>
-    <p:sldId id="263" r:id="rId10"/>
-    <p:sldId id="264" r:id="rId11"/>
-    <p:sldId id="267" r:id="rId12"/>
+    <p:sldId id="268" r:id="rId4"/>
+    <p:sldId id="257" r:id="rId5"/>
+    <p:sldId id="258" r:id="rId6"/>
+    <p:sldId id="259" r:id="rId7"/>
+    <p:sldId id="260" r:id="rId8"/>
+    <p:sldId id="265" r:id="rId9"/>
+    <p:sldId id="261" r:id="rId10"/>
+    <p:sldId id="263" r:id="rId11"/>
+    <p:sldId id="264" r:id="rId12"/>
+    <p:sldId id="267" r:id="rId13"/>
+    <p:sldId id="271" r:id="rId14"/>
+    <p:sldId id="270" r:id="rId15"/>
+    <p:sldId id="269" r:id="rId16"/>
+    <p:sldId id="272" r:id="rId17"/>
   </p:sldIdLst>
   <p:sldSz cx="12192000" cy="6858000"/>
   <p:notesSz cx="6858000" cy="9144000"/>
@@ -207,7 +212,7 @@
           <a:p>
             <a:fld id="{0C747A5D-1E05-4EA5-BF80-7D656DE4C85D}" type="datetimeFigureOut">
               <a:rPr lang="en-GB" smtClean="0"/>
-              <a:t>21/02/2023</a:t>
+              <a:t>22/02/2023</a:t>
             </a:fld>
             <a:endParaRPr lang="en-GB"/>
           </a:p>
@@ -519,9 +524,1540 @@
           <a:bodyPr/>
           <a:lstStyle/>
           <a:p>
+            <a:pPr algn="l" fontAlgn="base">
+              <a:buFont typeface="Arial" panose="020B0604020202020204" pitchFamily="34" charset="0"/>
+              <a:buNone/>
+            </a:pPr>
+            <a:r>
+              <a:rPr lang="en-GB" b="0" i="0" dirty="0">
+                <a:solidFill>
+                  <a:srgbClr val="888888"/>
+                </a:solidFill>
+                <a:effectLst/>
+                <a:latin typeface="Raleway" panose="020B0604020202020204" pitchFamily="2" charset="0"/>
+              </a:rPr>
+              <a:t>Established 1981.</a:t>
+            </a:r>
+          </a:p>
+          <a:p>
+            <a:pPr algn="l" fontAlgn="base">
+              <a:buFont typeface="Arial" panose="020B0604020202020204" pitchFamily="34" charset="0"/>
+              <a:buNone/>
+            </a:pPr>
+            <a:r>
+              <a:rPr lang="en-GB" b="0" i="0" dirty="0">
+                <a:solidFill>
+                  <a:srgbClr val="888888"/>
+                </a:solidFill>
+                <a:effectLst/>
+                <a:latin typeface="Raleway" panose="020B0604020202020204" pitchFamily="2" charset="0"/>
+              </a:rPr>
+              <a:t>Unifying organisation for bodies that go back to the 1870s</a:t>
+            </a:r>
+          </a:p>
+          <a:p>
+            <a:pPr algn="l" fontAlgn="base">
+              <a:buFont typeface="Arial" panose="020B0604020202020204" pitchFamily="34" charset="0"/>
+              <a:buNone/>
+            </a:pPr>
+            <a:r>
+              <a:rPr lang="en-GB" b="0" i="0" dirty="0">
+                <a:solidFill>
+                  <a:srgbClr val="888888"/>
+                </a:solidFill>
+                <a:effectLst/>
+                <a:latin typeface="Raleway" panose="020B0604020202020204" pitchFamily="2" charset="0"/>
+              </a:rPr>
+              <a:t>8 constituents making up the 6 states and two Territories</a:t>
+            </a:r>
+          </a:p>
+          <a:p>
+            <a:pPr algn="l" fontAlgn="base">
+              <a:buFont typeface="Arial" panose="020B0604020202020204" pitchFamily="34" charset="0"/>
+              <a:buNone/>
+            </a:pPr>
+            <a:r>
+              <a:rPr lang="en-GB" b="0" i="0" dirty="0">
+                <a:solidFill>
+                  <a:srgbClr val="888888"/>
+                </a:solidFill>
+                <a:effectLst/>
+                <a:latin typeface="Raleway" panose="020B0604020202020204" pitchFamily="2" charset="0"/>
+              </a:rPr>
+              <a:t>The northern territories is represented exclusively by an office in Darwin and runs one shelter. The role there is performed more broadly by an Animal Welfare Authority.</a:t>
+            </a:r>
+          </a:p>
+          <a:p>
+            <a:pPr algn="l" fontAlgn="base">
+              <a:buFont typeface="Arial" panose="020B0604020202020204" pitchFamily="34" charset="0"/>
+              <a:buChar char="•"/>
+            </a:pPr>
+            <a:endParaRPr lang="en-GB" b="0" i="0" dirty="0">
+              <a:solidFill>
+                <a:srgbClr val="888888"/>
+              </a:solidFill>
+              <a:effectLst/>
+              <a:latin typeface="Raleway" panose="020B0604020202020204" pitchFamily="2" charset="0"/>
+            </a:endParaRPr>
+          </a:p>
+          <a:p>
+            <a:pPr algn="l" fontAlgn="base">
+              <a:buFont typeface="Arial" panose="020B0604020202020204" pitchFamily="34" charset="0"/>
+              <a:buNone/>
+            </a:pPr>
+            <a:r>
+              <a:rPr lang="en-GB" b="0" i="0" dirty="0">
+                <a:solidFill>
+                  <a:srgbClr val="888888"/>
+                </a:solidFill>
+                <a:effectLst/>
+                <a:latin typeface="Raleway" panose="020B0604020202020204" pitchFamily="2" charset="0"/>
+              </a:rPr>
+              <a:t>What they do –</a:t>
+            </a:r>
+          </a:p>
+          <a:p>
+            <a:pPr algn="l" fontAlgn="base">
+              <a:buFont typeface="Arial" panose="020B0604020202020204" pitchFamily="34" charset="0"/>
+              <a:buNone/>
+            </a:pPr>
+            <a:r>
+              <a:rPr lang="en-GB" b="0" i="0" dirty="0">
+                <a:solidFill>
+                  <a:srgbClr val="888888"/>
+                </a:solidFill>
+                <a:effectLst/>
+                <a:latin typeface="Raleway" panose="020B0604020202020204" pitchFamily="2" charset="0"/>
+              </a:rPr>
+              <a:t>Rescue and rehabilitation of stray, injured, and/or abused animals</a:t>
+            </a:r>
+          </a:p>
+          <a:p>
+            <a:pPr algn="l" fontAlgn="base">
+              <a:buFont typeface="Arial" panose="020B0604020202020204" pitchFamily="34" charset="0"/>
+              <a:buNone/>
+            </a:pPr>
+            <a:r>
+              <a:rPr lang="en-GB" b="0" i="0" dirty="0">
+                <a:solidFill>
+                  <a:srgbClr val="888888"/>
+                </a:solidFill>
+                <a:effectLst/>
+                <a:latin typeface="Raleway" panose="020B0604020202020204" pitchFamily="2" charset="0"/>
+              </a:rPr>
+              <a:t>Political advocacy around animal welfare and animal cruelty, lobbying governments for legislation around protections and public outreach on the same issues</a:t>
+            </a:r>
+          </a:p>
+          <a:p>
+            <a:pPr algn="l" fontAlgn="base">
+              <a:buFont typeface="Arial" panose="020B0604020202020204" pitchFamily="34" charset="0"/>
+              <a:buChar char="•"/>
+            </a:pPr>
+            <a:endParaRPr lang="en-GB" b="0" i="0" dirty="0">
+              <a:solidFill>
+                <a:srgbClr val="888888"/>
+              </a:solidFill>
+              <a:effectLst/>
+              <a:latin typeface="Raleway" panose="020B0604020202020204" pitchFamily="2" charset="0"/>
+            </a:endParaRPr>
+          </a:p>
+          <a:p>
+            <a:pPr algn="l" fontAlgn="base">
+              <a:buFont typeface="Arial" panose="020B0604020202020204" pitchFamily="34" charset="0"/>
+              <a:buChar char="•"/>
+            </a:pPr>
+            <a:r>
+              <a:rPr lang="en-GB" b="0" i="0" dirty="0">
+                <a:solidFill>
+                  <a:srgbClr val="888888"/>
+                </a:solidFill>
+                <a:effectLst/>
+                <a:latin typeface="Raleway" panose="020B0604020202020204" pitchFamily="2" charset="0"/>
+              </a:rPr>
+              <a:t>Law Enforcement:</a:t>
+            </a:r>
+          </a:p>
+          <a:p>
+            <a:pPr algn="l" fontAlgn="base">
+              <a:buFont typeface="Arial" panose="020B0604020202020204" pitchFamily="34" charset="0"/>
+              <a:buChar char="•"/>
+            </a:pPr>
+            <a:r>
+              <a:rPr lang="en-GB" b="0" i="0" dirty="0">
+                <a:solidFill>
+                  <a:srgbClr val="888888"/>
+                </a:solidFill>
+                <a:effectLst/>
+                <a:latin typeface="Raleway" panose="020B0604020202020204" pitchFamily="2" charset="0"/>
+              </a:rPr>
+              <a:t>enter property;</a:t>
+            </a:r>
+          </a:p>
+          <a:p>
+            <a:pPr algn="l" fontAlgn="base">
+              <a:buFont typeface="Arial" panose="020B0604020202020204" pitchFamily="34" charset="0"/>
+              <a:buChar char="•"/>
+            </a:pPr>
+            <a:r>
+              <a:rPr lang="en-GB" b="0" i="0" dirty="0">
+                <a:solidFill>
+                  <a:srgbClr val="888888"/>
+                </a:solidFill>
+                <a:effectLst/>
+                <a:latin typeface="Raleway" panose="020B0604020202020204" pitchFamily="2" charset="0"/>
+              </a:rPr>
+              <a:t>seize animals;</a:t>
+            </a:r>
+          </a:p>
+          <a:p>
+            <a:pPr algn="l" fontAlgn="base">
+              <a:buFont typeface="Arial" panose="020B0604020202020204" pitchFamily="34" charset="0"/>
+              <a:buChar char="•"/>
+            </a:pPr>
+            <a:r>
+              <a:rPr lang="en-GB" b="0" i="0" dirty="0">
+                <a:solidFill>
+                  <a:srgbClr val="888888"/>
+                </a:solidFill>
+                <a:effectLst/>
+                <a:latin typeface="Raleway" panose="020B0604020202020204" pitchFamily="2" charset="0"/>
+              </a:rPr>
+              <a:t>seize evidence of animal cruelty offences;</a:t>
+            </a:r>
+          </a:p>
+          <a:p>
+            <a:pPr algn="l" fontAlgn="base">
+              <a:buFont typeface="Arial" panose="020B0604020202020204" pitchFamily="34" charset="0"/>
+              <a:buChar char="•"/>
+            </a:pPr>
+            <a:r>
+              <a:rPr lang="en-GB" b="0" i="0" dirty="0">
+                <a:solidFill>
+                  <a:srgbClr val="888888"/>
+                </a:solidFill>
+                <a:effectLst/>
+                <a:latin typeface="Raleway" panose="020B0604020202020204" pitchFamily="2" charset="0"/>
+              </a:rPr>
+              <a:t>issue animal welfare directions/notices;</a:t>
+            </a:r>
+          </a:p>
+          <a:p>
+            <a:pPr algn="l" fontAlgn="base">
+              <a:buFont typeface="Arial" panose="020B0604020202020204" pitchFamily="34" charset="0"/>
+              <a:buChar char="•"/>
+            </a:pPr>
+            <a:r>
+              <a:rPr lang="en-GB" b="0" i="0" dirty="0">
+                <a:solidFill>
+                  <a:srgbClr val="888888"/>
+                </a:solidFill>
+                <a:effectLst/>
+                <a:latin typeface="Raleway" panose="020B0604020202020204" pitchFamily="2" charset="0"/>
+              </a:rPr>
+              <a:t>issue on-the-spot fines; and</a:t>
+            </a:r>
+          </a:p>
+          <a:p>
+            <a:pPr algn="l" fontAlgn="base">
+              <a:buFont typeface="Arial" panose="020B0604020202020204" pitchFamily="34" charset="0"/>
+              <a:buChar char="•"/>
+            </a:pPr>
+            <a:r>
+              <a:rPr lang="en-GB" b="0" i="0" dirty="0">
+                <a:solidFill>
+                  <a:srgbClr val="888888"/>
+                </a:solidFill>
+                <a:effectLst/>
+                <a:latin typeface="Raleway" panose="020B0604020202020204" pitchFamily="2" charset="0"/>
+              </a:rPr>
+              <a:t>initiate prosecutions under animal welfare legislation.</a:t>
+            </a:r>
+          </a:p>
+          <a:p>
+            <a:pPr algn="l" fontAlgn="base">
+              <a:buFont typeface="Arial" panose="020B0604020202020204" pitchFamily="34" charset="0"/>
+              <a:buChar char="•"/>
+            </a:pPr>
+            <a:endParaRPr lang="en-GB" b="0" i="0" dirty="0">
+              <a:solidFill>
+                <a:srgbClr val="888888"/>
+              </a:solidFill>
+              <a:effectLst/>
+              <a:latin typeface="Raleway" panose="020B0604020202020204" pitchFamily="2" charset="0"/>
+            </a:endParaRPr>
+          </a:p>
+        </p:txBody>
+      </p:sp>
+      <p:sp>
+        <p:nvSpPr>
+          <p:cNvPr id="4" name="Slide Number Placeholder 3"/>
+          <p:cNvSpPr>
+            <a:spLocks noGrp="1"/>
+          </p:cNvSpPr>
+          <p:nvPr>
+            <p:ph type="sldNum" sz="quarter" idx="5"/>
+          </p:nvPr>
+        </p:nvSpPr>
+        <p:spPr/>
+        <p:txBody>
+          <a:bodyPr/>
+          <a:lstStyle/>
+          <a:p>
+            <a:fld id="{F71A650B-1852-406C-B8D6-9A5A2F4836DC}" type="slidenum">
+              <a:rPr lang="en-GB" smtClean="0"/>
+              <a:t>2</a:t>
+            </a:fld>
+            <a:endParaRPr lang="en-GB"/>
+          </a:p>
+        </p:txBody>
+      </p:sp>
+    </p:spTree>
+    <p:extLst>
+      <p:ext uri="{BB962C8B-B14F-4D97-AF65-F5344CB8AC3E}">
+        <p14:creationId xmlns:p14="http://schemas.microsoft.com/office/powerpoint/2010/main" val="3722386525"/>
+      </p:ext>
+    </p:extLst>
+  </p:cSld>
+  <p:clrMapOvr>
+    <a:masterClrMapping/>
+  </p:clrMapOvr>
+</p:notes>
+</file>
+
+<file path=ppt/notesSlides/notesSlide10.xml><?xml version="1.0" encoding="utf-8"?>
+<p:notes xmlns:a="http://schemas.openxmlformats.org/drawingml/2006/main" xmlns:r="http://schemas.openxmlformats.org/officeDocument/2006/relationships" xmlns:p="http://schemas.openxmlformats.org/presentationml/2006/main">
+  <p:cSld>
+    <p:spTree>
+      <p:nvGrpSpPr>
+        <p:cNvPr id="1" name=""/>
+        <p:cNvGrpSpPr/>
+        <p:nvPr/>
+      </p:nvGrpSpPr>
+      <p:grpSpPr>
+        <a:xfrm>
+          <a:off x="0" y="0"/>
+          <a:ext cx="0" cy="0"/>
+          <a:chOff x="0" y="0"/>
+          <a:chExt cx="0" cy="0"/>
+        </a:xfrm>
+      </p:grpSpPr>
+      <p:sp>
+        <p:nvSpPr>
+          <p:cNvPr id="2" name="Slide Image Placeholder 1"/>
+          <p:cNvSpPr>
+            <a:spLocks noGrp="1" noRot="1" noChangeAspect="1"/>
+          </p:cNvSpPr>
+          <p:nvPr>
+            <p:ph type="sldImg"/>
+          </p:nvPr>
+        </p:nvSpPr>
+        <p:spPr/>
+      </p:sp>
+      <p:sp>
+        <p:nvSpPr>
+          <p:cNvPr id="3" name="Notes Placeholder 2"/>
+          <p:cNvSpPr>
+            <a:spLocks noGrp="1"/>
+          </p:cNvSpPr>
+          <p:nvPr>
+            <p:ph type="body" idx="1"/>
+          </p:nvPr>
+        </p:nvSpPr>
+        <p:spPr/>
+        <p:txBody>
+          <a:bodyPr/>
+          <a:lstStyle/>
+          <a:p>
             <a:r>
               <a:rPr lang="en-GB" dirty="0"/>
-              <a:t>Western Australia big year in 2006 – total reported animals is up more than 38% on the previous year</a:t>
+              <a:t>Big stats!!!</a:t>
+            </a:r>
+          </a:p>
+          <a:p>
+            <a:endParaRPr lang="en-GB" dirty="0"/>
+          </a:p>
+          <a:p>
+            <a:r>
+              <a:rPr lang="en-GB" dirty="0"/>
+              <a:t>Note the fact the graph is raw number of animals, so we can pivot to positive…</a:t>
+            </a:r>
+          </a:p>
+        </p:txBody>
+      </p:sp>
+      <p:sp>
+        <p:nvSpPr>
+          <p:cNvPr id="4" name="Slide Number Placeholder 3"/>
+          <p:cNvSpPr>
+            <a:spLocks noGrp="1"/>
+          </p:cNvSpPr>
+          <p:nvPr>
+            <p:ph type="sldNum" sz="quarter" idx="5"/>
+          </p:nvPr>
+        </p:nvSpPr>
+        <p:spPr/>
+        <p:txBody>
+          <a:bodyPr/>
+          <a:lstStyle/>
+          <a:p>
+            <a:fld id="{F71A650B-1852-406C-B8D6-9A5A2F4836DC}" type="slidenum">
+              <a:rPr lang="en-GB" smtClean="0"/>
+              <a:t>12</a:t>
+            </a:fld>
+            <a:endParaRPr lang="en-GB"/>
+          </a:p>
+        </p:txBody>
+      </p:sp>
+    </p:spTree>
+    <p:extLst>
+      <p:ext uri="{BB962C8B-B14F-4D97-AF65-F5344CB8AC3E}">
+        <p14:creationId xmlns:p14="http://schemas.microsoft.com/office/powerpoint/2010/main" val="2047731339"/>
+      </p:ext>
+    </p:extLst>
+  </p:cSld>
+  <p:clrMapOvr>
+    <a:masterClrMapping/>
+  </p:clrMapOvr>
+</p:notes>
+</file>
+
+<file path=ppt/notesSlides/notesSlide11.xml><?xml version="1.0" encoding="utf-8"?>
+<p:notes xmlns:a="http://schemas.openxmlformats.org/drawingml/2006/main" xmlns:r="http://schemas.openxmlformats.org/officeDocument/2006/relationships" xmlns:p="http://schemas.openxmlformats.org/presentationml/2006/main">
+  <p:cSld>
+    <p:spTree>
+      <p:nvGrpSpPr>
+        <p:cNvPr id="1" name=""/>
+        <p:cNvGrpSpPr/>
+        <p:nvPr/>
+      </p:nvGrpSpPr>
+      <p:grpSpPr>
+        <a:xfrm>
+          <a:off x="0" y="0"/>
+          <a:ext cx="0" cy="0"/>
+          <a:chOff x="0" y="0"/>
+          <a:chExt cx="0" cy="0"/>
+        </a:xfrm>
+      </p:grpSpPr>
+      <p:sp>
+        <p:nvSpPr>
+          <p:cNvPr id="2" name="Slide Image Placeholder 1"/>
+          <p:cNvSpPr>
+            <a:spLocks noGrp="1" noRot="1" noChangeAspect="1"/>
+          </p:cNvSpPr>
+          <p:nvPr>
+            <p:ph type="sldImg"/>
+          </p:nvPr>
+        </p:nvSpPr>
+        <p:spPr/>
+      </p:sp>
+      <p:sp>
+        <p:nvSpPr>
+          <p:cNvPr id="3" name="Notes Placeholder 2"/>
+          <p:cNvSpPr>
+            <a:spLocks noGrp="1"/>
+          </p:cNvSpPr>
+          <p:nvPr>
+            <p:ph type="body" idx="1"/>
+          </p:nvPr>
+        </p:nvSpPr>
+        <p:spPr/>
+        <p:txBody>
+          <a:bodyPr/>
+          <a:lstStyle/>
+          <a:p>
+            <a:r>
+              <a:rPr lang="en-GB" dirty="0"/>
+              <a:t>Number of animals being processed without </a:t>
+            </a:r>
+            <a:r>
+              <a:rPr lang="en-GB" dirty="0" err="1"/>
+              <a:t>euthanisation</a:t>
+            </a:r>
+            <a:r>
+              <a:rPr lang="en-GB" dirty="0"/>
+              <a:t> also climbing drastically</a:t>
+            </a:r>
+          </a:p>
+        </p:txBody>
+      </p:sp>
+      <p:sp>
+        <p:nvSpPr>
+          <p:cNvPr id="4" name="Slide Number Placeholder 3"/>
+          <p:cNvSpPr>
+            <a:spLocks noGrp="1"/>
+          </p:cNvSpPr>
+          <p:nvPr>
+            <p:ph type="sldNum" sz="quarter" idx="5"/>
+          </p:nvPr>
+        </p:nvSpPr>
+        <p:spPr/>
+        <p:txBody>
+          <a:bodyPr/>
+          <a:lstStyle/>
+          <a:p>
+            <a:fld id="{F71A650B-1852-406C-B8D6-9A5A2F4836DC}" type="slidenum">
+              <a:rPr lang="en-GB" smtClean="0"/>
+              <a:t>13</a:t>
+            </a:fld>
+            <a:endParaRPr lang="en-GB"/>
+          </a:p>
+        </p:txBody>
+      </p:sp>
+    </p:spTree>
+    <p:extLst>
+      <p:ext uri="{BB962C8B-B14F-4D97-AF65-F5344CB8AC3E}">
+        <p14:creationId xmlns:p14="http://schemas.microsoft.com/office/powerpoint/2010/main" val="3050458874"/>
+      </p:ext>
+    </p:extLst>
+  </p:cSld>
+  <p:clrMapOvr>
+    <a:masterClrMapping/>
+  </p:clrMapOvr>
+</p:notes>
+</file>
+
+<file path=ppt/notesSlides/notesSlide12.xml><?xml version="1.0" encoding="utf-8"?>
+<p:notes xmlns:a="http://schemas.openxmlformats.org/drawingml/2006/main" xmlns:r="http://schemas.openxmlformats.org/officeDocument/2006/relationships" xmlns:p="http://schemas.openxmlformats.org/presentationml/2006/main">
+  <p:cSld>
+    <p:spTree>
+      <p:nvGrpSpPr>
+        <p:cNvPr id="1" name=""/>
+        <p:cNvGrpSpPr/>
+        <p:nvPr/>
+      </p:nvGrpSpPr>
+      <p:grpSpPr>
+        <a:xfrm>
+          <a:off x="0" y="0"/>
+          <a:ext cx="0" cy="0"/>
+          <a:chOff x="0" y="0"/>
+          <a:chExt cx="0" cy="0"/>
+        </a:xfrm>
+      </p:grpSpPr>
+      <p:sp>
+        <p:nvSpPr>
+          <p:cNvPr id="2" name="Slide Image Placeholder 1"/>
+          <p:cNvSpPr>
+            <a:spLocks noGrp="1" noRot="1" noChangeAspect="1"/>
+          </p:cNvSpPr>
+          <p:nvPr>
+            <p:ph type="sldImg"/>
+          </p:nvPr>
+        </p:nvSpPr>
+        <p:spPr/>
+      </p:sp>
+      <p:sp>
+        <p:nvSpPr>
+          <p:cNvPr id="3" name="Notes Placeholder 2"/>
+          <p:cNvSpPr>
+            <a:spLocks noGrp="1"/>
+          </p:cNvSpPr>
+          <p:nvPr>
+            <p:ph type="body" idx="1"/>
+          </p:nvPr>
+        </p:nvSpPr>
+        <p:spPr/>
+        <p:txBody>
+          <a:bodyPr/>
+          <a:lstStyle/>
+          <a:p>
+            <a:r>
+              <a:rPr lang="en-GB" dirty="0"/>
+              <a:t>Things are better for a variety of reasons –</a:t>
+            </a:r>
+          </a:p>
+          <a:p>
+            <a:endParaRPr lang="en-GB" dirty="0"/>
+          </a:p>
+          <a:p>
+            <a:r>
+              <a:rPr lang="en-GB" dirty="0"/>
+              <a:t>Much better promotion of pet adoption through the internet and social media.</a:t>
+            </a:r>
+          </a:p>
+          <a:p>
+            <a:r>
+              <a:rPr lang="en-GB" dirty="0"/>
+              <a:t>Working with smaller rescue groups to extend reach</a:t>
+            </a:r>
+          </a:p>
+          <a:p>
+            <a:r>
+              <a:rPr lang="en-GB" dirty="0"/>
+              <a:t>Services to help reunite pets</a:t>
+            </a:r>
+          </a:p>
+          <a:p>
+            <a:r>
+              <a:rPr lang="en-GB" dirty="0"/>
+              <a:t>Expanding foster care networks</a:t>
+            </a:r>
+          </a:p>
+          <a:p>
+            <a:r>
+              <a:rPr lang="en-GB" dirty="0"/>
+              <a:t>Dedicated behavioural trainers</a:t>
+            </a:r>
+          </a:p>
+          <a:p>
+            <a:r>
+              <a:rPr lang="en-GB" dirty="0"/>
+              <a:t>Advances in veterinary care</a:t>
+            </a:r>
+          </a:p>
+        </p:txBody>
+      </p:sp>
+      <p:sp>
+        <p:nvSpPr>
+          <p:cNvPr id="4" name="Slide Number Placeholder 3"/>
+          <p:cNvSpPr>
+            <a:spLocks noGrp="1"/>
+          </p:cNvSpPr>
+          <p:nvPr>
+            <p:ph type="sldNum" sz="quarter" idx="5"/>
+          </p:nvPr>
+        </p:nvSpPr>
+        <p:spPr/>
+        <p:txBody>
+          <a:bodyPr/>
+          <a:lstStyle/>
+          <a:p>
+            <a:fld id="{F71A650B-1852-406C-B8D6-9A5A2F4836DC}" type="slidenum">
+              <a:rPr lang="en-GB" smtClean="0"/>
+              <a:t>14</a:t>
+            </a:fld>
+            <a:endParaRPr lang="en-GB"/>
+          </a:p>
+        </p:txBody>
+      </p:sp>
+    </p:spTree>
+    <p:extLst>
+      <p:ext uri="{BB962C8B-B14F-4D97-AF65-F5344CB8AC3E}">
+        <p14:creationId xmlns:p14="http://schemas.microsoft.com/office/powerpoint/2010/main" val="1588407308"/>
+      </p:ext>
+    </p:extLst>
+  </p:cSld>
+  <p:clrMapOvr>
+    <a:masterClrMapping/>
+  </p:clrMapOvr>
+</p:notes>
+</file>
+
+<file path=ppt/notesSlides/notesSlide13.xml><?xml version="1.0" encoding="utf-8"?>
+<p:notes xmlns:a="http://schemas.openxmlformats.org/drawingml/2006/main" xmlns:r="http://schemas.openxmlformats.org/officeDocument/2006/relationships" xmlns:p="http://schemas.openxmlformats.org/presentationml/2006/main">
+  <p:cSld>
+    <p:spTree>
+      <p:nvGrpSpPr>
+        <p:cNvPr id="1" name=""/>
+        <p:cNvGrpSpPr/>
+        <p:nvPr/>
+      </p:nvGrpSpPr>
+      <p:grpSpPr>
+        <a:xfrm>
+          <a:off x="0" y="0"/>
+          <a:ext cx="0" cy="0"/>
+          <a:chOff x="0" y="0"/>
+          <a:chExt cx="0" cy="0"/>
+        </a:xfrm>
+      </p:grpSpPr>
+      <p:sp>
+        <p:nvSpPr>
+          <p:cNvPr id="2" name="Slide Image Placeholder 1"/>
+          <p:cNvSpPr>
+            <a:spLocks noGrp="1" noRot="1" noChangeAspect="1"/>
+          </p:cNvSpPr>
+          <p:nvPr>
+            <p:ph type="sldImg"/>
+          </p:nvPr>
+        </p:nvSpPr>
+        <p:spPr/>
+      </p:sp>
+      <p:sp>
+        <p:nvSpPr>
+          <p:cNvPr id="3" name="Notes Placeholder 2"/>
+          <p:cNvSpPr>
+            <a:spLocks noGrp="1"/>
+          </p:cNvSpPr>
+          <p:nvPr>
+            <p:ph type="body" idx="1"/>
+          </p:nvPr>
+        </p:nvSpPr>
+        <p:spPr/>
+        <p:txBody>
+          <a:bodyPr/>
+          <a:lstStyle/>
+          <a:p>
+            <a:pPr algn="l">
+              <a:buFont typeface="Arial" panose="020B0604020202020204" pitchFamily="34" charset="0"/>
+              <a:buNone/>
+            </a:pPr>
+            <a:r>
+              <a:rPr lang="en-GB" b="0" i="0" dirty="0">
+                <a:solidFill>
+                  <a:srgbClr val="333333"/>
+                </a:solidFill>
+                <a:effectLst/>
+                <a:latin typeface="Helvetica Neue"/>
+              </a:rPr>
+              <a:t>Data scraped rather than CSV – parsing errors!!!</a:t>
+            </a:r>
+          </a:p>
+          <a:p>
+            <a:pPr algn="l">
+              <a:buFont typeface="Arial" panose="020B0604020202020204" pitchFamily="34" charset="0"/>
+              <a:buNone/>
+            </a:pPr>
+            <a:endParaRPr lang="en-GB" b="0" i="0" dirty="0">
+              <a:solidFill>
+                <a:srgbClr val="333333"/>
+              </a:solidFill>
+              <a:effectLst/>
+              <a:latin typeface="Helvetica Neue"/>
+            </a:endParaRPr>
+          </a:p>
+          <a:p>
+            <a:pPr algn="l">
+              <a:buFont typeface="Arial" panose="020B0604020202020204" pitchFamily="34" charset="0"/>
+              <a:buNone/>
+            </a:pPr>
+            <a:r>
+              <a:rPr lang="en-GB" b="0" i="0" dirty="0">
+                <a:solidFill>
+                  <a:srgbClr val="333333"/>
+                </a:solidFill>
+                <a:effectLst/>
+                <a:latin typeface="Helvetica Neue"/>
+              </a:rPr>
+              <a:t>Brief:  sample questions looking at trend in injuries By Region, different peaks of times of year per region?</a:t>
+            </a:r>
+          </a:p>
+          <a:p>
+            <a:pPr algn="l">
+              <a:buFont typeface="Arial" panose="020B0604020202020204" pitchFamily="34" charset="0"/>
+              <a:buChar char="•"/>
+            </a:pPr>
+            <a:endParaRPr lang="en-GB" b="0" i="0" dirty="0">
+              <a:solidFill>
+                <a:srgbClr val="333333"/>
+              </a:solidFill>
+              <a:effectLst/>
+              <a:latin typeface="Helvetica Neue"/>
+            </a:endParaRPr>
+          </a:p>
+          <a:p>
+            <a:r>
+              <a:rPr lang="en-GB" b="0" i="0" dirty="0">
+                <a:solidFill>
+                  <a:srgbClr val="333333"/>
+                </a:solidFill>
+                <a:effectLst/>
+                <a:latin typeface="Helvetica Neue"/>
+              </a:rPr>
+              <a:t>Brief was interested in injuries, when none of the data is specific like this – the RSPCA reporting doesn’t specify the condition of animals coming into care, and on top of that it doesn’t break my specifically than by year.</a:t>
+            </a:r>
+          </a:p>
+          <a:p>
+            <a:endParaRPr lang="en-GB" b="0" i="0" dirty="0">
+              <a:solidFill>
+                <a:srgbClr val="333333"/>
+              </a:solidFill>
+              <a:effectLst/>
+              <a:latin typeface="Helvetica Neue"/>
+            </a:endParaRPr>
+          </a:p>
+          <a:p>
+            <a:r>
+              <a:rPr lang="en-GB" b="0" i="0" dirty="0">
+                <a:solidFill>
+                  <a:srgbClr val="333333"/>
+                </a:solidFill>
+                <a:effectLst/>
+                <a:latin typeface="Helvetica Neue"/>
+              </a:rPr>
+              <a:t>Worked on data about complaint calls in a couple of Queensland cities, but it didn’t integrate with this presentation in any meaningful way and I decided it was best to just focus on the RSPCA.</a:t>
+            </a:r>
+          </a:p>
+          <a:p>
+            <a:endParaRPr lang="en-GB" b="0" i="0" dirty="0">
+              <a:solidFill>
+                <a:srgbClr val="333333"/>
+              </a:solidFill>
+              <a:effectLst/>
+              <a:latin typeface="Helvetica Neue"/>
+            </a:endParaRPr>
+          </a:p>
+          <a:p>
+            <a:r>
+              <a:rPr lang="en-GB" b="0" i="0" dirty="0">
+                <a:solidFill>
+                  <a:srgbClr val="333333"/>
+                </a:solidFill>
+                <a:effectLst/>
+                <a:latin typeface="Helvetica Neue"/>
+              </a:rPr>
+              <a:t>What next?</a:t>
+            </a:r>
+          </a:p>
+          <a:p>
+            <a:endParaRPr lang="en-GB" b="0" i="0" dirty="0">
+              <a:solidFill>
+                <a:srgbClr val="333333"/>
+              </a:solidFill>
+              <a:effectLst/>
+              <a:latin typeface="Helvetica Neue"/>
+            </a:endParaRPr>
+          </a:p>
+          <a:p>
+            <a:r>
+              <a:rPr lang="en-GB" b="0" i="0" dirty="0">
+                <a:solidFill>
+                  <a:srgbClr val="333333"/>
+                </a:solidFill>
+                <a:effectLst/>
+                <a:latin typeface="Helvetica Neue"/>
+              </a:rPr>
+              <a:t>First step would be to add data on euthanasia reasons, since it is recorded in ever report but wasn’t scraped.</a:t>
+            </a:r>
+          </a:p>
+          <a:p>
+            <a:r>
+              <a:rPr lang="en-GB" b="0" i="0" dirty="0">
+                <a:solidFill>
+                  <a:srgbClr val="333333"/>
+                </a:solidFill>
+                <a:effectLst/>
+                <a:latin typeface="Helvetica Neue"/>
+              </a:rPr>
+              <a:t>Afterwards would be cruelty complaints and prosecutions, which was also covered</a:t>
+            </a:r>
+          </a:p>
+          <a:p>
+            <a:endParaRPr lang="en-GB" b="0" i="0" dirty="0">
+              <a:solidFill>
+                <a:srgbClr val="333333"/>
+              </a:solidFill>
+              <a:effectLst/>
+              <a:latin typeface="Helvetica Neue"/>
+            </a:endParaRPr>
+          </a:p>
+          <a:p>
+            <a:r>
+              <a:rPr lang="en-GB" b="0" i="0" dirty="0">
+                <a:solidFill>
+                  <a:srgbClr val="333333"/>
+                </a:solidFill>
+                <a:effectLst/>
+                <a:latin typeface="Helvetica Neue"/>
+              </a:rPr>
+              <a:t>W</a:t>
+            </a:r>
+            <a:endParaRPr lang="en-GB" dirty="0"/>
+          </a:p>
+        </p:txBody>
+      </p:sp>
+      <p:sp>
+        <p:nvSpPr>
+          <p:cNvPr id="4" name="Slide Number Placeholder 3"/>
+          <p:cNvSpPr>
+            <a:spLocks noGrp="1"/>
+          </p:cNvSpPr>
+          <p:nvPr>
+            <p:ph type="sldNum" sz="quarter" idx="5"/>
+          </p:nvPr>
+        </p:nvSpPr>
+        <p:spPr/>
+        <p:txBody>
+          <a:bodyPr/>
+          <a:lstStyle/>
+          <a:p>
+            <a:fld id="{F71A650B-1852-406C-B8D6-9A5A2F4836DC}" type="slidenum">
+              <a:rPr lang="en-GB" smtClean="0"/>
+              <a:t>15</a:t>
+            </a:fld>
+            <a:endParaRPr lang="en-GB"/>
+          </a:p>
+        </p:txBody>
+      </p:sp>
+    </p:spTree>
+    <p:extLst>
+      <p:ext uri="{BB962C8B-B14F-4D97-AF65-F5344CB8AC3E}">
+        <p14:creationId xmlns:p14="http://schemas.microsoft.com/office/powerpoint/2010/main" val="2881247515"/>
+      </p:ext>
+    </p:extLst>
+  </p:cSld>
+  <p:clrMapOvr>
+    <a:masterClrMapping/>
+  </p:clrMapOvr>
+</p:notes>
+</file>
+
+<file path=ppt/notesSlides/notesSlide2.xml><?xml version="1.0" encoding="utf-8"?>
+<p:notes xmlns:a="http://schemas.openxmlformats.org/drawingml/2006/main" xmlns:r="http://schemas.openxmlformats.org/officeDocument/2006/relationships" xmlns:p="http://schemas.openxmlformats.org/presentationml/2006/main">
+  <p:cSld>
+    <p:spTree>
+      <p:nvGrpSpPr>
+        <p:cNvPr id="1" name=""/>
+        <p:cNvGrpSpPr/>
+        <p:nvPr/>
+      </p:nvGrpSpPr>
+      <p:grpSpPr>
+        <a:xfrm>
+          <a:off x="0" y="0"/>
+          <a:ext cx="0" cy="0"/>
+          <a:chOff x="0" y="0"/>
+          <a:chExt cx="0" cy="0"/>
+        </a:xfrm>
+      </p:grpSpPr>
+      <p:sp>
+        <p:nvSpPr>
+          <p:cNvPr id="2" name="Slide Image Placeholder 1"/>
+          <p:cNvSpPr>
+            <a:spLocks noGrp="1" noRot="1" noChangeAspect="1"/>
+          </p:cNvSpPr>
+          <p:nvPr>
+            <p:ph type="sldImg"/>
+          </p:nvPr>
+        </p:nvSpPr>
+        <p:spPr/>
+      </p:sp>
+      <p:sp>
+        <p:nvSpPr>
+          <p:cNvPr id="3" name="Notes Placeholder 2"/>
+          <p:cNvSpPr>
+            <a:spLocks noGrp="1"/>
+          </p:cNvSpPr>
+          <p:nvPr>
+            <p:ph type="body" idx="1"/>
+          </p:nvPr>
+        </p:nvSpPr>
+        <p:spPr/>
+        <p:txBody>
+          <a:bodyPr/>
+          <a:lstStyle/>
+          <a:p>
+            <a:r>
+              <a:rPr lang="en-GB" dirty="0"/>
+              <a:t>124,146 animals</a:t>
+            </a:r>
+          </a:p>
+          <a:p>
+            <a:endParaRPr lang="en-GB" dirty="0"/>
+          </a:p>
+          <a:p>
+            <a:r>
+              <a:rPr lang="en-GB" dirty="0"/>
+              <a:t>Predominately cats and dogs, as you might expect</a:t>
+            </a:r>
+          </a:p>
+          <a:p>
+            <a:endParaRPr lang="en-GB" dirty="0"/>
+          </a:p>
+          <a:p>
+            <a:r>
+              <a:rPr lang="en-GB" dirty="0"/>
+              <a:t>Livestock any kind of animal in the agriculture industry – cows, pigs, sheep etc. If kept as pets they don’t qualify!</a:t>
+            </a:r>
+          </a:p>
+          <a:p>
+            <a:r>
+              <a:rPr lang="en-GB" dirty="0"/>
+              <a:t>Wildlife – any non-pet</a:t>
+            </a:r>
+          </a:p>
+          <a:p>
+            <a:r>
+              <a:rPr lang="en-GB" dirty="0"/>
+              <a:t>Other – all the other weird and wonderful pets</a:t>
+            </a:r>
+          </a:p>
+          <a:p>
+            <a:endParaRPr lang="en-GB" dirty="0"/>
+          </a:p>
+          <a:p>
+            <a:r>
+              <a:rPr lang="en-GB" dirty="0"/>
+              <a:t>The proportion of wildlife has increased a lot in the last decade, and we’ll touch on that later</a:t>
+            </a:r>
+          </a:p>
+        </p:txBody>
+      </p:sp>
+      <p:sp>
+        <p:nvSpPr>
+          <p:cNvPr id="4" name="Slide Number Placeholder 3"/>
+          <p:cNvSpPr>
+            <a:spLocks noGrp="1"/>
+          </p:cNvSpPr>
+          <p:nvPr>
+            <p:ph type="sldNum" sz="quarter" idx="5"/>
+          </p:nvPr>
+        </p:nvSpPr>
+        <p:spPr/>
+        <p:txBody>
+          <a:bodyPr/>
+          <a:lstStyle/>
+          <a:p>
+            <a:fld id="{F71A650B-1852-406C-B8D6-9A5A2F4836DC}" type="slidenum">
+              <a:rPr lang="en-GB" smtClean="0"/>
+              <a:t>4</a:t>
+            </a:fld>
+            <a:endParaRPr lang="en-GB"/>
+          </a:p>
+        </p:txBody>
+      </p:sp>
+    </p:spTree>
+    <p:extLst>
+      <p:ext uri="{BB962C8B-B14F-4D97-AF65-F5344CB8AC3E}">
+        <p14:creationId xmlns:p14="http://schemas.microsoft.com/office/powerpoint/2010/main" val="3874298045"/>
+      </p:ext>
+    </p:extLst>
+  </p:cSld>
+  <p:clrMapOvr>
+    <a:masterClrMapping/>
+  </p:clrMapOvr>
+</p:notes>
+</file>
+
+<file path=ppt/notesSlides/notesSlide3.xml><?xml version="1.0" encoding="utf-8"?>
+<p:notes xmlns:a="http://schemas.openxmlformats.org/drawingml/2006/main" xmlns:r="http://schemas.openxmlformats.org/officeDocument/2006/relationships" xmlns:p="http://schemas.openxmlformats.org/presentationml/2006/main">
+  <p:cSld>
+    <p:spTree>
+      <p:nvGrpSpPr>
+        <p:cNvPr id="1" name=""/>
+        <p:cNvGrpSpPr/>
+        <p:nvPr/>
+      </p:nvGrpSpPr>
+      <p:grpSpPr>
+        <a:xfrm>
+          <a:off x="0" y="0"/>
+          <a:ext cx="0" cy="0"/>
+          <a:chOff x="0" y="0"/>
+          <a:chExt cx="0" cy="0"/>
+        </a:xfrm>
+      </p:grpSpPr>
+      <p:sp>
+        <p:nvSpPr>
+          <p:cNvPr id="2" name="Slide Image Placeholder 1"/>
+          <p:cNvSpPr>
+            <a:spLocks noGrp="1" noRot="1" noChangeAspect="1"/>
+          </p:cNvSpPr>
+          <p:nvPr>
+            <p:ph type="sldImg"/>
+          </p:nvPr>
+        </p:nvSpPr>
+        <p:spPr/>
+      </p:sp>
+      <p:sp>
+        <p:nvSpPr>
+          <p:cNvPr id="3" name="Notes Placeholder 2"/>
+          <p:cNvSpPr>
+            <a:spLocks noGrp="1"/>
+          </p:cNvSpPr>
+          <p:nvPr>
+            <p:ph type="body" idx="1"/>
+          </p:nvPr>
+        </p:nvSpPr>
+        <p:spPr/>
+        <p:txBody>
+          <a:bodyPr/>
+          <a:lstStyle/>
+          <a:p>
+            <a:r>
+              <a:rPr lang="en-GB" dirty="0"/>
+              <a:t>Graph showing the proportions of the various recorded outcomes</a:t>
+            </a:r>
+          </a:p>
+          <a:p>
+            <a:endParaRPr lang="en-GB" dirty="0"/>
+          </a:p>
+          <a:p>
+            <a:r>
+              <a:rPr lang="en-GB" dirty="0"/>
+              <a:t>Transferred: animals transferred to another RSPCA facility or non-RSPCA facility such as </a:t>
+            </a:r>
+            <a:r>
+              <a:rPr lang="en-GB" dirty="0" err="1"/>
+              <a:t>pound,welfare</a:t>
+            </a:r>
+            <a:r>
+              <a:rPr lang="en-GB" dirty="0"/>
+              <a:t> or rescue group</a:t>
+            </a:r>
+          </a:p>
+          <a:p>
+            <a:r>
+              <a:rPr lang="en-GB" dirty="0"/>
+              <a:t>Other includes animals dead on arrival, escaped, or none of the above categories</a:t>
+            </a:r>
+          </a:p>
+          <a:p>
+            <a:endParaRPr lang="en-GB" dirty="0"/>
+          </a:p>
+          <a:p>
+            <a:r>
+              <a:rPr lang="en-GB" dirty="0"/>
+              <a:t>Blue bar euthanasia sticks out – sadly reality is that a huge proportion of animals in shelters are put down.</a:t>
+            </a:r>
+          </a:p>
+          <a:p>
+            <a:endParaRPr lang="en-GB" dirty="0"/>
+          </a:p>
+          <a:p>
+            <a:r>
+              <a:rPr lang="en-GB" dirty="0"/>
+              <a:t>Orange and purple Rehome/Reclaim is good news!</a:t>
+            </a:r>
+          </a:p>
+          <a:p>
+            <a:endParaRPr lang="en-GB" dirty="0"/>
+          </a:p>
+          <a:p>
+            <a:pPr marL="0" marR="0" lvl="0" indent="0" algn="l" defTabSz="914400" rtl="0" eaLnBrk="1" fontAlgn="auto" latinLnBrk="0" hangingPunct="1">
+              <a:lnSpc>
+                <a:spcPct val="100000"/>
+              </a:lnSpc>
+              <a:spcBef>
+                <a:spcPts val="0"/>
+              </a:spcBef>
+              <a:spcAft>
+                <a:spcPts val="0"/>
+              </a:spcAft>
+              <a:buClrTx/>
+              <a:buSzTx/>
+              <a:buFontTx/>
+              <a:buNone/>
+              <a:tabLst/>
+              <a:defRPr/>
+            </a:pPr>
+            <a:r>
+              <a:rPr lang="en-GB" dirty="0"/>
+              <a:t>It’s worth nothing the gradual growth in transfers – the ability to hand off animals for longer care or more focused adoption efforts will greatly enhance the likelihood of a better outcome for any given animal.</a:t>
+            </a:r>
+          </a:p>
+        </p:txBody>
+      </p:sp>
+      <p:sp>
+        <p:nvSpPr>
+          <p:cNvPr id="4" name="Slide Number Placeholder 3"/>
+          <p:cNvSpPr>
+            <a:spLocks noGrp="1"/>
+          </p:cNvSpPr>
+          <p:nvPr>
+            <p:ph type="sldNum" sz="quarter" idx="5"/>
+          </p:nvPr>
+        </p:nvSpPr>
+        <p:spPr/>
+        <p:txBody>
+          <a:bodyPr/>
+          <a:lstStyle/>
+          <a:p>
+            <a:fld id="{F71A650B-1852-406C-B8D6-9A5A2F4836DC}" type="slidenum">
+              <a:rPr lang="en-GB" smtClean="0"/>
+              <a:t>5</a:t>
+            </a:fld>
+            <a:endParaRPr lang="en-GB"/>
+          </a:p>
+        </p:txBody>
+      </p:sp>
+    </p:spTree>
+    <p:extLst>
+      <p:ext uri="{BB962C8B-B14F-4D97-AF65-F5344CB8AC3E}">
+        <p14:creationId xmlns:p14="http://schemas.microsoft.com/office/powerpoint/2010/main" val="1278756984"/>
+      </p:ext>
+    </p:extLst>
+  </p:cSld>
+  <p:clrMapOvr>
+    <a:masterClrMapping/>
+  </p:clrMapOvr>
+</p:notes>
+</file>
+
+<file path=ppt/notesSlides/notesSlide4.xml><?xml version="1.0" encoding="utf-8"?>
+<p:notes xmlns:a="http://schemas.openxmlformats.org/drawingml/2006/main" xmlns:r="http://schemas.openxmlformats.org/officeDocument/2006/relationships" xmlns:p="http://schemas.openxmlformats.org/presentationml/2006/main">
+  <p:cSld>
+    <p:spTree>
+      <p:nvGrpSpPr>
+        <p:cNvPr id="1" name=""/>
+        <p:cNvGrpSpPr/>
+        <p:nvPr/>
+      </p:nvGrpSpPr>
+      <p:grpSpPr>
+        <a:xfrm>
+          <a:off x="0" y="0"/>
+          <a:ext cx="0" cy="0"/>
+          <a:chOff x="0" y="0"/>
+          <a:chExt cx="0" cy="0"/>
+        </a:xfrm>
+      </p:grpSpPr>
+      <p:sp>
+        <p:nvSpPr>
+          <p:cNvPr id="2" name="Slide Image Placeholder 1"/>
+          <p:cNvSpPr>
+            <a:spLocks noGrp="1" noRot="1" noChangeAspect="1"/>
+          </p:cNvSpPr>
+          <p:nvPr>
+            <p:ph type="sldImg"/>
+          </p:nvPr>
+        </p:nvSpPr>
+        <p:spPr/>
+      </p:sp>
+      <p:sp>
+        <p:nvSpPr>
+          <p:cNvPr id="3" name="Notes Placeholder 2"/>
+          <p:cNvSpPr>
+            <a:spLocks noGrp="1"/>
+          </p:cNvSpPr>
+          <p:nvPr>
+            <p:ph type="body" idx="1"/>
+          </p:nvPr>
+        </p:nvSpPr>
+        <p:spPr/>
+        <p:txBody>
+          <a:bodyPr/>
+          <a:lstStyle/>
+          <a:p>
+            <a:r>
+              <a:rPr lang="en-GB" dirty="0"/>
+              <a:t>Wild difference in outcomes for cats and dogs.</a:t>
+            </a:r>
+          </a:p>
+          <a:p>
+            <a:r>
+              <a:rPr lang="en-GB" dirty="0"/>
+              <a:t>Cats are extremely unlikely to be reclaimed if they end up in shelters. A depressing fact is that a lot of shelters put down unwanted animals at a depressingly high rate, and this is reflected in the front half of the reporting.</a:t>
+            </a:r>
+          </a:p>
+          <a:p>
+            <a:endParaRPr lang="en-GB" dirty="0"/>
+          </a:p>
+          <a:p>
+            <a:r>
+              <a:rPr lang="en-GB" dirty="0"/>
+              <a:t>Dogs are a lot more fortunate – they are often reclaimed, and this makes a striking difference in their outcomes.</a:t>
+            </a:r>
+          </a:p>
+        </p:txBody>
+      </p:sp>
+      <p:sp>
+        <p:nvSpPr>
+          <p:cNvPr id="4" name="Slide Number Placeholder 3"/>
+          <p:cNvSpPr>
+            <a:spLocks noGrp="1"/>
+          </p:cNvSpPr>
+          <p:nvPr>
+            <p:ph type="sldNum" sz="quarter" idx="5"/>
+          </p:nvPr>
+        </p:nvSpPr>
+        <p:spPr/>
+        <p:txBody>
+          <a:bodyPr/>
+          <a:lstStyle/>
+          <a:p>
+            <a:fld id="{F71A650B-1852-406C-B8D6-9A5A2F4836DC}" type="slidenum">
+              <a:rPr lang="en-GB" smtClean="0"/>
+              <a:t>6</a:t>
+            </a:fld>
+            <a:endParaRPr lang="en-GB"/>
+          </a:p>
+        </p:txBody>
+      </p:sp>
+    </p:spTree>
+    <p:extLst>
+      <p:ext uri="{BB962C8B-B14F-4D97-AF65-F5344CB8AC3E}">
+        <p14:creationId xmlns:p14="http://schemas.microsoft.com/office/powerpoint/2010/main" val="3655535101"/>
+      </p:ext>
+    </p:extLst>
+  </p:cSld>
+  <p:clrMapOvr>
+    <a:masterClrMapping/>
+  </p:clrMapOvr>
+</p:notes>
+</file>
+
+<file path=ppt/notesSlides/notesSlide5.xml><?xml version="1.0" encoding="utf-8"?>
+<p:notes xmlns:a="http://schemas.openxmlformats.org/drawingml/2006/main" xmlns:r="http://schemas.openxmlformats.org/officeDocument/2006/relationships" xmlns:p="http://schemas.openxmlformats.org/presentationml/2006/main">
+  <p:cSld>
+    <p:spTree>
+      <p:nvGrpSpPr>
+        <p:cNvPr id="1" name=""/>
+        <p:cNvGrpSpPr/>
+        <p:nvPr/>
+      </p:nvGrpSpPr>
+      <p:grpSpPr>
+        <a:xfrm>
+          <a:off x="0" y="0"/>
+          <a:ext cx="0" cy="0"/>
+          <a:chOff x="0" y="0"/>
+          <a:chExt cx="0" cy="0"/>
+        </a:xfrm>
+      </p:grpSpPr>
+      <p:sp>
+        <p:nvSpPr>
+          <p:cNvPr id="2" name="Slide Image Placeholder 1"/>
+          <p:cNvSpPr>
+            <a:spLocks noGrp="1" noRot="1" noChangeAspect="1"/>
+          </p:cNvSpPr>
+          <p:nvPr>
+            <p:ph type="sldImg"/>
+          </p:nvPr>
+        </p:nvSpPr>
+        <p:spPr/>
+      </p:sp>
+      <p:sp>
+        <p:nvSpPr>
+          <p:cNvPr id="3" name="Notes Placeholder 2"/>
+          <p:cNvSpPr>
+            <a:spLocks noGrp="1"/>
+          </p:cNvSpPr>
+          <p:nvPr>
+            <p:ph type="body" idx="1"/>
+          </p:nvPr>
+        </p:nvSpPr>
+        <p:spPr/>
+        <p:txBody>
+          <a:bodyPr/>
+          <a:lstStyle/>
+          <a:p>
+            <a:r>
+              <a:rPr lang="en-GB" dirty="0"/>
+              <a:t>Usually, wild animals (native and introduced) are presented to the RSPCA by members of the community and private veterinary clinics because the animals have been injured or orphaned.</a:t>
+            </a:r>
+          </a:p>
+          <a:p>
+            <a:endParaRPr lang="en-GB" dirty="0"/>
+          </a:p>
+          <a:p>
+            <a:r>
+              <a:rPr lang="en-GB" dirty="0"/>
+              <a:t>Unfortunately, many of the animals’ injuries can cause significant pain and suffering and/or compromise their survival in the wild. </a:t>
+            </a:r>
+          </a:p>
+          <a:p>
+            <a:r>
+              <a:rPr lang="en-GB" dirty="0"/>
+              <a:t>Therefore, the RSPCA performs a difficult but valuable role relieving the suffering of injured wildlife through euthanasia.</a:t>
+            </a:r>
+          </a:p>
+        </p:txBody>
+      </p:sp>
+      <p:sp>
+        <p:nvSpPr>
+          <p:cNvPr id="4" name="Slide Number Placeholder 3"/>
+          <p:cNvSpPr>
+            <a:spLocks noGrp="1"/>
+          </p:cNvSpPr>
+          <p:nvPr>
+            <p:ph type="sldNum" sz="quarter" idx="5"/>
+          </p:nvPr>
+        </p:nvSpPr>
+        <p:spPr/>
+        <p:txBody>
+          <a:bodyPr/>
+          <a:lstStyle/>
+          <a:p>
+            <a:fld id="{F71A650B-1852-406C-B8D6-9A5A2F4836DC}" type="slidenum">
+              <a:rPr lang="en-GB" smtClean="0"/>
+              <a:t>7</a:t>
+            </a:fld>
+            <a:endParaRPr lang="en-GB"/>
+          </a:p>
+        </p:txBody>
+      </p:sp>
+    </p:spTree>
+    <p:extLst>
+      <p:ext uri="{BB962C8B-B14F-4D97-AF65-F5344CB8AC3E}">
+        <p14:creationId xmlns:p14="http://schemas.microsoft.com/office/powerpoint/2010/main" val="2465699044"/>
+      </p:ext>
+    </p:extLst>
+  </p:cSld>
+  <p:clrMapOvr>
+    <a:masterClrMapping/>
+  </p:clrMapOvr>
+</p:notes>
+</file>
+
+<file path=ppt/notesSlides/notesSlide6.xml><?xml version="1.0" encoding="utf-8"?>
+<p:notes xmlns:a="http://schemas.openxmlformats.org/drawingml/2006/main" xmlns:r="http://schemas.openxmlformats.org/officeDocument/2006/relationships" xmlns:p="http://schemas.openxmlformats.org/presentationml/2006/main">
+  <p:cSld>
+    <p:spTree>
+      <p:nvGrpSpPr>
+        <p:cNvPr id="1" name=""/>
+        <p:cNvGrpSpPr/>
+        <p:nvPr/>
+      </p:nvGrpSpPr>
+      <p:grpSpPr>
+        <a:xfrm>
+          <a:off x="0" y="0"/>
+          <a:ext cx="0" cy="0"/>
+          <a:chOff x="0" y="0"/>
+          <a:chExt cx="0" cy="0"/>
+        </a:xfrm>
+      </p:grpSpPr>
+      <p:sp>
+        <p:nvSpPr>
+          <p:cNvPr id="2" name="Slide Image Placeholder 1"/>
+          <p:cNvSpPr>
+            <a:spLocks noGrp="1" noRot="1" noChangeAspect="1"/>
+          </p:cNvSpPr>
+          <p:nvPr>
+            <p:ph type="sldImg"/>
+          </p:nvPr>
+        </p:nvSpPr>
+        <p:spPr/>
+      </p:sp>
+      <p:sp>
+        <p:nvSpPr>
+          <p:cNvPr id="3" name="Notes Placeholder 2"/>
+          <p:cNvSpPr>
+            <a:spLocks noGrp="1"/>
+          </p:cNvSpPr>
+          <p:nvPr>
+            <p:ph type="body" idx="1"/>
+          </p:nvPr>
+        </p:nvSpPr>
+        <p:spPr/>
+        <p:txBody>
+          <a:bodyPr/>
+          <a:lstStyle/>
+          <a:p>
+            <a:r>
+              <a:rPr lang="en-GB" sz="1200" dirty="0">
+                <a:ea typeface="Inter" panose="02000503000000020004" pitchFamily="2" charset="0"/>
+              </a:rPr>
+              <a:t>Basically “percentage of animals that lived”</a:t>
+            </a:r>
+          </a:p>
+          <a:p>
+            <a:endParaRPr lang="en-GB" sz="1200" dirty="0">
+              <a:ea typeface="Inter" panose="02000503000000020004" pitchFamily="2" charset="0"/>
+            </a:endParaRPr>
+          </a:p>
+          <a:p>
+            <a:r>
+              <a:rPr lang="en-GB" sz="1200" dirty="0">
+                <a:ea typeface="Inter" panose="02000503000000020004" pitchFamily="2" charset="0"/>
+              </a:rPr>
+              <a:t>The LRR is the percentage of animals who were rehomed, reclaimed by their owner or transferred to a rescue group or other non-RSPCA facility as a percentage of the total number of animals received </a:t>
+            </a:r>
+          </a:p>
+          <a:p>
+            <a:r>
+              <a:rPr lang="en-GB" sz="1200" dirty="0">
+                <a:ea typeface="Inter" panose="02000503000000020004" pitchFamily="2" charset="0"/>
+              </a:rPr>
+              <a:t>(not including those currently in care or categorised as “other”)</a:t>
+            </a:r>
+          </a:p>
+          <a:p>
+            <a:endParaRPr lang="en-GB" sz="1200" dirty="0">
+              <a:ea typeface="Inter" panose="02000503000000020004" pitchFamily="2" charset="0"/>
+            </a:endParaRPr>
+          </a:p>
+          <a:p>
+            <a:r>
+              <a:rPr lang="en-GB" sz="1200" dirty="0">
+                <a:ea typeface="Inter" panose="02000503000000020004" pitchFamily="2" charset="0"/>
+              </a:rPr>
+              <a:t>Notice the positive trend in everything bar wildlife.</a:t>
+            </a:r>
+          </a:p>
+        </p:txBody>
+      </p:sp>
+      <p:sp>
+        <p:nvSpPr>
+          <p:cNvPr id="4" name="Slide Number Placeholder 3"/>
+          <p:cNvSpPr>
+            <a:spLocks noGrp="1"/>
+          </p:cNvSpPr>
+          <p:nvPr>
+            <p:ph type="sldNum" sz="quarter" idx="5"/>
+          </p:nvPr>
+        </p:nvSpPr>
+        <p:spPr/>
+        <p:txBody>
+          <a:bodyPr/>
+          <a:lstStyle/>
+          <a:p>
+            <a:fld id="{F71A650B-1852-406C-B8D6-9A5A2F4836DC}" type="slidenum">
+              <a:rPr lang="en-GB" smtClean="0"/>
+              <a:t>8</a:t>
+            </a:fld>
+            <a:endParaRPr lang="en-GB"/>
+          </a:p>
+        </p:txBody>
+      </p:sp>
+    </p:spTree>
+    <p:extLst>
+      <p:ext uri="{BB962C8B-B14F-4D97-AF65-F5344CB8AC3E}">
+        <p14:creationId xmlns:p14="http://schemas.microsoft.com/office/powerpoint/2010/main" val="837368213"/>
+      </p:ext>
+    </p:extLst>
+  </p:cSld>
+  <p:clrMapOvr>
+    <a:masterClrMapping/>
+  </p:clrMapOvr>
+</p:notes>
+</file>
+
+<file path=ppt/notesSlides/notesSlide7.xml><?xml version="1.0" encoding="utf-8"?>
+<p:notes xmlns:a="http://schemas.openxmlformats.org/drawingml/2006/main" xmlns:r="http://schemas.openxmlformats.org/officeDocument/2006/relationships" xmlns:p="http://schemas.openxmlformats.org/presentationml/2006/main">
+  <p:cSld>
+    <p:spTree>
+      <p:nvGrpSpPr>
+        <p:cNvPr id="1" name=""/>
+        <p:cNvGrpSpPr/>
+        <p:nvPr/>
+      </p:nvGrpSpPr>
+      <p:grpSpPr>
+        <a:xfrm>
+          <a:off x="0" y="0"/>
+          <a:ext cx="0" cy="0"/>
+          <a:chOff x="0" y="0"/>
+          <a:chExt cx="0" cy="0"/>
+        </a:xfrm>
+      </p:grpSpPr>
+      <p:sp>
+        <p:nvSpPr>
+          <p:cNvPr id="2" name="Slide Image Placeholder 1"/>
+          <p:cNvSpPr>
+            <a:spLocks noGrp="1" noRot="1" noChangeAspect="1"/>
+          </p:cNvSpPr>
+          <p:nvPr>
+            <p:ph type="sldImg"/>
+          </p:nvPr>
+        </p:nvSpPr>
+        <p:spPr/>
+      </p:sp>
+      <p:sp>
+        <p:nvSpPr>
+          <p:cNvPr id="3" name="Notes Placeholder 2"/>
+          <p:cNvSpPr>
+            <a:spLocks noGrp="1"/>
+          </p:cNvSpPr>
+          <p:nvPr>
+            <p:ph type="body" idx="1"/>
+          </p:nvPr>
+        </p:nvSpPr>
+        <p:spPr/>
+        <p:txBody>
+          <a:bodyPr/>
+          <a:lstStyle/>
+          <a:p>
+            <a:r>
+              <a:rPr lang="en-GB" dirty="0"/>
+              <a:t>2007 dip!</a:t>
+            </a:r>
+          </a:p>
+          <a:p>
+            <a:endParaRPr lang="en-GB" dirty="0"/>
+          </a:p>
+          <a:p>
+            <a:r>
+              <a:rPr lang="en-GB" dirty="0"/>
+              <a:t>Euthanasia in dogs – mostly behavioural or infections, some legal</a:t>
+            </a:r>
+          </a:p>
+          <a:p>
+            <a:r>
+              <a:rPr lang="en-GB" dirty="0"/>
+              <a:t>Euthanasia in cats – Broadly all 3 infectious, medical and behavioural, but a giant “Other” amount which they don’t specify reasoning for, which I expect is overpopulation.</a:t>
             </a:r>
           </a:p>
         </p:txBody>
@@ -552,7 +2088,190 @@
     </p:spTree>
     <p:extLst>
       <p:ext uri="{BB962C8B-B14F-4D97-AF65-F5344CB8AC3E}">
+        <p14:creationId xmlns:p14="http://schemas.microsoft.com/office/powerpoint/2010/main" val="218254011"/>
+      </p:ext>
+    </p:extLst>
+  </p:cSld>
+  <p:clrMapOvr>
+    <a:masterClrMapping/>
+  </p:clrMapOvr>
+</p:notes>
+</file>
+
+<file path=ppt/notesSlides/notesSlide8.xml><?xml version="1.0" encoding="utf-8"?>
+<p:notes xmlns:a="http://schemas.openxmlformats.org/drawingml/2006/main" xmlns:r="http://schemas.openxmlformats.org/officeDocument/2006/relationships" xmlns:p="http://schemas.openxmlformats.org/presentationml/2006/main">
+  <p:cSld>
+    <p:spTree>
+      <p:nvGrpSpPr>
+        <p:cNvPr id="1" name=""/>
+        <p:cNvGrpSpPr/>
+        <p:nvPr/>
+      </p:nvGrpSpPr>
+      <p:grpSpPr>
+        <a:xfrm>
+          <a:off x="0" y="0"/>
+          <a:ext cx="0" cy="0"/>
+          <a:chOff x="0" y="0"/>
+          <a:chExt cx="0" cy="0"/>
+        </a:xfrm>
+      </p:grpSpPr>
+      <p:sp>
+        <p:nvSpPr>
+          <p:cNvPr id="2" name="Slide Image Placeholder 1"/>
+          <p:cNvSpPr>
+            <a:spLocks noGrp="1" noRot="1" noChangeAspect="1"/>
+          </p:cNvSpPr>
+          <p:nvPr>
+            <p:ph type="sldImg"/>
+          </p:nvPr>
+        </p:nvSpPr>
+        <p:spPr/>
+      </p:sp>
+      <p:sp>
+        <p:nvSpPr>
+          <p:cNvPr id="3" name="Notes Placeholder 2"/>
+          <p:cNvSpPr>
+            <a:spLocks noGrp="1"/>
+          </p:cNvSpPr>
+          <p:nvPr>
+            <p:ph type="body" idx="1"/>
+          </p:nvPr>
+        </p:nvSpPr>
+        <p:spPr/>
+        <p:txBody>
+          <a:bodyPr/>
+          <a:lstStyle/>
+          <a:p>
+            <a:r>
+              <a:rPr lang="en-GB" dirty="0"/>
+              <a:t>Big 3 states are Queensland, New South Wales, Victoria. No surprises as biggest states in Australia</a:t>
+            </a:r>
+          </a:p>
+        </p:txBody>
+      </p:sp>
+      <p:sp>
+        <p:nvSpPr>
+          <p:cNvPr id="4" name="Slide Number Placeholder 3"/>
+          <p:cNvSpPr>
+            <a:spLocks noGrp="1"/>
+          </p:cNvSpPr>
+          <p:nvPr>
+            <p:ph type="sldNum" sz="quarter" idx="5"/>
+          </p:nvPr>
+        </p:nvSpPr>
+        <p:spPr/>
+        <p:txBody>
+          <a:bodyPr/>
+          <a:lstStyle/>
+          <a:p>
+            <a:fld id="{F71A650B-1852-406C-B8D6-9A5A2F4836DC}" type="slidenum">
+              <a:rPr lang="en-GB" smtClean="0"/>
+              <a:t>10</a:t>
+            </a:fld>
+            <a:endParaRPr lang="en-GB"/>
+          </a:p>
+        </p:txBody>
+      </p:sp>
+    </p:spTree>
+    <p:extLst>
+      <p:ext uri="{BB962C8B-B14F-4D97-AF65-F5344CB8AC3E}">
         <p14:creationId xmlns:p14="http://schemas.microsoft.com/office/powerpoint/2010/main" val="3736963238"/>
+      </p:ext>
+    </p:extLst>
+  </p:cSld>
+  <p:clrMapOvr>
+    <a:masterClrMapping/>
+  </p:clrMapOvr>
+</p:notes>
+</file>
+
+<file path=ppt/notesSlides/notesSlide9.xml><?xml version="1.0" encoding="utf-8"?>
+<p:notes xmlns:a="http://schemas.openxmlformats.org/drawingml/2006/main" xmlns:r="http://schemas.openxmlformats.org/officeDocument/2006/relationships" xmlns:p="http://schemas.openxmlformats.org/presentationml/2006/main">
+  <p:cSld>
+    <p:spTree>
+      <p:nvGrpSpPr>
+        <p:cNvPr id="1" name=""/>
+        <p:cNvGrpSpPr/>
+        <p:nvPr/>
+      </p:nvGrpSpPr>
+      <p:grpSpPr>
+        <a:xfrm>
+          <a:off x="0" y="0"/>
+          <a:ext cx="0" cy="0"/>
+          <a:chOff x="0" y="0"/>
+          <a:chExt cx="0" cy="0"/>
+        </a:xfrm>
+      </p:grpSpPr>
+      <p:sp>
+        <p:nvSpPr>
+          <p:cNvPr id="2" name="Slide Image Placeholder 1"/>
+          <p:cNvSpPr>
+            <a:spLocks noGrp="1" noRot="1" noChangeAspect="1"/>
+          </p:cNvSpPr>
+          <p:nvPr>
+            <p:ph type="sldImg"/>
+          </p:nvPr>
+        </p:nvSpPr>
+        <p:spPr/>
+      </p:sp>
+      <p:sp>
+        <p:nvSpPr>
+          <p:cNvPr id="3" name="Notes Placeholder 2"/>
+          <p:cNvSpPr>
+            <a:spLocks noGrp="1"/>
+          </p:cNvSpPr>
+          <p:nvPr>
+            <p:ph type="body" idx="1"/>
+          </p:nvPr>
+        </p:nvSpPr>
+        <p:spPr/>
+        <p:txBody>
+          <a:bodyPr/>
+          <a:lstStyle/>
+          <a:p>
+            <a:r>
+              <a:rPr lang="en-GB" dirty="0"/>
+              <a:t>54,508 animals!</a:t>
+            </a:r>
+          </a:p>
+          <a:p>
+            <a:endParaRPr lang="en-GB" dirty="0"/>
+          </a:p>
+          <a:p>
+            <a:r>
+              <a:rPr lang="en-GB" dirty="0"/>
+              <a:t>Little over 46.5% of them are wildlife!!</a:t>
+            </a:r>
+          </a:p>
+        </p:txBody>
+      </p:sp>
+      <p:sp>
+        <p:nvSpPr>
+          <p:cNvPr id="4" name="Slide Number Placeholder 3"/>
+          <p:cNvSpPr>
+            <a:spLocks noGrp="1"/>
+          </p:cNvSpPr>
+          <p:nvPr>
+            <p:ph type="sldNum" sz="quarter" idx="5"/>
+          </p:nvPr>
+        </p:nvSpPr>
+        <p:spPr/>
+        <p:txBody>
+          <a:bodyPr/>
+          <a:lstStyle/>
+          <a:p>
+            <a:fld id="{F71A650B-1852-406C-B8D6-9A5A2F4836DC}" type="slidenum">
+              <a:rPr lang="en-GB" smtClean="0"/>
+              <a:t>11</a:t>
+            </a:fld>
+            <a:endParaRPr lang="en-GB"/>
+          </a:p>
+        </p:txBody>
+      </p:sp>
+    </p:spTree>
+    <p:extLst>
+      <p:ext uri="{BB962C8B-B14F-4D97-AF65-F5344CB8AC3E}">
+        <p14:creationId xmlns:p14="http://schemas.microsoft.com/office/powerpoint/2010/main" val="3392603950"/>
       </p:ext>
     </p:extLst>
   </p:cSld>
@@ -758,7 +2477,7 @@
           <a:p>
             <a:fld id="{6AAA0F4C-345D-4BF6-9517-98BB3735E020}" type="datetimeFigureOut">
               <a:rPr lang="en-GB" smtClean="0"/>
-              <a:t>21/02/2023</a:t>
+              <a:t>22/02/2023</a:t>
             </a:fld>
             <a:endParaRPr lang="en-GB"/>
           </a:p>
@@ -979,7 +2698,7 @@
           <a:p>
             <a:fld id="{6AAA0F4C-345D-4BF6-9517-98BB3735E020}" type="datetimeFigureOut">
               <a:rPr lang="en-GB" smtClean="0"/>
-              <a:t>21/02/2023</a:t>
+              <a:t>22/02/2023</a:t>
             </a:fld>
             <a:endParaRPr lang="en-GB"/>
           </a:p>
@@ -1159,7 +2878,7 @@
           <a:p>
             <a:fld id="{6AAA0F4C-345D-4BF6-9517-98BB3735E020}" type="datetimeFigureOut">
               <a:rPr lang="en-GB" smtClean="0"/>
-              <a:t>21/02/2023</a:t>
+              <a:t>22/02/2023</a:t>
             </a:fld>
             <a:endParaRPr lang="en-GB"/>
           </a:p>
@@ -1329,7 +3048,7 @@
           <a:p>
             <a:fld id="{6AAA0F4C-345D-4BF6-9517-98BB3735E020}" type="datetimeFigureOut">
               <a:rPr lang="en-GB" smtClean="0"/>
-              <a:t>21/02/2023</a:t>
+              <a:t>22/02/2023</a:t>
             </a:fld>
             <a:endParaRPr lang="en-GB"/>
           </a:p>
@@ -1580,7 +3299,7 @@
           <a:p>
             <a:fld id="{6AAA0F4C-345D-4BF6-9517-98BB3735E020}" type="datetimeFigureOut">
               <a:rPr lang="en-GB" smtClean="0"/>
-              <a:t>21/02/2023</a:t>
+              <a:t>22/02/2023</a:t>
             </a:fld>
             <a:endParaRPr lang="en-GB"/>
           </a:p>
@@ -1903,7 +3622,7 @@
           <a:p>
             <a:fld id="{6AAA0F4C-345D-4BF6-9517-98BB3735E020}" type="datetimeFigureOut">
               <a:rPr lang="en-GB" smtClean="0"/>
-              <a:t>21/02/2023</a:t>
+              <a:t>22/02/2023</a:t>
             </a:fld>
             <a:endParaRPr lang="en-GB"/>
           </a:p>
@@ -2327,7 +4046,7 @@
           <a:p>
             <a:fld id="{6AAA0F4C-345D-4BF6-9517-98BB3735E020}" type="datetimeFigureOut">
               <a:rPr lang="en-GB" smtClean="0"/>
-              <a:t>21/02/2023</a:t>
+              <a:t>22/02/2023</a:t>
             </a:fld>
             <a:endParaRPr lang="en-GB"/>
           </a:p>
@@ -2445,7 +4164,7 @@
           <a:p>
             <a:fld id="{6AAA0F4C-345D-4BF6-9517-98BB3735E020}" type="datetimeFigureOut">
               <a:rPr lang="en-GB" smtClean="0"/>
-              <a:t>21/02/2023</a:t>
+              <a:t>22/02/2023</a:t>
             </a:fld>
             <a:endParaRPr lang="en-GB"/>
           </a:p>
@@ -2540,7 +4259,7 @@
           <a:p>
             <a:fld id="{6AAA0F4C-345D-4BF6-9517-98BB3735E020}" type="datetimeFigureOut">
               <a:rPr lang="en-GB" smtClean="0"/>
-              <a:t>21/02/2023</a:t>
+              <a:t>22/02/2023</a:t>
             </a:fld>
             <a:endParaRPr lang="en-GB"/>
           </a:p>
@@ -2830,7 +4549,7 @@
           <a:p>
             <a:fld id="{6AAA0F4C-345D-4BF6-9517-98BB3735E020}" type="datetimeFigureOut">
               <a:rPr lang="en-GB" smtClean="0"/>
-              <a:t>21/02/2023</a:t>
+              <a:t>22/02/2023</a:t>
             </a:fld>
             <a:endParaRPr lang="en-GB"/>
           </a:p>
@@ -3102,7 +4821,7 @@
           <a:p>
             <a:fld id="{6AAA0F4C-345D-4BF6-9517-98BB3735E020}" type="datetimeFigureOut">
               <a:rPr lang="en-GB" smtClean="0"/>
-              <a:t>21/02/2023</a:t>
+              <a:t>22/02/2023</a:t>
             </a:fld>
             <a:endParaRPr lang="en-GB"/>
           </a:p>
@@ -3356,7 +5075,7 @@
           <a:p>
             <a:fld id="{6AAA0F4C-345D-4BF6-9517-98BB3735E020}" type="datetimeFigureOut">
               <a:rPr lang="en-GB" smtClean="0"/>
-              <a:t>21/02/2023</a:t>
+              <a:t>22/02/2023</a:t>
             </a:fld>
             <a:endParaRPr lang="en-GB"/>
           </a:p>
@@ -3840,7 +5559,7 @@
           <a:p>
             <a:r>
               <a:rPr lang="en-GB" dirty="0"/>
-              <a:t>Animals and Australia</a:t>
+              <a:t>RSPCA Australia</a:t>
             </a:r>
           </a:p>
         </p:txBody>
@@ -3868,19 +5587,7 @@
           <a:p>
             <a:r>
               <a:rPr lang="en-GB" dirty="0"/>
-              <a:t>An Examination of RSPCA Australia Reporting</a:t>
-            </a:r>
-          </a:p>
-          <a:p>
-            <a:r>
-              <a:rPr lang="en-GB" dirty="0"/>
-              <a:t>&amp;</a:t>
-            </a:r>
-          </a:p>
-          <a:p>
-            <a:r>
-              <a:rPr lang="en-GB" dirty="0"/>
-              <a:t>Municipal Complaints in Queensland Cities</a:t>
+              <a:t>An Examination of Animals in Care and Their Outcomes</a:t>
             </a:r>
           </a:p>
         </p:txBody>
@@ -3920,7 +5627,7 @@
           <p:cNvPr id="2" name="Title 1">
             <a:extLst>
               <a:ext uri="{FF2B5EF4-FFF2-40B4-BE49-F238E27FC236}">
-                <a16:creationId xmlns:a16="http://schemas.microsoft.com/office/drawing/2014/main" id="{1C4E4204-BFE1-AEE9-B4C4-4AE705A2190E}"/>
+                <a16:creationId xmlns:a16="http://schemas.microsoft.com/office/drawing/2014/main" id="{107452CB-514B-F827-7F0F-6C316B3AD236}"/>
               </a:ext>
             </a:extLst>
           </p:cNvPr>
@@ -3937,28 +5644,31 @@
           <a:lstStyle/>
           <a:p>
             <a:r>
-              <a:rPr lang="en-GB" dirty="0"/>
-              <a:t>Queensland</a:t>
-            </a:r>
+              <a:rPr lang="en-GB" dirty="0" err="1"/>
+              <a:t>Euthanisation</a:t>
+            </a:r>
+            <a:endParaRPr lang="en-GB" dirty="0"/>
           </a:p>
         </p:txBody>
       </p:sp>
       <p:pic>
         <p:nvPicPr>
-          <p:cNvPr id="5" name="Picture 4">
+          <p:cNvPr id="17" name="Content Placeholder 16">
             <a:extLst>
               <a:ext uri="{FF2B5EF4-FFF2-40B4-BE49-F238E27FC236}">
-                <a16:creationId xmlns:a16="http://schemas.microsoft.com/office/drawing/2014/main" id="{14CB518F-E54D-65A4-5663-F64C0FA0A2F7}"/>
+                <a16:creationId xmlns:a16="http://schemas.microsoft.com/office/drawing/2014/main" id="{5A61B660-15FC-F015-DCA7-3929E336CE51}"/>
               </a:ext>
             </a:extLst>
           </p:cNvPr>
           <p:cNvPicPr>
-            <a:picLocks noChangeAspect="1"/>
+            <a:picLocks noGrp="1" noChangeAspect="1"/>
           </p:cNvPicPr>
-          <p:nvPr/>
+          <p:nvPr>
+            <p:ph idx="1"/>
+          </p:nvPr>
         </p:nvPicPr>
         <p:blipFill>
-          <a:blip r:embed="rId2">
+          <a:blip r:embed="rId3">
             <a:extLst>
               <a:ext uri="{28A0092B-C50C-407E-A947-70E740481C1C}">
                 <a14:useLocalDpi xmlns:a14="http://schemas.microsoft.com/office/drawing/2010/main" val="0"/>
@@ -3971,158 +5681,15 @@
         </p:blipFill>
         <p:spPr>
           <a:xfrm>
-            <a:off x="3888420" y="1814340"/>
-            <a:ext cx="7327773" cy="4522282"/>
+            <a:off x="2334396" y="1889760"/>
+            <a:ext cx="6904854" cy="4261281"/>
           </a:xfrm>
-          <a:prstGeom prst="rect">
-            <a:avLst/>
-          </a:prstGeom>
         </p:spPr>
       </p:pic>
-      <p:sp>
-        <p:nvSpPr>
-          <p:cNvPr id="6" name="TextBox 5">
-            <a:extLst>
-              <a:ext uri="{FF2B5EF4-FFF2-40B4-BE49-F238E27FC236}">
-                <a16:creationId xmlns:a16="http://schemas.microsoft.com/office/drawing/2014/main" id="{D5987C0D-C4E4-9F87-2809-4BCDD4298E3C}"/>
-              </a:ext>
-            </a:extLst>
-          </p:cNvPr>
-          <p:cNvSpPr txBox="1"/>
-          <p:nvPr/>
-        </p:nvSpPr>
-        <p:spPr>
-          <a:xfrm>
-            <a:off x="630722" y="2479147"/>
-            <a:ext cx="3142288" cy="2308324"/>
-          </a:xfrm>
-          <a:prstGeom prst="rect">
-            <a:avLst/>
-          </a:prstGeom>
-          <a:noFill/>
-        </p:spPr>
-        <p:txBody>
-          <a:bodyPr wrap="square" rtlCol="0">
-            <a:spAutoFit/>
-          </a:bodyPr>
-          <a:lstStyle/>
-          <a:p>
-            <a:r>
-              <a:rPr lang="en-GB" dirty="0"/>
-              <a:t>Total animals received in 2018:</a:t>
-            </a:r>
-          </a:p>
-          <a:p>
-            <a:endParaRPr lang="en-GB" dirty="0"/>
-          </a:p>
-          <a:p>
-            <a:pPr marL="285750" indent="-285750">
-              <a:buFontTx/>
-              <a:buChar char="-"/>
-            </a:pPr>
-            <a:r>
-              <a:rPr lang="en-GB" dirty="0">
-                <a:latin typeface="Calibri" panose="020F0502020204030204" pitchFamily="34" charset="0"/>
-                <a:cs typeface="Calibri" panose="020F0502020204030204" pitchFamily="34" charset="0"/>
-              </a:rPr>
-              <a:t>11,517</a:t>
-            </a:r>
-            <a:r>
-              <a:rPr lang="en-GB" dirty="0"/>
-              <a:t> Dogs</a:t>
-            </a:r>
-          </a:p>
-          <a:p>
-            <a:pPr marL="285750" indent="-285750">
-              <a:buFontTx/>
-              <a:buChar char="-"/>
-            </a:pPr>
-            <a:r>
-              <a:rPr lang="en-GB" dirty="0">
-                <a:latin typeface="Calibri" panose="020F0502020204030204" pitchFamily="34" charset="0"/>
-                <a:cs typeface="Calibri" panose="020F0502020204030204" pitchFamily="34" charset="0"/>
-              </a:rPr>
-              <a:t>13,648</a:t>
-            </a:r>
-            <a:r>
-              <a:rPr lang="en-GB" dirty="0"/>
-              <a:t> Cats</a:t>
-            </a:r>
-          </a:p>
-          <a:p>
-            <a:pPr marL="285750" indent="-285750">
-              <a:buFontTx/>
-              <a:buChar char="-"/>
-            </a:pPr>
-            <a:r>
-              <a:rPr lang="en-GB" dirty="0">
-                <a:latin typeface="Calibri" panose="020F0502020204030204" pitchFamily="34" charset="0"/>
-                <a:cs typeface="Calibri" panose="020F0502020204030204" pitchFamily="34" charset="0"/>
-              </a:rPr>
-              <a:t>125</a:t>
-            </a:r>
-            <a:r>
-              <a:rPr lang="en-GB" dirty="0"/>
-              <a:t> Horses</a:t>
-            </a:r>
-          </a:p>
-          <a:p>
-            <a:pPr marL="285750" indent="-285750">
-              <a:buFontTx/>
-              <a:buChar char="-"/>
-            </a:pPr>
-            <a:r>
-              <a:rPr lang="en-GB" dirty="0">
-                <a:latin typeface="Calibri" panose="020F0502020204030204" pitchFamily="34" charset="0"/>
-                <a:cs typeface="Calibri" panose="020F0502020204030204" pitchFamily="34" charset="0"/>
-              </a:rPr>
-              <a:t>1,597</a:t>
-            </a:r>
-            <a:r>
-              <a:rPr lang="en-GB" dirty="0"/>
-              <a:t> Livestock</a:t>
-            </a:r>
-          </a:p>
-          <a:p>
-            <a:pPr marL="285750" indent="-285750">
-              <a:buFontTx/>
-              <a:buChar char="-"/>
-            </a:pPr>
-            <a:r>
-              <a:rPr lang="en-GB" dirty="0">
-                <a:latin typeface="Calibri" panose="020F0502020204030204" pitchFamily="34" charset="0"/>
-                <a:cs typeface="Calibri" panose="020F0502020204030204" pitchFamily="34" charset="0"/>
-              </a:rPr>
-              <a:t>25,385</a:t>
-            </a:r>
-            <a:r>
-              <a:rPr lang="en-GB" dirty="0"/>
-              <a:t> Wildlife</a:t>
-            </a:r>
-          </a:p>
-          <a:p>
-            <a:pPr marL="285750" indent="-285750">
-              <a:buFontTx/>
-              <a:buChar char="-"/>
-            </a:pPr>
-            <a:r>
-              <a:rPr lang="en-GB" dirty="0">
-                <a:latin typeface="Calibri" panose="020F0502020204030204" pitchFamily="34" charset="0"/>
-                <a:cs typeface="Calibri" panose="020F0502020204030204" pitchFamily="34" charset="0"/>
-              </a:rPr>
-              <a:t>2,236</a:t>
-            </a:r>
-            <a:r>
-              <a:rPr lang="en-GB" dirty="0"/>
-              <a:t> Other</a:t>
-            </a:r>
-          </a:p>
-        </p:txBody>
-      </p:sp>
     </p:spTree>
     <p:extLst>
       <p:ext uri="{BB962C8B-B14F-4D97-AF65-F5344CB8AC3E}">
-        <p14:creationId xmlns:p14="http://schemas.microsoft.com/office/powerpoint/2010/main" val="137979411"/>
+        <p14:creationId xmlns:p14="http://schemas.microsoft.com/office/powerpoint/2010/main" val="3216406623"/>
       </p:ext>
     </p:extLst>
   </p:cSld>
@@ -4151,6 +5718,240 @@
       </p:grpSpPr>
       <p:sp>
         <p:nvSpPr>
+          <p:cNvPr id="2" name="Title 1">
+            <a:extLst>
+              <a:ext uri="{FF2B5EF4-FFF2-40B4-BE49-F238E27FC236}">
+                <a16:creationId xmlns:a16="http://schemas.microsoft.com/office/drawing/2014/main" id="{1C4E4204-BFE1-AEE9-B4C4-4AE705A2190E}"/>
+              </a:ext>
+            </a:extLst>
+          </p:cNvPr>
+          <p:cNvSpPr>
+            <a:spLocks noGrp="1"/>
+          </p:cNvSpPr>
+          <p:nvPr>
+            <p:ph type="title"/>
+          </p:nvPr>
+        </p:nvSpPr>
+        <p:spPr/>
+        <p:txBody>
+          <a:bodyPr/>
+          <a:lstStyle/>
+          <a:p>
+            <a:r>
+              <a:rPr lang="en-GB" dirty="0"/>
+              <a:t>Queensland</a:t>
+            </a:r>
+          </a:p>
+        </p:txBody>
+      </p:sp>
+      <p:pic>
+        <p:nvPicPr>
+          <p:cNvPr id="5" name="Picture 4">
+            <a:extLst>
+              <a:ext uri="{FF2B5EF4-FFF2-40B4-BE49-F238E27FC236}">
+                <a16:creationId xmlns:a16="http://schemas.microsoft.com/office/drawing/2014/main" id="{14CB518F-E54D-65A4-5663-F64C0FA0A2F7}"/>
+              </a:ext>
+            </a:extLst>
+          </p:cNvPr>
+          <p:cNvPicPr>
+            <a:picLocks noChangeAspect="1"/>
+          </p:cNvPicPr>
+          <p:nvPr/>
+        </p:nvPicPr>
+        <p:blipFill>
+          <a:blip r:embed="rId3">
+            <a:extLst>
+              <a:ext uri="{28A0092B-C50C-407E-A947-70E740481C1C}">
+                <a14:useLocalDpi xmlns:a14="http://schemas.microsoft.com/office/drawing/2010/main" val="0"/>
+              </a:ext>
+            </a:extLst>
+          </a:blip>
+          <a:stretch>
+            <a:fillRect/>
+          </a:stretch>
+        </p:blipFill>
+        <p:spPr>
+          <a:xfrm>
+            <a:off x="3888420" y="1814340"/>
+            <a:ext cx="7327773" cy="4522282"/>
+          </a:xfrm>
+          <a:prstGeom prst="rect">
+            <a:avLst/>
+          </a:prstGeom>
+        </p:spPr>
+      </p:pic>
+      <p:sp>
+        <p:nvSpPr>
+          <p:cNvPr id="6" name="TextBox 5">
+            <a:extLst>
+              <a:ext uri="{FF2B5EF4-FFF2-40B4-BE49-F238E27FC236}">
+                <a16:creationId xmlns:a16="http://schemas.microsoft.com/office/drawing/2014/main" id="{D5987C0D-C4E4-9F87-2809-4BCDD4298E3C}"/>
+              </a:ext>
+            </a:extLst>
+          </p:cNvPr>
+          <p:cNvSpPr txBox="1"/>
+          <p:nvPr/>
+        </p:nvSpPr>
+        <p:spPr>
+          <a:xfrm>
+            <a:off x="630722" y="2479147"/>
+            <a:ext cx="3142288" cy="2308324"/>
+          </a:xfrm>
+          <a:prstGeom prst="rect">
+            <a:avLst/>
+          </a:prstGeom>
+          <a:noFill/>
+        </p:spPr>
+        <p:txBody>
+          <a:bodyPr wrap="square" rtlCol="0">
+            <a:spAutoFit/>
+          </a:bodyPr>
+          <a:lstStyle/>
+          <a:p>
+            <a:r>
+              <a:rPr lang="en-GB" dirty="0"/>
+              <a:t>Total animals received in 2018:</a:t>
+            </a:r>
+          </a:p>
+          <a:p>
+            <a:endParaRPr lang="en-GB" dirty="0"/>
+          </a:p>
+          <a:p>
+            <a:pPr marL="285750" indent="-285750">
+              <a:buFontTx/>
+              <a:buChar char="-"/>
+            </a:pPr>
+            <a:r>
+              <a:rPr lang="en-GB" dirty="0">
+                <a:latin typeface="Calibri" panose="020F0502020204030204" pitchFamily="34" charset="0"/>
+                <a:cs typeface="Calibri" panose="020F0502020204030204" pitchFamily="34" charset="0"/>
+              </a:rPr>
+              <a:t>11,517</a:t>
+            </a:r>
+            <a:r>
+              <a:rPr lang="en-GB" dirty="0"/>
+              <a:t> Dogs</a:t>
+            </a:r>
+          </a:p>
+          <a:p>
+            <a:pPr marL="285750" indent="-285750">
+              <a:buFontTx/>
+              <a:buChar char="-"/>
+            </a:pPr>
+            <a:r>
+              <a:rPr lang="en-GB" dirty="0">
+                <a:latin typeface="Calibri" panose="020F0502020204030204" pitchFamily="34" charset="0"/>
+                <a:cs typeface="Calibri" panose="020F0502020204030204" pitchFamily="34" charset="0"/>
+              </a:rPr>
+              <a:t>13,648</a:t>
+            </a:r>
+            <a:r>
+              <a:rPr lang="en-GB" dirty="0"/>
+              <a:t> Cats</a:t>
+            </a:r>
+          </a:p>
+          <a:p>
+            <a:pPr marL="285750" indent="-285750">
+              <a:buFontTx/>
+              <a:buChar char="-"/>
+            </a:pPr>
+            <a:r>
+              <a:rPr lang="en-GB" dirty="0">
+                <a:latin typeface="Calibri" panose="020F0502020204030204" pitchFamily="34" charset="0"/>
+                <a:cs typeface="Calibri" panose="020F0502020204030204" pitchFamily="34" charset="0"/>
+              </a:rPr>
+              <a:t>125</a:t>
+            </a:r>
+            <a:r>
+              <a:rPr lang="en-GB" dirty="0"/>
+              <a:t> Horses</a:t>
+            </a:r>
+          </a:p>
+          <a:p>
+            <a:pPr marL="285750" indent="-285750">
+              <a:buFontTx/>
+              <a:buChar char="-"/>
+            </a:pPr>
+            <a:r>
+              <a:rPr lang="en-GB" dirty="0">
+                <a:latin typeface="Calibri" panose="020F0502020204030204" pitchFamily="34" charset="0"/>
+                <a:cs typeface="Calibri" panose="020F0502020204030204" pitchFamily="34" charset="0"/>
+              </a:rPr>
+              <a:t>1,597</a:t>
+            </a:r>
+            <a:r>
+              <a:rPr lang="en-GB" dirty="0"/>
+              <a:t> Livestock</a:t>
+            </a:r>
+          </a:p>
+          <a:p>
+            <a:pPr marL="285750" indent="-285750">
+              <a:buFontTx/>
+              <a:buChar char="-"/>
+            </a:pPr>
+            <a:r>
+              <a:rPr lang="en-GB" dirty="0">
+                <a:latin typeface="Calibri" panose="020F0502020204030204" pitchFamily="34" charset="0"/>
+                <a:cs typeface="Calibri" panose="020F0502020204030204" pitchFamily="34" charset="0"/>
+              </a:rPr>
+              <a:t>25,385</a:t>
+            </a:r>
+            <a:r>
+              <a:rPr lang="en-GB" dirty="0"/>
+              <a:t> Wildlife</a:t>
+            </a:r>
+          </a:p>
+          <a:p>
+            <a:pPr marL="285750" indent="-285750">
+              <a:buFontTx/>
+              <a:buChar char="-"/>
+            </a:pPr>
+            <a:r>
+              <a:rPr lang="en-GB" dirty="0">
+                <a:latin typeface="Calibri" panose="020F0502020204030204" pitchFamily="34" charset="0"/>
+                <a:cs typeface="Calibri" panose="020F0502020204030204" pitchFamily="34" charset="0"/>
+              </a:rPr>
+              <a:t>2,236</a:t>
+            </a:r>
+            <a:r>
+              <a:rPr lang="en-GB" dirty="0"/>
+              <a:t> Other</a:t>
+            </a:r>
+          </a:p>
+        </p:txBody>
+      </p:sp>
+    </p:spTree>
+    <p:extLst>
+      <p:ext uri="{BB962C8B-B14F-4D97-AF65-F5344CB8AC3E}">
+        <p14:creationId xmlns:p14="http://schemas.microsoft.com/office/powerpoint/2010/main" val="137979411"/>
+      </p:ext>
+    </p:extLst>
+  </p:cSld>
+  <p:clrMapOvr>
+    <a:masterClrMapping/>
+  </p:clrMapOvr>
+</p:sld>
+</file>
+
+<file path=ppt/slides/slide12.xml><?xml version="1.0" encoding="utf-8"?>
+<p:sld xmlns:a="http://schemas.openxmlformats.org/drawingml/2006/main" xmlns:r="http://schemas.openxmlformats.org/officeDocument/2006/relationships" xmlns:p="http://schemas.openxmlformats.org/presentationml/2006/main">
+  <p:cSld>
+    <p:spTree>
+      <p:nvGrpSpPr>
+        <p:cNvPr id="1" name=""/>
+        <p:cNvGrpSpPr/>
+        <p:nvPr/>
+      </p:nvGrpSpPr>
+      <p:grpSpPr>
+        <a:xfrm>
+          <a:off x="0" y="0"/>
+          <a:ext cx="0" cy="0"/>
+          <a:chOff x="0" y="0"/>
+          <a:chExt cx="0" cy="0"/>
+        </a:xfrm>
+      </p:grpSpPr>
+      <p:sp>
+        <p:nvSpPr>
           <p:cNvPr id="4" name="Title 1">
             <a:extLst>
               <a:ext uri="{FF2B5EF4-FFF2-40B4-BE49-F238E27FC236}">
@@ -4197,7 +5998,7 @@
           <p:nvPr/>
         </p:nvPicPr>
         <p:blipFill>
-          <a:blip r:embed="rId2">
+          <a:blip r:embed="rId3">
             <a:extLst>
               <a:ext uri="{28A0092B-C50C-407E-A947-70E740481C1C}">
                 <a14:useLocalDpi xmlns:a14="http://schemas.microsoft.com/office/drawing/2010/main" val="0"/>
@@ -4383,6 +6184,586 @@
     <p:extLst>
       <p:ext uri="{BB962C8B-B14F-4D97-AF65-F5344CB8AC3E}">
         <p14:creationId xmlns:p14="http://schemas.microsoft.com/office/powerpoint/2010/main" val="808036719"/>
+      </p:ext>
+    </p:extLst>
+  </p:cSld>
+  <p:clrMapOvr>
+    <a:masterClrMapping/>
+  </p:clrMapOvr>
+</p:sld>
+</file>
+
+<file path=ppt/slides/slide13.xml><?xml version="1.0" encoding="utf-8"?>
+<p:sld xmlns:a="http://schemas.openxmlformats.org/drawingml/2006/main" xmlns:r="http://schemas.openxmlformats.org/officeDocument/2006/relationships" xmlns:p="http://schemas.openxmlformats.org/presentationml/2006/main">
+  <p:cSld>
+    <p:spTree>
+      <p:nvGrpSpPr>
+        <p:cNvPr id="1" name=""/>
+        <p:cNvGrpSpPr/>
+        <p:nvPr/>
+      </p:nvGrpSpPr>
+      <p:grpSpPr>
+        <a:xfrm>
+          <a:off x="0" y="0"/>
+          <a:ext cx="0" cy="0"/>
+          <a:chOff x="0" y="0"/>
+          <a:chExt cx="0" cy="0"/>
+        </a:xfrm>
+      </p:grpSpPr>
+      <p:sp>
+        <p:nvSpPr>
+          <p:cNvPr id="4" name="Title 1">
+            <a:extLst>
+              <a:ext uri="{FF2B5EF4-FFF2-40B4-BE49-F238E27FC236}">
+                <a16:creationId xmlns:a16="http://schemas.microsoft.com/office/drawing/2014/main" id="{FC9C03B7-6F51-463F-9063-D67E1E9E6ACF}"/>
+              </a:ext>
+            </a:extLst>
+          </p:cNvPr>
+          <p:cNvSpPr>
+            <a:spLocks noGrp="1"/>
+          </p:cNvSpPr>
+          <p:nvPr>
+            <p:ph type="title"/>
+          </p:nvPr>
+        </p:nvSpPr>
+        <p:spPr>
+          <a:xfrm>
+            <a:off x="1143000" y="609600"/>
+            <a:ext cx="9875838" cy="1355725"/>
+          </a:xfrm>
+        </p:spPr>
+        <p:txBody>
+          <a:bodyPr/>
+          <a:lstStyle/>
+          <a:p>
+            <a:r>
+              <a:rPr lang="en-GB" dirty="0"/>
+              <a:t>Queensland</a:t>
+            </a:r>
+          </a:p>
+        </p:txBody>
+      </p:sp>
+      <p:pic>
+        <p:nvPicPr>
+          <p:cNvPr id="3" name="Picture 2">
+            <a:extLst>
+              <a:ext uri="{FF2B5EF4-FFF2-40B4-BE49-F238E27FC236}">
+                <a16:creationId xmlns:a16="http://schemas.microsoft.com/office/drawing/2014/main" id="{CD9DD605-2418-2C36-D4A8-610928357BB5}"/>
+              </a:ext>
+            </a:extLst>
+          </p:cNvPr>
+          <p:cNvPicPr>
+            <a:picLocks noChangeAspect="1"/>
+          </p:cNvPicPr>
+          <p:nvPr/>
+        </p:nvPicPr>
+        <p:blipFill>
+          <a:blip r:embed="rId3">
+            <a:extLst>
+              <a:ext uri="{28A0092B-C50C-407E-A947-70E740481C1C}">
+                <a14:useLocalDpi xmlns:a14="http://schemas.microsoft.com/office/drawing/2010/main" val="0"/>
+              </a:ext>
+            </a:extLst>
+          </a:blip>
+          <a:stretch>
+            <a:fillRect/>
+          </a:stretch>
+        </p:blipFill>
+        <p:spPr>
+          <a:xfrm>
+            <a:off x="1940685" y="1737231"/>
+            <a:ext cx="7479540" cy="4615944"/>
+          </a:xfrm>
+          <a:prstGeom prst="rect">
+            <a:avLst/>
+          </a:prstGeom>
+        </p:spPr>
+      </p:pic>
+    </p:spTree>
+    <p:extLst>
+      <p:ext uri="{BB962C8B-B14F-4D97-AF65-F5344CB8AC3E}">
+        <p14:creationId xmlns:p14="http://schemas.microsoft.com/office/powerpoint/2010/main" val="1259000526"/>
+      </p:ext>
+    </p:extLst>
+  </p:cSld>
+  <p:clrMapOvr>
+    <a:masterClrMapping/>
+  </p:clrMapOvr>
+</p:sld>
+</file>
+
+<file path=ppt/slides/slide14.xml><?xml version="1.0" encoding="utf-8"?>
+<p:sld xmlns:a="http://schemas.openxmlformats.org/drawingml/2006/main" xmlns:r="http://schemas.openxmlformats.org/officeDocument/2006/relationships" xmlns:p="http://schemas.openxmlformats.org/presentationml/2006/main">
+  <p:cSld>
+    <p:spTree>
+      <p:nvGrpSpPr>
+        <p:cNvPr id="1" name=""/>
+        <p:cNvGrpSpPr/>
+        <p:nvPr/>
+      </p:nvGrpSpPr>
+      <p:grpSpPr>
+        <a:xfrm>
+          <a:off x="0" y="0"/>
+          <a:ext cx="0" cy="0"/>
+          <a:chOff x="0" y="0"/>
+          <a:chExt cx="0" cy="0"/>
+        </a:xfrm>
+      </p:grpSpPr>
+      <p:sp>
+        <p:nvSpPr>
+          <p:cNvPr id="2" name="Title 1">
+            <a:extLst>
+              <a:ext uri="{FF2B5EF4-FFF2-40B4-BE49-F238E27FC236}">
+                <a16:creationId xmlns:a16="http://schemas.microsoft.com/office/drawing/2014/main" id="{E2B03007-01D4-7B74-0D2D-B32BB42DB414}"/>
+              </a:ext>
+            </a:extLst>
+          </p:cNvPr>
+          <p:cNvSpPr>
+            <a:spLocks noGrp="1"/>
+          </p:cNvSpPr>
+          <p:nvPr>
+            <p:ph type="title"/>
+          </p:nvPr>
+        </p:nvSpPr>
+        <p:spPr/>
+        <p:txBody>
+          <a:bodyPr/>
+          <a:lstStyle/>
+          <a:p>
+            <a:r>
+              <a:rPr lang="en-GB" dirty="0"/>
+              <a:t>Conclusions</a:t>
+            </a:r>
+          </a:p>
+        </p:txBody>
+      </p:sp>
+      <p:sp>
+        <p:nvSpPr>
+          <p:cNvPr id="4" name="TextBox 3">
+            <a:extLst>
+              <a:ext uri="{FF2B5EF4-FFF2-40B4-BE49-F238E27FC236}">
+                <a16:creationId xmlns:a16="http://schemas.microsoft.com/office/drawing/2014/main" id="{6B7EDD16-8A69-FE21-01D8-C9C98B957480}"/>
+              </a:ext>
+            </a:extLst>
+          </p:cNvPr>
+          <p:cNvSpPr txBox="1"/>
+          <p:nvPr/>
+        </p:nvSpPr>
+        <p:spPr>
+          <a:xfrm>
+            <a:off x="951945" y="1781294"/>
+            <a:ext cx="7096680" cy="923330"/>
+          </a:xfrm>
+          <a:prstGeom prst="rect">
+            <a:avLst/>
+          </a:prstGeom>
+          <a:noFill/>
+        </p:spPr>
+        <p:txBody>
+          <a:bodyPr wrap="square" rtlCol="0">
+            <a:spAutoFit/>
+          </a:bodyPr>
+          <a:lstStyle/>
+          <a:p>
+            <a:pPr marL="285750" indent="-285750">
+              <a:buFontTx/>
+              <a:buChar char="-"/>
+            </a:pPr>
+            <a:r>
+              <a:rPr lang="en-GB" dirty="0">
+                <a:latin typeface="Calibri" panose="020F0502020204030204" pitchFamily="34" charset="0"/>
+                <a:cs typeface="Calibri" panose="020F0502020204030204" pitchFamily="34" charset="0"/>
+              </a:rPr>
+              <a:t>Bit of a bummer, really</a:t>
+            </a:r>
+          </a:p>
+          <a:p>
+            <a:pPr marL="285750" indent="-285750">
+              <a:buFontTx/>
+              <a:buChar char="-"/>
+            </a:pPr>
+            <a:r>
+              <a:rPr lang="en-GB" dirty="0">
+                <a:latin typeface="Calibri" panose="020F0502020204030204" pitchFamily="34" charset="0"/>
+                <a:cs typeface="Calibri" panose="020F0502020204030204" pitchFamily="34" charset="0"/>
+              </a:rPr>
+              <a:t>Things are getting better. Much better!</a:t>
+            </a:r>
+          </a:p>
+          <a:p>
+            <a:pPr marL="285750" indent="-285750">
+              <a:buFontTx/>
+              <a:buChar char="-"/>
+            </a:pPr>
+            <a:r>
+              <a:rPr lang="en-GB" dirty="0">
+                <a:latin typeface="Calibri" panose="020F0502020204030204" pitchFamily="34" charset="0"/>
+                <a:cs typeface="Calibri" panose="020F0502020204030204" pitchFamily="34" charset="0"/>
+              </a:rPr>
+              <a:t>More of a bad outcome isn’t always a signifier of only bad things</a:t>
+            </a:r>
+          </a:p>
+        </p:txBody>
+      </p:sp>
+    </p:spTree>
+    <p:extLst>
+      <p:ext uri="{BB962C8B-B14F-4D97-AF65-F5344CB8AC3E}">
+        <p14:creationId xmlns:p14="http://schemas.microsoft.com/office/powerpoint/2010/main" val="3953791860"/>
+      </p:ext>
+    </p:extLst>
+  </p:cSld>
+  <p:clrMapOvr>
+    <a:masterClrMapping/>
+  </p:clrMapOvr>
+</p:sld>
+</file>
+
+<file path=ppt/slides/slide15.xml><?xml version="1.0" encoding="utf-8"?>
+<p:sld xmlns:a="http://schemas.openxmlformats.org/drawingml/2006/main" xmlns:r="http://schemas.openxmlformats.org/officeDocument/2006/relationships" xmlns:p="http://schemas.openxmlformats.org/presentationml/2006/main">
+  <p:cSld>
+    <p:spTree>
+      <p:nvGrpSpPr>
+        <p:cNvPr id="1" name=""/>
+        <p:cNvGrpSpPr/>
+        <p:nvPr/>
+      </p:nvGrpSpPr>
+      <p:grpSpPr>
+        <a:xfrm>
+          <a:off x="0" y="0"/>
+          <a:ext cx="0" cy="0"/>
+          <a:chOff x="0" y="0"/>
+          <a:chExt cx="0" cy="0"/>
+        </a:xfrm>
+      </p:grpSpPr>
+      <p:sp>
+        <p:nvSpPr>
+          <p:cNvPr id="2" name="Title 1">
+            <a:extLst>
+              <a:ext uri="{FF2B5EF4-FFF2-40B4-BE49-F238E27FC236}">
+                <a16:creationId xmlns:a16="http://schemas.microsoft.com/office/drawing/2014/main" id="{4E275B34-FE2B-63EF-2BC6-062B64129D7D}"/>
+              </a:ext>
+            </a:extLst>
+          </p:cNvPr>
+          <p:cNvSpPr>
+            <a:spLocks noGrp="1"/>
+          </p:cNvSpPr>
+          <p:nvPr>
+            <p:ph type="title"/>
+          </p:nvPr>
+        </p:nvSpPr>
+        <p:spPr/>
+        <p:txBody>
+          <a:bodyPr/>
+          <a:lstStyle/>
+          <a:p>
+            <a:r>
+              <a:rPr lang="en-GB" dirty="0"/>
+              <a:t>Challenges Encountered</a:t>
+            </a:r>
+          </a:p>
+        </p:txBody>
+      </p:sp>
+      <p:sp>
+        <p:nvSpPr>
+          <p:cNvPr id="4" name="TextBox 3">
+            <a:extLst>
+              <a:ext uri="{FF2B5EF4-FFF2-40B4-BE49-F238E27FC236}">
+                <a16:creationId xmlns:a16="http://schemas.microsoft.com/office/drawing/2014/main" id="{A04B1F92-D547-A0F2-861C-33C8F90E8900}"/>
+              </a:ext>
+            </a:extLst>
+          </p:cNvPr>
+          <p:cNvSpPr txBox="1"/>
+          <p:nvPr/>
+        </p:nvSpPr>
+        <p:spPr>
+          <a:xfrm>
+            <a:off x="1158240" y="1792638"/>
+            <a:ext cx="9377039" cy="1477328"/>
+          </a:xfrm>
+          <a:prstGeom prst="rect">
+            <a:avLst/>
+          </a:prstGeom>
+          <a:noFill/>
+        </p:spPr>
+        <p:txBody>
+          <a:bodyPr wrap="square" rtlCol="0">
+            <a:spAutoFit/>
+          </a:bodyPr>
+          <a:lstStyle/>
+          <a:p>
+            <a:pPr marL="285750" indent="-285750">
+              <a:buFontTx/>
+              <a:buChar char="-"/>
+            </a:pPr>
+            <a:r>
+              <a:rPr lang="en-GB" dirty="0"/>
+              <a:t>Data scraped from published PDFs rather than released as a spreadsheet or .CSV</a:t>
+            </a:r>
+          </a:p>
+          <a:p>
+            <a:r>
+              <a:rPr lang="en-GB" dirty="0">
+                <a:latin typeface="Calibri" panose="020F0502020204030204" pitchFamily="34" charset="0"/>
+                <a:cs typeface="Calibri" panose="020F0502020204030204" pitchFamily="34" charset="0"/>
+              </a:rPr>
+              <a:t>	-	Parsing errors</a:t>
+            </a:r>
+          </a:p>
+          <a:p>
+            <a:pPr marL="285750" indent="-285750">
+              <a:buFontTx/>
+              <a:buChar char="-"/>
+            </a:pPr>
+            <a:r>
+              <a:rPr lang="en-GB" dirty="0"/>
+              <a:t>I trusted the brief knew the data</a:t>
+            </a:r>
+          </a:p>
+          <a:p>
+            <a:pPr marL="285750" indent="-285750">
+              <a:buFontTx/>
+              <a:buChar char="-"/>
+            </a:pPr>
+            <a:r>
+              <a:rPr lang="en-GB" dirty="0"/>
+              <a:t>Would have liked more depth to the published statistics</a:t>
+            </a:r>
+          </a:p>
+          <a:p>
+            <a:pPr marL="285750" indent="-285750">
+              <a:buFontTx/>
+              <a:buChar char="-"/>
+            </a:pPr>
+            <a:r>
+              <a:rPr lang="en-GB" dirty="0"/>
+              <a:t>Worked on a whole set of data about a totally different topic simultaneously…</a:t>
+            </a:r>
+          </a:p>
+        </p:txBody>
+      </p:sp>
+      <p:sp>
+        <p:nvSpPr>
+          <p:cNvPr id="5" name="Title 1">
+            <a:extLst>
+              <a:ext uri="{FF2B5EF4-FFF2-40B4-BE49-F238E27FC236}">
+                <a16:creationId xmlns:a16="http://schemas.microsoft.com/office/drawing/2014/main" id="{21D9A14E-6FD5-8B79-7119-C4B20176EA03}"/>
+              </a:ext>
+            </a:extLst>
+          </p:cNvPr>
+          <p:cNvSpPr txBox="1">
+            <a:spLocks/>
+          </p:cNvSpPr>
+          <p:nvPr/>
+        </p:nvSpPr>
+        <p:spPr>
+          <a:xfrm>
+            <a:off x="1158240" y="3318769"/>
+            <a:ext cx="9875520" cy="1356360"/>
+          </a:xfrm>
+          <a:prstGeom prst="rect">
+            <a:avLst/>
+          </a:prstGeom>
+        </p:spPr>
+        <p:txBody>
+          <a:bodyPr vert="horz" lIns="91440" tIns="45720" rIns="91440" bIns="45720" rtlCol="0" anchor="ctr">
+            <a:normAutofit/>
+          </a:bodyPr>
+          <a:lstStyle>
+            <a:lvl1pPr algn="l" defTabSz="914400" rtl="0" eaLnBrk="1" latinLnBrk="0" hangingPunct="1">
+              <a:lnSpc>
+                <a:spcPct val="90000"/>
+              </a:lnSpc>
+              <a:spcBef>
+                <a:spcPct val="0"/>
+              </a:spcBef>
+              <a:buNone/>
+              <a:defRPr sz="4400" kern="1200">
+                <a:solidFill>
+                  <a:schemeClr val="accent1"/>
+                </a:solidFill>
+                <a:latin typeface="+mj-lt"/>
+                <a:ea typeface="+mj-ea"/>
+                <a:cs typeface="+mj-cs"/>
+              </a:defRPr>
+            </a:lvl1pPr>
+          </a:lstStyle>
+          <a:p>
+            <a:r>
+              <a:rPr lang="en-GB" dirty="0"/>
+              <a:t>What Next?</a:t>
+            </a:r>
+          </a:p>
+        </p:txBody>
+      </p:sp>
+      <p:sp>
+        <p:nvSpPr>
+          <p:cNvPr id="6" name="TextBox 5">
+            <a:extLst>
+              <a:ext uri="{FF2B5EF4-FFF2-40B4-BE49-F238E27FC236}">
+                <a16:creationId xmlns:a16="http://schemas.microsoft.com/office/drawing/2014/main" id="{29C5AD5B-58B0-4DC6-72AF-CF9C76ABF6D0}"/>
+              </a:ext>
+            </a:extLst>
+          </p:cNvPr>
+          <p:cNvSpPr txBox="1"/>
+          <p:nvPr/>
+        </p:nvSpPr>
+        <p:spPr>
+          <a:xfrm>
+            <a:off x="1143000" y="4573973"/>
+            <a:ext cx="9377039" cy="923330"/>
+          </a:xfrm>
+          <a:prstGeom prst="rect">
+            <a:avLst/>
+          </a:prstGeom>
+          <a:noFill/>
+        </p:spPr>
+        <p:txBody>
+          <a:bodyPr wrap="square" rtlCol="0">
+            <a:spAutoFit/>
+          </a:bodyPr>
+          <a:lstStyle/>
+          <a:p>
+            <a:pPr marL="285750" indent="-285750">
+              <a:buFontTx/>
+              <a:buChar char="-"/>
+            </a:pPr>
+            <a:r>
+              <a:rPr lang="en-GB" dirty="0">
+                <a:latin typeface="Calibri" panose="020F0502020204030204" pitchFamily="34" charset="0"/>
+                <a:cs typeface="Calibri" panose="020F0502020204030204" pitchFamily="34" charset="0"/>
+              </a:rPr>
+              <a:t>Integrate more data</a:t>
+            </a:r>
+          </a:p>
+          <a:p>
+            <a:r>
+              <a:rPr lang="en-GB" dirty="0">
+                <a:latin typeface="Calibri" panose="020F0502020204030204" pitchFamily="34" charset="0"/>
+                <a:cs typeface="Calibri" panose="020F0502020204030204" pitchFamily="34" charset="0"/>
+              </a:rPr>
+              <a:t>	- Euthanasia reasons</a:t>
+            </a:r>
+          </a:p>
+          <a:p>
+            <a:r>
+              <a:rPr lang="en-GB" dirty="0">
+                <a:latin typeface="Calibri" panose="020F0502020204030204" pitchFamily="34" charset="0"/>
+                <a:cs typeface="Calibri" panose="020F0502020204030204" pitchFamily="34" charset="0"/>
+              </a:rPr>
+              <a:t>	- Cruelty complaints and prosecutions</a:t>
+            </a:r>
+          </a:p>
+        </p:txBody>
+      </p:sp>
+    </p:spTree>
+    <p:extLst>
+      <p:ext uri="{BB962C8B-B14F-4D97-AF65-F5344CB8AC3E}">
+        <p14:creationId xmlns:p14="http://schemas.microsoft.com/office/powerpoint/2010/main" val="812653968"/>
+      </p:ext>
+    </p:extLst>
+  </p:cSld>
+  <p:clrMapOvr>
+    <a:masterClrMapping/>
+  </p:clrMapOvr>
+</p:sld>
+</file>
+
+<file path=ppt/slides/slide16.xml><?xml version="1.0" encoding="utf-8"?>
+<p:sld xmlns:a="http://schemas.openxmlformats.org/drawingml/2006/main" xmlns:r="http://schemas.openxmlformats.org/officeDocument/2006/relationships" xmlns:p="http://schemas.openxmlformats.org/presentationml/2006/main">
+  <p:cSld>
+    <p:spTree>
+      <p:nvGrpSpPr>
+        <p:cNvPr id="1" name=""/>
+        <p:cNvGrpSpPr/>
+        <p:nvPr/>
+      </p:nvGrpSpPr>
+      <p:grpSpPr>
+        <a:xfrm>
+          <a:off x="0" y="0"/>
+          <a:ext cx="0" cy="0"/>
+          <a:chOff x="0" y="0"/>
+          <a:chExt cx="0" cy="0"/>
+        </a:xfrm>
+      </p:grpSpPr>
+      <p:sp>
+        <p:nvSpPr>
+          <p:cNvPr id="2" name="Title 1">
+            <a:extLst>
+              <a:ext uri="{FF2B5EF4-FFF2-40B4-BE49-F238E27FC236}">
+                <a16:creationId xmlns:a16="http://schemas.microsoft.com/office/drawing/2014/main" id="{3D611A4D-F0B2-2BD7-CB26-31EE99442DED}"/>
+              </a:ext>
+            </a:extLst>
+          </p:cNvPr>
+          <p:cNvSpPr>
+            <a:spLocks noGrp="1"/>
+          </p:cNvSpPr>
+          <p:nvPr>
+            <p:ph type="title"/>
+          </p:nvPr>
+        </p:nvSpPr>
+        <p:spPr/>
+        <p:txBody>
+          <a:bodyPr/>
+          <a:lstStyle/>
+          <a:p>
+            <a:r>
+              <a:rPr lang="en-GB" dirty="0"/>
+              <a:t>Questions?</a:t>
+            </a:r>
+          </a:p>
+        </p:txBody>
+      </p:sp>
+      <p:pic>
+        <p:nvPicPr>
+          <p:cNvPr id="1026" name="Picture 2" descr="50 Cute Puppy Pictures That You Need to See — Puppy Pictures ...">
+            <a:extLst>
+              <a:ext uri="{FF2B5EF4-FFF2-40B4-BE49-F238E27FC236}">
+                <a16:creationId xmlns:a16="http://schemas.microsoft.com/office/drawing/2014/main" id="{1A1C97E6-2416-40CB-A5B8-70F8C23AC370}"/>
+              </a:ext>
+            </a:extLst>
+          </p:cNvPr>
+          <p:cNvPicPr>
+            <a:picLocks noChangeAspect="1" noChangeArrowheads="1"/>
+          </p:cNvPicPr>
+          <p:nvPr/>
+        </p:nvPicPr>
+        <p:blipFill>
+          <a:blip r:embed="rId2">
+            <a:extLst>
+              <a:ext uri="{28A0092B-C50C-407E-A947-70E740481C1C}">
+                <a14:useLocalDpi xmlns:a14="http://schemas.microsoft.com/office/drawing/2010/main" val="0"/>
+              </a:ext>
+            </a:extLst>
+          </a:blip>
+          <a:srcRect/>
+          <a:stretch>
+            <a:fillRect/>
+          </a:stretch>
+        </p:blipFill>
+        <p:spPr bwMode="auto">
+          <a:xfrm>
+            <a:off x="2861310" y="1965960"/>
+            <a:ext cx="5987415" cy="3994461"/>
+          </a:xfrm>
+          <a:prstGeom prst="rect">
+            <a:avLst/>
+          </a:prstGeom>
+          <a:noFill/>
+          <a:extLst>
+            <a:ext uri="{909E8E84-426E-40DD-AFC4-6F175D3DCCD1}">
+              <a14:hiddenFill xmlns:a14="http://schemas.microsoft.com/office/drawing/2010/main">
+                <a:solidFill>
+                  <a:srgbClr val="FFFFFF"/>
+                </a:solidFill>
+              </a14:hiddenFill>
+            </a:ext>
+          </a:extLst>
+        </p:spPr>
+      </p:pic>
+    </p:spTree>
+    <p:extLst>
+      <p:ext uri="{BB962C8B-B14F-4D97-AF65-F5344CB8AC3E}">
+        <p14:creationId xmlns:p14="http://schemas.microsoft.com/office/powerpoint/2010/main" val="3987943980"/>
       </p:ext>
     </p:extLst>
   </p:cSld>
@@ -4424,7 +6805,7 @@
           <p:nvPr/>
         </p:nvPicPr>
         <p:blipFill>
-          <a:blip r:embed="rId2">
+          <a:blip r:embed="rId3">
             <a:extLst>
               <a:ext uri="{28A0092B-C50C-407E-A947-70E740481C1C}">
                 <a14:useLocalDpi xmlns:a14="http://schemas.microsoft.com/office/drawing/2010/main" val="0"/>
@@ -4456,6 +6837,319 @@
           </a:extLst>
         </p:spPr>
       </p:pic>
+      <p:sp>
+        <p:nvSpPr>
+          <p:cNvPr id="2" name="TextBox 1">
+            <a:extLst>
+              <a:ext uri="{FF2B5EF4-FFF2-40B4-BE49-F238E27FC236}">
+                <a16:creationId xmlns:a16="http://schemas.microsoft.com/office/drawing/2014/main" id="{1DA9791F-6D7A-9503-A513-C06FDDDF6C7A}"/>
+              </a:ext>
+            </a:extLst>
+          </p:cNvPr>
+          <p:cNvSpPr txBox="1"/>
+          <p:nvPr/>
+        </p:nvSpPr>
+        <p:spPr>
+          <a:xfrm>
+            <a:off x="443880" y="2017398"/>
+            <a:ext cx="4057096" cy="4247317"/>
+          </a:xfrm>
+          <a:prstGeom prst="rect">
+            <a:avLst/>
+          </a:prstGeom>
+          <a:noFill/>
+        </p:spPr>
+        <p:txBody>
+          <a:bodyPr wrap="square" rtlCol="0">
+            <a:spAutoFit/>
+          </a:bodyPr>
+          <a:lstStyle/>
+          <a:p>
+            <a:pPr marL="285750" indent="-285750">
+              <a:buFontTx/>
+              <a:buChar char="-"/>
+            </a:pPr>
+            <a:r>
+              <a:rPr lang="en-GB" dirty="0"/>
+              <a:t>Established </a:t>
+            </a:r>
+            <a:r>
+              <a:rPr lang="en-GB" dirty="0">
+                <a:latin typeface="Calibri" panose="020F0502020204030204" pitchFamily="34" charset="0"/>
+                <a:cs typeface="Calibri" panose="020F0502020204030204" pitchFamily="34" charset="0"/>
+              </a:rPr>
+              <a:t>1981</a:t>
+            </a:r>
+          </a:p>
+          <a:p>
+            <a:pPr marL="285750" indent="-285750">
+              <a:buFontTx/>
+              <a:buChar char="-"/>
+            </a:pPr>
+            <a:endParaRPr lang="en-GB" dirty="0">
+              <a:latin typeface="Calibri" panose="020F0502020204030204" pitchFamily="34" charset="0"/>
+              <a:cs typeface="Calibri" panose="020F0502020204030204" pitchFamily="34" charset="0"/>
+            </a:endParaRPr>
+          </a:p>
+          <a:p>
+            <a:pPr marL="285750" indent="-285750">
+              <a:buFontTx/>
+              <a:buChar char="-"/>
+            </a:pPr>
+            <a:endParaRPr lang="en-GB" dirty="0">
+              <a:latin typeface="Calibri" panose="020F0502020204030204" pitchFamily="34" charset="0"/>
+              <a:cs typeface="Calibri" panose="020F0502020204030204" pitchFamily="34" charset="0"/>
+            </a:endParaRPr>
+          </a:p>
+          <a:p>
+            <a:pPr marL="285750" indent="-285750">
+              <a:buFontTx/>
+              <a:buChar char="-"/>
+            </a:pPr>
+            <a:r>
+              <a:rPr lang="en-GB" dirty="0"/>
+              <a:t>Unifying body for state societies that go back to the </a:t>
+            </a:r>
+            <a:r>
+              <a:rPr lang="en-GB" dirty="0">
+                <a:latin typeface="Calibri" panose="020F0502020204030204" pitchFamily="34" charset="0"/>
+                <a:cs typeface="Calibri" panose="020F0502020204030204" pitchFamily="34" charset="0"/>
+              </a:rPr>
+              <a:t>1870s</a:t>
+            </a:r>
+            <a:r>
+              <a:rPr lang="en-GB" dirty="0"/>
+              <a:t> </a:t>
+            </a:r>
+          </a:p>
+          <a:p>
+            <a:pPr marL="285750" indent="-285750">
+              <a:buFontTx/>
+              <a:buChar char="-"/>
+            </a:pPr>
+            <a:endParaRPr lang="en-GB" dirty="0"/>
+          </a:p>
+          <a:p>
+            <a:pPr marL="285750" indent="-285750">
+              <a:buFontTx/>
+              <a:buChar char="-"/>
+            </a:pPr>
+            <a:r>
+              <a:rPr lang="en-GB" dirty="0"/>
+              <a:t>8 constituents:</a:t>
+            </a:r>
+          </a:p>
+          <a:p>
+            <a:pPr marL="742950" lvl="1" indent="-285750">
+              <a:buFontTx/>
+              <a:buChar char="-"/>
+            </a:pPr>
+            <a:r>
+              <a:rPr lang="en-GB" dirty="0"/>
+              <a:t>Victoria</a:t>
+            </a:r>
+          </a:p>
+          <a:p>
+            <a:pPr marL="742950" lvl="1" indent="-285750">
+              <a:buFontTx/>
+              <a:buChar char="-"/>
+            </a:pPr>
+            <a:r>
+              <a:rPr lang="en-GB" dirty="0"/>
+              <a:t>New South Wales</a:t>
+            </a:r>
+          </a:p>
+          <a:p>
+            <a:pPr marL="742950" lvl="1" indent="-285750">
+              <a:buFontTx/>
+              <a:buChar char="-"/>
+            </a:pPr>
+            <a:r>
+              <a:rPr lang="en-GB" dirty="0"/>
+              <a:t>Queensland</a:t>
+            </a:r>
+          </a:p>
+          <a:p>
+            <a:pPr marL="742950" lvl="1" indent="-285750">
+              <a:buFontTx/>
+              <a:buChar char="-"/>
+            </a:pPr>
+            <a:r>
+              <a:rPr lang="en-GB" dirty="0"/>
+              <a:t>Tasmania</a:t>
+            </a:r>
+          </a:p>
+          <a:p>
+            <a:pPr marL="742950" lvl="1" indent="-285750">
+              <a:buFontTx/>
+              <a:buChar char="-"/>
+            </a:pPr>
+            <a:r>
+              <a:rPr lang="en-GB" dirty="0"/>
+              <a:t>South Australia</a:t>
+            </a:r>
+          </a:p>
+          <a:p>
+            <a:pPr marL="742950" lvl="1" indent="-285750">
+              <a:buFontTx/>
+              <a:buChar char="-"/>
+            </a:pPr>
+            <a:r>
+              <a:rPr lang="en-GB" dirty="0"/>
+              <a:t>Western Australia</a:t>
+            </a:r>
+          </a:p>
+          <a:p>
+            <a:pPr marL="742950" lvl="1" indent="-285750">
+              <a:buFontTx/>
+              <a:buChar char="-"/>
+            </a:pPr>
+            <a:r>
+              <a:rPr lang="en-GB" dirty="0"/>
+              <a:t>Darwin</a:t>
+            </a:r>
+          </a:p>
+          <a:p>
+            <a:pPr marL="742950" lvl="1" indent="-285750">
+              <a:buFontTx/>
+              <a:buChar char="-"/>
+            </a:pPr>
+            <a:r>
+              <a:rPr lang="en-GB" dirty="0"/>
+              <a:t>Capital Territory (ACT)</a:t>
+            </a:r>
+          </a:p>
+        </p:txBody>
+      </p:sp>
+      <p:sp>
+        <p:nvSpPr>
+          <p:cNvPr id="3" name="TextBox 2">
+            <a:extLst>
+              <a:ext uri="{FF2B5EF4-FFF2-40B4-BE49-F238E27FC236}">
+                <a16:creationId xmlns:a16="http://schemas.microsoft.com/office/drawing/2014/main" id="{AC18B42E-A473-20C3-F2C6-8AAFAB67C82A}"/>
+              </a:ext>
+            </a:extLst>
+          </p:cNvPr>
+          <p:cNvSpPr txBox="1"/>
+          <p:nvPr/>
+        </p:nvSpPr>
+        <p:spPr>
+          <a:xfrm>
+            <a:off x="6664911" y="2467992"/>
+            <a:ext cx="3133817" cy="2862322"/>
+          </a:xfrm>
+          <a:prstGeom prst="rect">
+            <a:avLst/>
+          </a:prstGeom>
+          <a:noFill/>
+        </p:spPr>
+        <p:txBody>
+          <a:bodyPr wrap="square" rtlCol="0">
+            <a:spAutoFit/>
+          </a:bodyPr>
+          <a:lstStyle/>
+          <a:p>
+            <a:r>
+              <a:rPr lang="en-GB" dirty="0"/>
+              <a:t>Services and Shelters</a:t>
+            </a:r>
+          </a:p>
+          <a:p>
+            <a:pPr marL="285750" indent="-285750">
+              <a:buFontTx/>
+              <a:buChar char="-"/>
+            </a:pPr>
+            <a:r>
+              <a:rPr lang="en-GB" dirty="0"/>
+              <a:t>Rescue and rehabilitation</a:t>
+            </a:r>
+          </a:p>
+          <a:p>
+            <a:endParaRPr lang="en-GB" dirty="0"/>
+          </a:p>
+          <a:p>
+            <a:r>
+              <a:rPr lang="en-GB" dirty="0"/>
+              <a:t>Advocacy</a:t>
+            </a:r>
+          </a:p>
+          <a:p>
+            <a:pPr marL="285750" indent="-285750">
+              <a:buFontTx/>
+              <a:buChar char="-"/>
+            </a:pPr>
+            <a:r>
+              <a:rPr lang="en-GB" dirty="0"/>
+              <a:t>Animal welfare lobbying</a:t>
+            </a:r>
+          </a:p>
+          <a:p>
+            <a:endParaRPr lang="en-GB" dirty="0"/>
+          </a:p>
+          <a:p>
+            <a:r>
+              <a:rPr lang="en-GB" dirty="0"/>
+              <a:t>Law Enforcement</a:t>
+            </a:r>
+          </a:p>
+          <a:p>
+            <a:pPr marL="285750" indent="-285750">
+              <a:buFontTx/>
+              <a:buChar char="-"/>
+            </a:pPr>
+            <a:r>
+              <a:rPr lang="en-GB" dirty="0"/>
+              <a:t>Fines</a:t>
+            </a:r>
+          </a:p>
+          <a:p>
+            <a:pPr marL="285750" indent="-285750">
+              <a:buFontTx/>
+              <a:buChar char="-"/>
+            </a:pPr>
+            <a:r>
+              <a:rPr lang="en-GB" dirty="0"/>
+              <a:t>Prosecutions</a:t>
+            </a:r>
+          </a:p>
+          <a:p>
+            <a:endParaRPr lang="en-GB" dirty="0"/>
+          </a:p>
+        </p:txBody>
+      </p:sp>
+      <p:sp>
+        <p:nvSpPr>
+          <p:cNvPr id="5" name="Title 1">
+            <a:extLst>
+              <a:ext uri="{FF2B5EF4-FFF2-40B4-BE49-F238E27FC236}">
+                <a16:creationId xmlns:a16="http://schemas.microsoft.com/office/drawing/2014/main" id="{5D241572-F8BE-29C1-7165-E2AD6EA273BB}"/>
+              </a:ext>
+            </a:extLst>
+          </p:cNvPr>
+          <p:cNvSpPr>
+            <a:spLocks noGrp="1"/>
+          </p:cNvSpPr>
+          <p:nvPr>
+            <p:ph type="title"/>
+          </p:nvPr>
+        </p:nvSpPr>
+        <p:spPr>
+          <a:xfrm>
+            <a:off x="6540623" y="511388"/>
+            <a:ext cx="3517778" cy="1619252"/>
+          </a:xfrm>
+        </p:spPr>
+        <p:txBody>
+          <a:bodyPr/>
+          <a:lstStyle/>
+          <a:p>
+            <a:r>
+              <a:rPr lang="en-GB" dirty="0"/>
+              <a:t>What they do</a:t>
+            </a:r>
+          </a:p>
+        </p:txBody>
+      </p:sp>
     </p:spTree>
     <p:extLst>
       <p:ext uri="{BB962C8B-B14F-4D97-AF65-F5344CB8AC3E}">
@@ -4470,6 +7164,144 @@
 </file>
 
 <file path=ppt/slides/slide3.xml><?xml version="1.0" encoding="utf-8"?>
+<p:sld xmlns:a="http://schemas.openxmlformats.org/drawingml/2006/main" xmlns:r="http://schemas.openxmlformats.org/officeDocument/2006/relationships" xmlns:p="http://schemas.openxmlformats.org/presentationml/2006/main">
+  <p:cSld>
+    <p:spTree>
+      <p:nvGrpSpPr>
+        <p:cNvPr id="1" name=""/>
+        <p:cNvGrpSpPr/>
+        <p:nvPr/>
+      </p:nvGrpSpPr>
+      <p:grpSpPr>
+        <a:xfrm>
+          <a:off x="0" y="0"/>
+          <a:ext cx="0" cy="0"/>
+          <a:chOff x="0" y="0"/>
+          <a:chExt cx="0" cy="0"/>
+        </a:xfrm>
+      </p:grpSpPr>
+      <p:sp>
+        <p:nvSpPr>
+          <p:cNvPr id="2" name="Title 1">
+            <a:extLst>
+              <a:ext uri="{FF2B5EF4-FFF2-40B4-BE49-F238E27FC236}">
+                <a16:creationId xmlns:a16="http://schemas.microsoft.com/office/drawing/2014/main" id="{D3D79B77-8015-8944-87A7-8DC63EDC14C7}"/>
+              </a:ext>
+            </a:extLst>
+          </p:cNvPr>
+          <p:cNvSpPr>
+            <a:spLocks noGrp="1"/>
+          </p:cNvSpPr>
+          <p:nvPr>
+            <p:ph type="title"/>
+          </p:nvPr>
+        </p:nvSpPr>
+        <p:spPr/>
+        <p:txBody>
+          <a:bodyPr/>
+          <a:lstStyle/>
+          <a:p>
+            <a:r>
+              <a:rPr lang="en-GB" dirty="0"/>
+              <a:t>What are we looking at?</a:t>
+            </a:r>
+          </a:p>
+        </p:txBody>
+      </p:sp>
+      <p:sp>
+        <p:nvSpPr>
+          <p:cNvPr id="4" name="TextBox 3">
+            <a:extLst>
+              <a:ext uri="{FF2B5EF4-FFF2-40B4-BE49-F238E27FC236}">
+                <a16:creationId xmlns:a16="http://schemas.microsoft.com/office/drawing/2014/main" id="{5C239B89-347E-3EEA-318C-60FB9EC87DD8}"/>
+              </a:ext>
+            </a:extLst>
+          </p:cNvPr>
+          <p:cNvSpPr txBox="1"/>
+          <p:nvPr/>
+        </p:nvSpPr>
+        <p:spPr>
+          <a:xfrm>
+            <a:off x="1143000" y="2587397"/>
+            <a:ext cx="6607207" cy="1477328"/>
+          </a:xfrm>
+          <a:prstGeom prst="rect">
+            <a:avLst/>
+          </a:prstGeom>
+          <a:noFill/>
+        </p:spPr>
+        <p:txBody>
+          <a:bodyPr wrap="square" rtlCol="0">
+            <a:spAutoFit/>
+          </a:bodyPr>
+          <a:lstStyle/>
+          <a:p>
+            <a:pPr marL="285750" indent="-285750">
+              <a:buFontTx/>
+              <a:buChar char="-"/>
+            </a:pPr>
+            <a:r>
+              <a:rPr lang="en-GB" dirty="0"/>
+              <a:t>What animals are being cared for?</a:t>
+            </a:r>
+            <a:endParaRPr lang="en-GB" dirty="0">
+              <a:latin typeface="Calibri" panose="020F0502020204030204" pitchFamily="34" charset="0"/>
+              <a:cs typeface="Calibri" panose="020F0502020204030204" pitchFamily="34" charset="0"/>
+            </a:endParaRPr>
+          </a:p>
+          <a:p>
+            <a:pPr marL="285750" indent="-285750">
+              <a:buFontTx/>
+              <a:buChar char="-"/>
+            </a:pPr>
+            <a:endParaRPr lang="en-GB" dirty="0">
+              <a:latin typeface="Calibri" panose="020F0502020204030204" pitchFamily="34" charset="0"/>
+              <a:cs typeface="Calibri" panose="020F0502020204030204" pitchFamily="34" charset="0"/>
+            </a:endParaRPr>
+          </a:p>
+          <a:p>
+            <a:pPr marL="285750" indent="-285750">
+              <a:buFontTx/>
+              <a:buChar char="-"/>
+            </a:pPr>
+            <a:r>
+              <a:rPr lang="en-GB" dirty="0"/>
+              <a:t>What outcomes can be expected from their care?</a:t>
+            </a:r>
+          </a:p>
+          <a:p>
+            <a:pPr marL="285750" indent="-285750">
+              <a:buFontTx/>
+              <a:buChar char="-"/>
+            </a:pPr>
+            <a:endParaRPr lang="en-GB" dirty="0"/>
+          </a:p>
+          <a:p>
+            <a:pPr marL="285750" indent="-285750">
+              <a:buFontTx/>
+              <a:buChar char="-"/>
+            </a:pPr>
+            <a:r>
+              <a:rPr lang="en-GB" dirty="0"/>
+              <a:t>How is this changing?</a:t>
+            </a:r>
+          </a:p>
+        </p:txBody>
+      </p:sp>
+    </p:spTree>
+    <p:extLst>
+      <p:ext uri="{BB962C8B-B14F-4D97-AF65-F5344CB8AC3E}">
+        <p14:creationId xmlns:p14="http://schemas.microsoft.com/office/powerpoint/2010/main" val="4000116586"/>
+      </p:ext>
+    </p:extLst>
+  </p:cSld>
+  <p:clrMapOvr>
+    <a:masterClrMapping/>
+  </p:clrMapOvr>
+</p:sld>
+</file>
+
+<file path=ppt/slides/slide4.xml><?xml version="1.0" encoding="utf-8"?>
 <p:sld xmlns:a="http://schemas.openxmlformats.org/drawingml/2006/main" xmlns:r="http://schemas.openxmlformats.org/officeDocument/2006/relationships" xmlns:p="http://schemas.openxmlformats.org/presentationml/2006/main">
   <p:cSld>
     <p:spTree>
@@ -4501,7 +7333,7 @@
           <p:nvPr/>
         </p:nvPicPr>
         <p:blipFill>
-          <a:blip r:embed="rId2">
+          <a:blip r:embed="rId3">
             <a:extLst>
               <a:ext uri="{28A0092B-C50C-407E-A947-70E740481C1C}">
                 <a14:useLocalDpi xmlns:a14="http://schemas.microsoft.com/office/drawing/2010/main" val="0"/>
@@ -4926,7 +7758,7 @@
 </p:sld>
 </file>
 
-<file path=ppt/slides/slide4.xml><?xml version="1.0" encoding="utf-8"?>
+<file path=ppt/slides/slide5.xml><?xml version="1.0" encoding="utf-8"?>
 <p:sld xmlns:a="http://schemas.openxmlformats.org/drawingml/2006/main" xmlns:r="http://schemas.openxmlformats.org/officeDocument/2006/relationships" xmlns:p="http://schemas.openxmlformats.org/presentationml/2006/main">
   <p:cSld>
     <p:spTree>
@@ -5031,7 +7863,7 @@
           <p:nvPr/>
         </p:nvPicPr>
         <p:blipFill>
-          <a:blip r:embed="rId2">
+          <a:blip r:embed="rId3">
             <a:extLst>
               <a:ext uri="{28A0092B-C50C-407E-A947-70E740481C1C}">
                 <a14:useLocalDpi xmlns:a14="http://schemas.microsoft.com/office/drawing/2010/main" val="0"/>
@@ -5065,7 +7897,7 @@
 </p:sld>
 </file>
 
-<file path=ppt/slides/slide5.xml><?xml version="1.0" encoding="utf-8"?>
+<file path=ppt/slides/slide6.xml><?xml version="1.0" encoding="utf-8"?>
 <p:sld xmlns:a="http://schemas.openxmlformats.org/drawingml/2006/main" xmlns:r="http://schemas.openxmlformats.org/officeDocument/2006/relationships" xmlns:p="http://schemas.openxmlformats.org/presentationml/2006/main">
   <p:cSld>
     <p:spTree>
@@ -5116,42 +7948,6 @@
             <a:extLst>
               <a:ext uri="{FF2B5EF4-FFF2-40B4-BE49-F238E27FC236}">
                 <a16:creationId xmlns:a16="http://schemas.microsoft.com/office/drawing/2014/main" id="{D5D11221-4F1D-59F6-36F5-5E9B13FDCAA6}"/>
-              </a:ext>
-            </a:extLst>
-          </p:cNvPr>
-          <p:cNvPicPr>
-            <a:picLocks noChangeAspect="1"/>
-          </p:cNvPicPr>
-          <p:nvPr/>
-        </p:nvPicPr>
-        <p:blipFill>
-          <a:blip r:embed="rId2">
-            <a:extLst>
-              <a:ext uri="{28A0092B-C50C-407E-A947-70E740481C1C}">
-                <a14:useLocalDpi xmlns:a14="http://schemas.microsoft.com/office/drawing/2010/main" val="0"/>
-              </a:ext>
-            </a:extLst>
-          </a:blip>
-          <a:stretch>
-            <a:fillRect/>
-          </a:stretch>
-        </p:blipFill>
-        <p:spPr>
-          <a:xfrm>
-            <a:off x="472695" y="2143099"/>
-            <a:ext cx="5648472" cy="3485914"/>
-          </a:xfrm>
-          <a:prstGeom prst="rect">
-            <a:avLst/>
-          </a:prstGeom>
-        </p:spPr>
-      </p:pic>
-      <p:pic>
-        <p:nvPicPr>
-          <p:cNvPr id="5" name="Picture 4">
-            <a:extLst>
-              <a:ext uri="{FF2B5EF4-FFF2-40B4-BE49-F238E27FC236}">
-                <a16:creationId xmlns:a16="http://schemas.microsoft.com/office/drawing/2014/main" id="{65288AFA-CE70-2656-2EB8-C2BC3B92551B}"/>
               </a:ext>
             </a:extLst>
           </p:cNvPr>
@@ -5174,78 +7970,20 @@
         </p:blipFill>
         <p:spPr>
           <a:xfrm>
-            <a:off x="5868660" y="2143099"/>
-            <a:ext cx="5648472" cy="3485914"/>
+            <a:off x="543716" y="2143099"/>
+            <a:ext cx="5317986" cy="3485914"/>
           </a:xfrm>
           <a:prstGeom prst="rect">
             <a:avLst/>
           </a:prstGeom>
         </p:spPr>
       </p:pic>
-    </p:spTree>
-    <p:extLst>
-      <p:ext uri="{BB962C8B-B14F-4D97-AF65-F5344CB8AC3E}">
-        <p14:creationId xmlns:p14="http://schemas.microsoft.com/office/powerpoint/2010/main" val="2344971949"/>
-      </p:ext>
-    </p:extLst>
-  </p:cSld>
-  <p:clrMapOvr>
-    <a:masterClrMapping/>
-  </p:clrMapOvr>
-</p:sld>
-</file>
-
-<file path=ppt/slides/slide6.xml><?xml version="1.0" encoding="utf-8"?>
-<p:sld xmlns:a="http://schemas.openxmlformats.org/drawingml/2006/main" xmlns:r="http://schemas.openxmlformats.org/officeDocument/2006/relationships" xmlns:p="http://schemas.openxmlformats.org/presentationml/2006/main">
-  <p:cSld>
-    <p:spTree>
-      <p:nvGrpSpPr>
-        <p:cNvPr id="1" name=""/>
-        <p:cNvGrpSpPr/>
-        <p:nvPr/>
-      </p:nvGrpSpPr>
-      <p:grpSpPr>
-        <a:xfrm>
-          <a:off x="0" y="0"/>
-          <a:ext cx="0" cy="0"/>
-          <a:chOff x="0" y="0"/>
-          <a:chExt cx="0" cy="0"/>
-        </a:xfrm>
-      </p:grpSpPr>
-      <p:sp>
-        <p:nvSpPr>
-          <p:cNvPr id="2" name="Title 1">
+      <p:pic>
+        <p:nvPicPr>
+          <p:cNvPr id="5" name="Picture 4">
             <a:extLst>
               <a:ext uri="{FF2B5EF4-FFF2-40B4-BE49-F238E27FC236}">
-                <a16:creationId xmlns:a16="http://schemas.microsoft.com/office/drawing/2014/main" id="{F1F62BDF-4EFC-8F01-093E-6CBFD8683509}"/>
-              </a:ext>
-            </a:extLst>
-          </p:cNvPr>
-          <p:cNvSpPr>
-            <a:spLocks noGrp="1"/>
-          </p:cNvSpPr>
-          <p:nvPr>
-            <p:ph type="title"/>
-          </p:nvPr>
-        </p:nvSpPr>
-        <p:spPr/>
-        <p:txBody>
-          <a:bodyPr/>
-          <a:lstStyle/>
-          <a:p>
-            <a:r>
-              <a:rPr lang="en-GB" dirty="0"/>
-              <a:t>Outcomes – Wildlife</a:t>
-            </a:r>
-          </a:p>
-        </p:txBody>
-      </p:sp>
-      <p:pic>
-        <p:nvPicPr>
-          <p:cNvPr id="4" name="Picture 3">
-            <a:extLst>
-              <a:ext uri="{FF2B5EF4-FFF2-40B4-BE49-F238E27FC236}">
-                <a16:creationId xmlns:a16="http://schemas.microsoft.com/office/drawing/2014/main" id="{20DAA8B6-4A0B-68C1-AF63-EA92A88E0C02}"/>
+                <a16:creationId xmlns:a16="http://schemas.microsoft.com/office/drawing/2014/main" id="{65288AFA-CE70-2656-2EB8-C2BC3B92551B}"/>
               </a:ext>
             </a:extLst>
           </p:cNvPr>
@@ -5255,7 +7993,7 @@
           <p:nvPr/>
         </p:nvPicPr>
         <p:blipFill>
-          <a:blip r:embed="rId2">
+          <a:blip r:embed="rId4">
             <a:extLst>
               <a:ext uri="{28A0092B-C50C-407E-A947-70E740481C1C}">
                 <a14:useLocalDpi xmlns:a14="http://schemas.microsoft.com/office/drawing/2010/main" val="0"/>
@@ -5268,8 +8006,8 @@
         </p:blipFill>
         <p:spPr>
           <a:xfrm>
-            <a:off x="3449681" y="2067599"/>
-            <a:ext cx="6668431" cy="4115374"/>
+            <a:off x="6330299" y="2143099"/>
+            <a:ext cx="5648472" cy="3485914"/>
           </a:xfrm>
           <a:prstGeom prst="rect">
             <a:avLst/>
@@ -5279,7 +8017,7 @@
     </p:spTree>
     <p:extLst>
       <p:ext uri="{BB962C8B-B14F-4D97-AF65-F5344CB8AC3E}">
-        <p14:creationId xmlns:p14="http://schemas.microsoft.com/office/powerpoint/2010/main" val="805432802"/>
+        <p14:creationId xmlns:p14="http://schemas.microsoft.com/office/powerpoint/2010/main" val="2344971949"/>
       </p:ext>
     </p:extLst>
   </p:cSld>
@@ -5311,7 +8049,7 @@
           <p:cNvPr id="2" name="Title 1">
             <a:extLst>
               <a:ext uri="{FF2B5EF4-FFF2-40B4-BE49-F238E27FC236}">
-                <a16:creationId xmlns:a16="http://schemas.microsoft.com/office/drawing/2014/main" id="{5E2F3C9F-EFB4-E8DB-17DA-B456FF5DA367}"/>
+                <a16:creationId xmlns:a16="http://schemas.microsoft.com/office/drawing/2014/main" id="{F1F62BDF-4EFC-8F01-093E-6CBFD8683509}"/>
               </a:ext>
             </a:extLst>
           </p:cNvPr>
@@ -5329,29 +8067,27 @@
           <a:p>
             <a:r>
               <a:rPr lang="en-GB" dirty="0"/>
-              <a:t>Live Release Rates</a:t>
+              <a:t>Outcomes – Wildlife</a:t>
             </a:r>
           </a:p>
         </p:txBody>
       </p:sp>
       <p:pic>
         <p:nvPicPr>
-          <p:cNvPr id="5" name="Content Placeholder 4">
+          <p:cNvPr id="4" name="Picture 3">
             <a:extLst>
               <a:ext uri="{FF2B5EF4-FFF2-40B4-BE49-F238E27FC236}">
-                <a16:creationId xmlns:a16="http://schemas.microsoft.com/office/drawing/2014/main" id="{8EA4E12A-8DEB-3A20-F05E-964044159BD0}"/>
+                <a16:creationId xmlns:a16="http://schemas.microsoft.com/office/drawing/2014/main" id="{20DAA8B6-4A0B-68C1-AF63-EA92A88E0C02}"/>
               </a:ext>
             </a:extLst>
           </p:cNvPr>
           <p:cNvPicPr>
-            <a:picLocks noGrp="1" noChangeAspect="1"/>
+            <a:picLocks noChangeAspect="1"/>
           </p:cNvPicPr>
-          <p:nvPr>
-            <p:ph idx="1"/>
-          </p:nvPr>
+          <p:nvPr/>
         </p:nvPicPr>
         <p:blipFill>
-          <a:blip r:embed="rId2">
+          <a:blip r:embed="rId3">
             <a:extLst>
               <a:ext uri="{28A0092B-C50C-407E-A947-70E740481C1C}">
                 <a14:useLocalDpi xmlns:a14="http://schemas.microsoft.com/office/drawing/2010/main" val="0"/>
@@ -5364,197 +8100,18 @@
         </p:blipFill>
         <p:spPr>
           <a:xfrm>
-            <a:off x="4250224" y="2075407"/>
-            <a:ext cx="7242694" cy="4469777"/>
-          </a:xfrm>
-        </p:spPr>
-      </p:pic>
-      <p:sp>
-        <p:nvSpPr>
-          <p:cNvPr id="6" name="TextBox 5">
-            <a:extLst>
-              <a:ext uri="{FF2B5EF4-FFF2-40B4-BE49-F238E27FC236}">
-                <a16:creationId xmlns:a16="http://schemas.microsoft.com/office/drawing/2014/main" id="{DAC6AD76-4BAF-E03D-FE5A-CB46388CE479}"/>
-              </a:ext>
-            </a:extLst>
-          </p:cNvPr>
-          <p:cNvSpPr txBox="1"/>
-          <p:nvPr/>
-        </p:nvSpPr>
-        <p:spPr>
-          <a:xfrm>
-            <a:off x="450210" y="4293079"/>
-            <a:ext cx="3635230" cy="2062103"/>
+            <a:off x="2478131" y="1965960"/>
+            <a:ext cx="6668431" cy="4115374"/>
           </a:xfrm>
           <a:prstGeom prst="rect">
             <a:avLst/>
           </a:prstGeom>
-          <a:noFill/>
         </p:spPr>
-        <p:txBody>
-          <a:bodyPr wrap="square" rtlCol="0">
-            <a:spAutoFit/>
-          </a:bodyPr>
-          <a:lstStyle/>
-          <a:p>
-            <a:r>
-              <a:rPr lang="en-GB" sz="1600" dirty="0">
-                <a:ea typeface="Inter" panose="02000503000000020004" pitchFamily="2" charset="0"/>
-              </a:rPr>
-              <a:t>The LRR is the percentage of animals who were rehomed, reclaimed by their owner or transferred to a rescue group or other non-RSPCA facility as a percentage of the total number of animals received </a:t>
-            </a:r>
-          </a:p>
-          <a:p>
-            <a:r>
-              <a:rPr lang="en-GB" sz="1600" dirty="0">
-                <a:ea typeface="Inter" panose="02000503000000020004" pitchFamily="2" charset="0"/>
-              </a:rPr>
-              <a:t>(not including those currently in care or categorised as “other”)</a:t>
-            </a:r>
-          </a:p>
-        </p:txBody>
-      </p:sp>
-      <p:sp>
-        <p:nvSpPr>
-          <p:cNvPr id="7" name="TextBox 6">
-            <a:extLst>
-              <a:ext uri="{FF2B5EF4-FFF2-40B4-BE49-F238E27FC236}">
-                <a16:creationId xmlns:a16="http://schemas.microsoft.com/office/drawing/2014/main" id="{3280EF5B-1173-AFA3-0395-1AB56F3AFBF2}"/>
-              </a:ext>
-            </a:extLst>
-          </p:cNvPr>
-          <p:cNvSpPr txBox="1"/>
-          <p:nvPr/>
-        </p:nvSpPr>
-        <p:spPr>
-          <a:xfrm>
-            <a:off x="450210" y="2075407"/>
-            <a:ext cx="3074225" cy="2031325"/>
-          </a:xfrm>
-          <a:prstGeom prst="rect">
-            <a:avLst/>
-          </a:prstGeom>
-          <a:noFill/>
-        </p:spPr>
-        <p:txBody>
-          <a:bodyPr wrap="square" rtlCol="0">
-            <a:spAutoFit/>
-          </a:bodyPr>
-          <a:lstStyle/>
-          <a:p>
-            <a:r>
-              <a:rPr lang="en-GB" dirty="0"/>
-              <a:t>Total animals received in 2018:</a:t>
-            </a:r>
-          </a:p>
-          <a:p>
-            <a:pPr marL="285750" indent="-285750">
-              <a:buFontTx/>
-              <a:buChar char="-"/>
-            </a:pPr>
-            <a:r>
-              <a:rPr lang="en-GB" dirty="0">
-                <a:latin typeface="Calibri" panose="020F0502020204030204" pitchFamily="34" charset="0"/>
-                <a:cs typeface="Calibri" panose="020F0502020204030204" pitchFamily="34" charset="0"/>
-              </a:rPr>
-              <a:t>33,863</a:t>
-            </a:r>
-            <a:r>
-              <a:rPr lang="en-GB" dirty="0"/>
-              <a:t> Dogs</a:t>
-            </a:r>
-          </a:p>
-          <a:p>
-            <a:pPr marL="285750" indent="-285750">
-              <a:buFontTx/>
-              <a:buChar char="-"/>
-            </a:pPr>
-            <a:r>
-              <a:rPr lang="en-GB" dirty="0">
-                <a:latin typeface="Calibri" panose="020F0502020204030204" pitchFamily="34" charset="0"/>
-                <a:cs typeface="Calibri" panose="020F0502020204030204" pitchFamily="34" charset="0"/>
-              </a:rPr>
-              <a:t>51,170</a:t>
-            </a:r>
-            <a:r>
-              <a:rPr lang="en-GB" dirty="0"/>
-              <a:t> Cats</a:t>
-            </a:r>
-          </a:p>
-          <a:p>
-            <a:pPr marL="285750" indent="-285750">
-              <a:buFontTx/>
-              <a:buChar char="-"/>
-            </a:pPr>
-            <a:r>
-              <a:rPr lang="en-GB" dirty="0">
-                <a:latin typeface="Calibri" panose="020F0502020204030204" pitchFamily="34" charset="0"/>
-                <a:cs typeface="Calibri" panose="020F0502020204030204" pitchFamily="34" charset="0"/>
-              </a:rPr>
-              <a:t>479</a:t>
-            </a:r>
-            <a:r>
-              <a:rPr lang="en-GB" dirty="0"/>
-              <a:t> Horses</a:t>
-            </a:r>
-          </a:p>
-          <a:p>
-            <a:pPr marL="285750" indent="-285750">
-              <a:buFontTx/>
-              <a:buChar char="-"/>
-            </a:pPr>
-            <a:r>
-              <a:rPr lang="en-GB" dirty="0">
-                <a:latin typeface="Calibri" panose="020F0502020204030204" pitchFamily="34" charset="0"/>
-                <a:cs typeface="Calibri" panose="020F0502020204030204" pitchFamily="34" charset="0"/>
-              </a:rPr>
-              <a:t>3,309</a:t>
-            </a:r>
-            <a:r>
-              <a:rPr lang="en-GB" dirty="0"/>
-              <a:t> Livestock</a:t>
-            </a:r>
-          </a:p>
-          <a:p>
-            <a:pPr marL="285750" indent="-285750">
-              <a:buFontTx/>
-              <a:buChar char="-"/>
-            </a:pPr>
-            <a:r>
-              <a:rPr lang="en-GB" dirty="0">
-                <a:latin typeface="Calibri" panose="020F0502020204030204" pitchFamily="34" charset="0"/>
-                <a:cs typeface="Calibri" panose="020F0502020204030204" pitchFamily="34" charset="0"/>
-              </a:rPr>
-              <a:t>28,183</a:t>
-            </a:r>
-            <a:r>
-              <a:rPr lang="en-GB" dirty="0"/>
-              <a:t> Wildlife</a:t>
-            </a:r>
-          </a:p>
-          <a:p>
-            <a:pPr marL="285750" indent="-285750">
-              <a:buFontTx/>
-              <a:buChar char="-"/>
-            </a:pPr>
-            <a:r>
-              <a:rPr lang="en-GB" dirty="0">
-                <a:latin typeface="Calibri" panose="020F0502020204030204" pitchFamily="34" charset="0"/>
-                <a:cs typeface="Calibri" panose="020F0502020204030204" pitchFamily="34" charset="0"/>
-              </a:rPr>
-              <a:t>7,142</a:t>
-            </a:r>
-            <a:r>
-              <a:rPr lang="en-GB" dirty="0"/>
-              <a:t> Other</a:t>
-            </a:r>
-          </a:p>
-        </p:txBody>
-      </p:sp>
+      </p:pic>
     </p:spTree>
     <p:extLst>
       <p:ext uri="{BB962C8B-B14F-4D97-AF65-F5344CB8AC3E}">
-        <p14:creationId xmlns:p14="http://schemas.microsoft.com/office/powerpoint/2010/main" val="1083043648"/>
+        <p14:creationId xmlns:p14="http://schemas.microsoft.com/office/powerpoint/2010/main" val="805432802"/>
       </p:ext>
     </p:extLst>
   </p:cSld>
@@ -5586,6 +8143,144 @@
           <p:cNvPr id="2" name="Title 1">
             <a:extLst>
               <a:ext uri="{FF2B5EF4-FFF2-40B4-BE49-F238E27FC236}">
+                <a16:creationId xmlns:a16="http://schemas.microsoft.com/office/drawing/2014/main" id="{5E2F3C9F-EFB4-E8DB-17DA-B456FF5DA367}"/>
+              </a:ext>
+            </a:extLst>
+          </p:cNvPr>
+          <p:cNvSpPr>
+            <a:spLocks noGrp="1"/>
+          </p:cNvSpPr>
+          <p:nvPr>
+            <p:ph type="title"/>
+          </p:nvPr>
+        </p:nvSpPr>
+        <p:spPr/>
+        <p:txBody>
+          <a:bodyPr/>
+          <a:lstStyle/>
+          <a:p>
+            <a:r>
+              <a:rPr lang="en-GB" dirty="0"/>
+              <a:t>Live Release Rates</a:t>
+            </a:r>
+          </a:p>
+        </p:txBody>
+      </p:sp>
+      <p:pic>
+        <p:nvPicPr>
+          <p:cNvPr id="5" name="Content Placeholder 4">
+            <a:extLst>
+              <a:ext uri="{FF2B5EF4-FFF2-40B4-BE49-F238E27FC236}">
+                <a16:creationId xmlns:a16="http://schemas.microsoft.com/office/drawing/2014/main" id="{8EA4E12A-8DEB-3A20-F05E-964044159BD0}"/>
+              </a:ext>
+            </a:extLst>
+          </p:cNvPr>
+          <p:cNvPicPr>
+            <a:picLocks noGrp="1" noChangeAspect="1"/>
+          </p:cNvPicPr>
+          <p:nvPr>
+            <p:ph idx="1"/>
+          </p:nvPr>
+        </p:nvPicPr>
+        <p:blipFill>
+          <a:blip r:embed="rId3">
+            <a:extLst>
+              <a:ext uri="{28A0092B-C50C-407E-A947-70E740481C1C}">
+                <a14:useLocalDpi xmlns:a14="http://schemas.microsoft.com/office/drawing/2010/main" val="0"/>
+              </a:ext>
+            </a:extLst>
+          </a:blip>
+          <a:stretch>
+            <a:fillRect/>
+          </a:stretch>
+        </p:blipFill>
+        <p:spPr>
+          <a:xfrm>
+            <a:off x="4250224" y="2075407"/>
+            <a:ext cx="7242694" cy="4469777"/>
+          </a:xfrm>
+        </p:spPr>
+      </p:pic>
+      <p:sp>
+        <p:nvSpPr>
+          <p:cNvPr id="6" name="TextBox 5">
+            <a:extLst>
+              <a:ext uri="{FF2B5EF4-FFF2-40B4-BE49-F238E27FC236}">
+                <a16:creationId xmlns:a16="http://schemas.microsoft.com/office/drawing/2014/main" id="{DAC6AD76-4BAF-E03D-FE5A-CB46388CE479}"/>
+              </a:ext>
+            </a:extLst>
+          </p:cNvPr>
+          <p:cNvSpPr txBox="1"/>
+          <p:nvPr/>
+        </p:nvSpPr>
+        <p:spPr>
+          <a:xfrm>
+            <a:off x="450210" y="2997679"/>
+            <a:ext cx="3635230" cy="2062103"/>
+          </a:xfrm>
+          <a:prstGeom prst="rect">
+            <a:avLst/>
+          </a:prstGeom>
+          <a:noFill/>
+        </p:spPr>
+        <p:txBody>
+          <a:bodyPr wrap="square" rtlCol="0">
+            <a:spAutoFit/>
+          </a:bodyPr>
+          <a:lstStyle/>
+          <a:p>
+            <a:r>
+              <a:rPr lang="en-GB" sz="1600" dirty="0">
+                <a:ea typeface="Inter" panose="02000503000000020004" pitchFamily="2" charset="0"/>
+              </a:rPr>
+              <a:t>The LRR is the percentage of animals who were rehomed, reclaimed by their owner or transferred to a rescue group or other non-RSPCA facility as a percentage of the total number of animals received </a:t>
+            </a:r>
+          </a:p>
+          <a:p>
+            <a:r>
+              <a:rPr lang="en-GB" sz="1600" dirty="0">
+                <a:ea typeface="Inter" panose="02000503000000020004" pitchFamily="2" charset="0"/>
+              </a:rPr>
+              <a:t>(not including those currently in care or categorised as “other”)</a:t>
+            </a:r>
+          </a:p>
+        </p:txBody>
+      </p:sp>
+    </p:spTree>
+    <p:extLst>
+      <p:ext uri="{BB962C8B-B14F-4D97-AF65-F5344CB8AC3E}">
+        <p14:creationId xmlns:p14="http://schemas.microsoft.com/office/powerpoint/2010/main" val="1083043648"/>
+      </p:ext>
+    </p:extLst>
+  </p:cSld>
+  <p:clrMapOvr>
+    <a:masterClrMapping/>
+  </p:clrMapOvr>
+</p:sld>
+</file>
+
+<file path=ppt/slides/slide9.xml><?xml version="1.0" encoding="utf-8"?>
+<p:sld xmlns:a="http://schemas.openxmlformats.org/drawingml/2006/main" xmlns:r="http://schemas.openxmlformats.org/officeDocument/2006/relationships" xmlns:p="http://schemas.openxmlformats.org/presentationml/2006/main">
+  <p:cSld>
+    <p:spTree>
+      <p:nvGrpSpPr>
+        <p:cNvPr id="1" name=""/>
+        <p:cNvGrpSpPr/>
+        <p:nvPr/>
+      </p:nvGrpSpPr>
+      <p:grpSpPr>
+        <a:xfrm>
+          <a:off x="0" y="0"/>
+          <a:ext cx="0" cy="0"/>
+          <a:chOff x="0" y="0"/>
+          <a:chExt cx="0" cy="0"/>
+        </a:xfrm>
+      </p:grpSpPr>
+      <p:sp>
+        <p:nvSpPr>
+          <p:cNvPr id="2" name="Title 1">
+            <a:extLst>
+              <a:ext uri="{FF2B5EF4-FFF2-40B4-BE49-F238E27FC236}">
                 <a16:creationId xmlns:a16="http://schemas.microsoft.com/office/drawing/2014/main" id="{0E654D38-F373-9811-3331-DB69CFFB3D1C}"/>
               </a:ext>
             </a:extLst>
@@ -5625,7 +8320,7 @@
           <p:nvPr/>
         </p:nvPicPr>
         <p:blipFill>
-          <a:blip r:embed="rId2">
+          <a:blip r:embed="rId3">
             <a:extLst>
               <a:ext uri="{28A0092B-C50C-407E-A947-70E740481C1C}">
                 <a14:useLocalDpi xmlns:a14="http://schemas.microsoft.com/office/drawing/2010/main" val="0"/>
@@ -5661,7 +8356,7 @@
           <p:nvPr/>
         </p:nvPicPr>
         <p:blipFill>
-          <a:blip r:embed="rId3">
+          <a:blip r:embed="rId4">
             <a:extLst>
               <a:ext uri="{28A0092B-C50C-407E-A947-70E740481C1C}">
                 <a14:useLocalDpi xmlns:a14="http://schemas.microsoft.com/office/drawing/2010/main" val="0"/>
@@ -5686,100 +8381,6 @@
     <p:extLst>
       <p:ext uri="{BB962C8B-B14F-4D97-AF65-F5344CB8AC3E}">
         <p14:creationId xmlns:p14="http://schemas.microsoft.com/office/powerpoint/2010/main" val="1225048521"/>
-      </p:ext>
-    </p:extLst>
-  </p:cSld>
-  <p:clrMapOvr>
-    <a:masterClrMapping/>
-  </p:clrMapOvr>
-</p:sld>
-</file>
-
-<file path=ppt/slides/slide9.xml><?xml version="1.0" encoding="utf-8"?>
-<p:sld xmlns:a="http://schemas.openxmlformats.org/drawingml/2006/main" xmlns:r="http://schemas.openxmlformats.org/officeDocument/2006/relationships" xmlns:p="http://schemas.openxmlformats.org/presentationml/2006/main">
-  <p:cSld>
-    <p:spTree>
-      <p:nvGrpSpPr>
-        <p:cNvPr id="1" name=""/>
-        <p:cNvGrpSpPr/>
-        <p:nvPr/>
-      </p:nvGrpSpPr>
-      <p:grpSpPr>
-        <a:xfrm>
-          <a:off x="0" y="0"/>
-          <a:ext cx="0" cy="0"/>
-          <a:chOff x="0" y="0"/>
-          <a:chExt cx="0" cy="0"/>
-        </a:xfrm>
-      </p:grpSpPr>
-      <p:sp>
-        <p:nvSpPr>
-          <p:cNvPr id="2" name="Title 1">
-            <a:extLst>
-              <a:ext uri="{FF2B5EF4-FFF2-40B4-BE49-F238E27FC236}">
-                <a16:creationId xmlns:a16="http://schemas.microsoft.com/office/drawing/2014/main" id="{107452CB-514B-F827-7F0F-6C316B3AD236}"/>
-              </a:ext>
-            </a:extLst>
-          </p:cNvPr>
-          <p:cNvSpPr>
-            <a:spLocks noGrp="1"/>
-          </p:cNvSpPr>
-          <p:nvPr>
-            <p:ph type="title"/>
-          </p:nvPr>
-        </p:nvSpPr>
-        <p:spPr/>
-        <p:txBody>
-          <a:bodyPr/>
-          <a:lstStyle/>
-          <a:p>
-            <a:r>
-              <a:rPr lang="en-GB" dirty="0" err="1"/>
-              <a:t>Euthanisation</a:t>
-            </a:r>
-            <a:endParaRPr lang="en-GB" dirty="0"/>
-          </a:p>
-        </p:txBody>
-      </p:sp>
-      <p:pic>
-        <p:nvPicPr>
-          <p:cNvPr id="17" name="Content Placeholder 16">
-            <a:extLst>
-              <a:ext uri="{FF2B5EF4-FFF2-40B4-BE49-F238E27FC236}">
-                <a16:creationId xmlns:a16="http://schemas.microsoft.com/office/drawing/2014/main" id="{5A61B660-15FC-F015-DCA7-3929E336CE51}"/>
-              </a:ext>
-            </a:extLst>
-          </p:cNvPr>
-          <p:cNvPicPr>
-            <a:picLocks noGrp="1" noChangeAspect="1"/>
-          </p:cNvPicPr>
-          <p:nvPr>
-            <p:ph idx="1"/>
-          </p:nvPr>
-        </p:nvPicPr>
-        <p:blipFill>
-          <a:blip r:embed="rId3">
-            <a:extLst>
-              <a:ext uri="{28A0092B-C50C-407E-A947-70E740481C1C}">
-                <a14:useLocalDpi xmlns:a14="http://schemas.microsoft.com/office/drawing/2010/main" val="0"/>
-              </a:ext>
-            </a:extLst>
-          </a:blip>
-          <a:stretch>
-            <a:fillRect/>
-          </a:stretch>
-        </p:blipFill>
-        <p:spPr>
-          <a:xfrm>
-            <a:off x="4144146" y="1965960"/>
-            <a:ext cx="6904854" cy="4261281"/>
-          </a:xfrm>
-        </p:spPr>
-      </p:pic>
-    </p:spTree>
-    <p:extLst>
-      <p:ext uri="{BB962C8B-B14F-4D97-AF65-F5344CB8AC3E}">
-        <p14:creationId xmlns:p14="http://schemas.microsoft.com/office/powerpoint/2010/main" val="3216406623"/>
       </p:ext>
     </p:extLst>
   </p:cSld>
